--- a/Informatik/Refactoring_Slaven_Mlinaric - v2 [Autosaved].pptx
+++ b/Informatik/Refactoring_Slaven_Mlinaric - v2 [Autosaved].pptx
@@ -17,17 +17,17 @@
     <p:sldId id="266" r:id="rId11"/>
     <p:sldId id="267" r:id="rId12"/>
     <p:sldId id="268" r:id="rId13"/>
-    <p:sldId id="269" r:id="rId14"/>
-    <p:sldId id="270" r:id="rId15"/>
-    <p:sldId id="271" r:id="rId16"/>
-    <p:sldId id="272" r:id="rId17"/>
-    <p:sldId id="273" r:id="rId18"/>
-    <p:sldId id="274" r:id="rId19"/>
-    <p:sldId id="275" r:id="rId20"/>
-    <p:sldId id="276" r:id="rId21"/>
-    <p:sldId id="277" r:id="rId22"/>
-    <p:sldId id="278" r:id="rId23"/>
-    <p:sldId id="279" r:id="rId24"/>
+    <p:sldId id="270" r:id="rId14"/>
+    <p:sldId id="271" r:id="rId15"/>
+    <p:sldId id="272" r:id="rId16"/>
+    <p:sldId id="273" r:id="rId17"/>
+    <p:sldId id="274" r:id="rId18"/>
+    <p:sldId id="275" r:id="rId19"/>
+    <p:sldId id="276" r:id="rId20"/>
+    <p:sldId id="277" r:id="rId21"/>
+    <p:sldId id="278" r:id="rId22"/>
+    <p:sldId id="279" r:id="rId23"/>
+    <p:sldId id="281" r:id="rId24"/>
   </p:sldIdLst>
   <p:sldSz cx="12192000" cy="6858000"/>
   <p:notesSz cx="6858000" cy="9144000"/>
@@ -15153,7 +15153,7 @@
           <a:p>
             <a:fld id="{6E56E307-6B2F-44D3-BAE8-85C161B1104B}" type="datetimeFigureOut">
               <a:rPr lang="en-DE" smtClean="0"/>
-              <a:t>18/12/2022</a:t>
+              <a:t>21/12/2022</a:t>
             </a:fld>
             <a:endParaRPr lang="en-DE"/>
           </a:p>
@@ -15477,7 +15477,7 @@
           <a:p>
             <a:fld id="{6E56E307-6B2F-44D3-BAE8-85C161B1104B}" type="datetimeFigureOut">
               <a:rPr lang="en-DE" smtClean="0"/>
-              <a:t>18/12/2022</a:t>
+              <a:t>21/12/2022</a:t>
             </a:fld>
             <a:endParaRPr lang="en-DE"/>
           </a:p>
@@ -15725,7 +15725,7 @@
           <a:p>
             <a:fld id="{6E56E307-6B2F-44D3-BAE8-85C161B1104B}" type="datetimeFigureOut">
               <a:rPr lang="en-DE" smtClean="0"/>
-              <a:t>18/12/2022</a:t>
+              <a:t>21/12/2022</a:t>
             </a:fld>
             <a:endParaRPr lang="en-DE"/>
           </a:p>
@@ -16064,7 +16064,7 @@
           <a:p>
             <a:fld id="{6E56E307-6B2F-44D3-BAE8-85C161B1104B}" type="datetimeFigureOut">
               <a:rPr lang="en-DE" smtClean="0"/>
-              <a:t>18/12/2022</a:t>
+              <a:t>21/12/2022</a:t>
             </a:fld>
             <a:endParaRPr lang="en-DE"/>
           </a:p>
@@ -16411,7 +16411,7 @@
           <a:p>
             <a:fld id="{6E56E307-6B2F-44D3-BAE8-85C161B1104B}" type="datetimeFigureOut">
               <a:rPr lang="en-DE" smtClean="0"/>
-              <a:t>18/12/2022</a:t>
+              <a:t>21/12/2022</a:t>
             </a:fld>
             <a:endParaRPr lang="en-DE"/>
           </a:p>
@@ -16785,7 +16785,7 @@
           <a:p>
             <a:fld id="{6E56E307-6B2F-44D3-BAE8-85C161B1104B}" type="datetimeFigureOut">
               <a:rPr lang="en-DE" smtClean="0"/>
-              <a:t>18/12/2022</a:t>
+              <a:t>21/12/2022</a:t>
             </a:fld>
             <a:endParaRPr lang="en-DE"/>
           </a:p>
@@ -17255,7 +17255,7 @@
           <a:p>
             <a:fld id="{6E56E307-6B2F-44D3-BAE8-85C161B1104B}" type="datetimeFigureOut">
               <a:rPr lang="en-DE" smtClean="0"/>
-              <a:t>18/12/2022</a:t>
+              <a:t>21/12/2022</a:t>
             </a:fld>
             <a:endParaRPr lang="en-DE"/>
           </a:p>
@@ -17460,7 +17460,7 @@
           <a:p>
             <a:fld id="{6E56E307-6B2F-44D3-BAE8-85C161B1104B}" type="datetimeFigureOut">
               <a:rPr lang="en-DE" smtClean="0"/>
-              <a:t>18/12/2022</a:t>
+              <a:t>21/12/2022</a:t>
             </a:fld>
             <a:endParaRPr lang="en-DE"/>
           </a:p>
@@ -17671,7 +17671,7 @@
           <a:p>
             <a:fld id="{6E56E307-6B2F-44D3-BAE8-85C161B1104B}" type="datetimeFigureOut">
               <a:rPr lang="en-DE" smtClean="0"/>
-              <a:t>18/12/2022</a:t>
+              <a:t>21/12/2022</a:t>
             </a:fld>
             <a:endParaRPr lang="en-DE"/>
           </a:p>
@@ -17903,7 +17903,7 @@
           <a:p>
             <a:fld id="{6E56E307-6B2F-44D3-BAE8-85C161B1104B}" type="datetimeFigureOut">
               <a:rPr lang="en-DE" smtClean="0"/>
-              <a:t>18/12/2022</a:t>
+              <a:t>21/12/2022</a:t>
             </a:fld>
             <a:endParaRPr lang="en-DE"/>
           </a:p>
@@ -18151,7 +18151,7 @@
           <a:p>
             <a:fld id="{6E56E307-6B2F-44D3-BAE8-85C161B1104B}" type="datetimeFigureOut">
               <a:rPr lang="en-DE" smtClean="0"/>
-              <a:t>18/12/2022</a:t>
+              <a:t>21/12/2022</a:t>
             </a:fld>
             <a:endParaRPr lang="en-DE"/>
           </a:p>
@@ -18449,7 +18449,7 @@
           <a:p>
             <a:fld id="{6E56E307-6B2F-44D3-BAE8-85C161B1104B}" type="datetimeFigureOut">
               <a:rPr lang="en-DE" smtClean="0"/>
-              <a:t>18/12/2022</a:t>
+              <a:t>21/12/2022</a:t>
             </a:fld>
             <a:endParaRPr lang="en-DE"/>
           </a:p>
@@ -18843,7 +18843,7 @@
           <a:p>
             <a:fld id="{6E56E307-6B2F-44D3-BAE8-85C161B1104B}" type="datetimeFigureOut">
               <a:rPr lang="en-DE" smtClean="0"/>
-              <a:t>18/12/2022</a:t>
+              <a:t>21/12/2022</a:t>
             </a:fld>
             <a:endParaRPr lang="en-DE"/>
           </a:p>
@@ -18992,7 +18992,7 @@
           <a:p>
             <a:fld id="{6E56E307-6B2F-44D3-BAE8-85C161B1104B}" type="datetimeFigureOut">
               <a:rPr lang="en-DE" smtClean="0"/>
-              <a:t>18/12/2022</a:t>
+              <a:t>21/12/2022</a:t>
             </a:fld>
             <a:endParaRPr lang="en-DE"/>
           </a:p>
@@ -19118,7 +19118,7 @@
           <a:p>
             <a:fld id="{6E56E307-6B2F-44D3-BAE8-85C161B1104B}" type="datetimeFigureOut">
               <a:rPr lang="en-DE" smtClean="0"/>
-              <a:t>18/12/2022</a:t>
+              <a:t>21/12/2022</a:t>
             </a:fld>
             <a:endParaRPr lang="en-DE"/>
           </a:p>
@@ -19373,7 +19373,7 @@
           <a:p>
             <a:fld id="{6E56E307-6B2F-44D3-BAE8-85C161B1104B}" type="datetimeFigureOut">
               <a:rPr lang="en-DE" smtClean="0"/>
-              <a:t>18/12/2022</a:t>
+              <a:t>21/12/2022</a:t>
             </a:fld>
             <a:endParaRPr lang="en-DE"/>
           </a:p>
@@ -19688,7 +19688,7 @@
           <a:p>
             <a:fld id="{6E56E307-6B2F-44D3-BAE8-85C161B1104B}" type="datetimeFigureOut">
               <a:rPr lang="en-DE" smtClean="0"/>
-              <a:t>18/12/2022</a:t>
+              <a:t>21/12/2022</a:t>
             </a:fld>
             <a:endParaRPr lang="en-DE"/>
           </a:p>
@@ -20039,7 +20039,7 @@
           <a:p>
             <a:fld id="{6E56E307-6B2F-44D3-BAE8-85C161B1104B}" type="datetimeFigureOut">
               <a:rPr lang="en-DE" smtClean="0"/>
-              <a:t>18/12/2022</a:t>
+              <a:t>21/12/2022</a:t>
             </a:fld>
             <a:endParaRPr lang="en-DE"/>
           </a:p>
@@ -20907,7 +20907,7 @@
         </p:nvSpPr>
         <p:spPr>
           <a:xfrm>
-            <a:off x="5354354" y="553616"/>
+            <a:off x="5191928" y="594985"/>
             <a:ext cx="2015412" cy="369332"/>
           </a:xfrm>
           <a:prstGeom prst="rect">
@@ -23796,65 +23796,6 @@
           </a:prstGeom>
         </p:spPr>
       </p:pic>
-      <p:sp>
-        <p:nvSpPr>
-          <p:cNvPr id="21" name="Ellipse 20">
-            <a:extLst>
-              <a:ext uri="{FF2B5EF4-FFF2-40B4-BE49-F238E27FC236}">
-                <a16:creationId xmlns:a16="http://schemas.microsoft.com/office/drawing/2014/main" id="{1650E830-3795-4999-B3B6-87929FE6CCE4}"/>
-              </a:ext>
-            </a:extLst>
-          </p:cNvPr>
-          <p:cNvSpPr/>
-          <p:nvPr/>
-        </p:nvSpPr>
-        <p:spPr>
-          <a:xfrm>
-            <a:off x="5919623" y="579973"/>
-            <a:ext cx="548640" cy="548640"/>
-          </a:xfrm>
-          <a:prstGeom prst="ellipse">
-            <a:avLst/>
-          </a:prstGeom>
-          <a:solidFill>
-            <a:srgbClr val="E71224">
-              <a:alpha val="5000"/>
-            </a:srgbClr>
-          </a:solidFill>
-          <a:ln w="18000">
-            <a:solidFill>
-              <a:srgbClr val="E71224"/>
-            </a:solidFill>
-          </a:ln>
-        </p:spPr>
-        <p:style>
-          <a:lnRef idx="2">
-            <a:schemeClr val="accent1">
-              <a:shade val="50000"/>
-            </a:schemeClr>
-          </a:lnRef>
-          <a:fillRef idx="1">
-            <a:schemeClr val="accent1"/>
-          </a:fillRef>
-          <a:effectRef idx="0">
-            <a:schemeClr val="accent1"/>
-          </a:effectRef>
-          <a:fontRef idx="minor">
-            <a:schemeClr val="lt1"/>
-          </a:fontRef>
-        </p:style>
-        <p:txBody>
-          <a:bodyPr wrap="none" rtlCol="0" anchor="ctr" anchorCtr="1"/>
-          <a:lstStyle/>
-          <a:p>
-            <a:endParaRPr lang="en-US">
-              <a:solidFill>
-                <a:srgbClr val="E71224"/>
-              </a:solidFill>
-            </a:endParaRPr>
-          </a:p>
-        </p:txBody>
-      </p:sp>
     </p:spTree>
     <p:extLst>
       <p:ext uri="{BB962C8B-B14F-4D97-AF65-F5344CB8AC3E}">
@@ -24164,59 +24105,6 @@
                       </p:childTnLst>
                     </p:cTn>
                   </p:par>
-                  <p:par>
-                    <p:cTn id="30" fill="hold">
-                      <p:stCondLst>
-                        <p:cond delay="indefinite"/>
-                      </p:stCondLst>
-                      <p:childTnLst>
-                        <p:par>
-                          <p:cTn id="31" fill="hold">
-                            <p:stCondLst>
-                              <p:cond delay="0"/>
-                            </p:stCondLst>
-                            <p:childTnLst>
-                              <p:par>
-                                <p:cTn id="32" presetID="21" presetClass="entr" presetSubtype="1" fill="hold" grpId="0" nodeType="clickEffect">
-                                  <p:stCondLst>
-                                    <p:cond delay="0"/>
-                                  </p:stCondLst>
-                                  <p:childTnLst>
-                                    <p:set>
-                                      <p:cBhvr>
-                                        <p:cTn id="33" dur="1" fill="hold">
-                                          <p:stCondLst>
-                                            <p:cond delay="0"/>
-                                          </p:stCondLst>
-                                        </p:cTn>
-                                        <p:tgtEl>
-                                          <p:spTgt spid="21"/>
-                                        </p:tgtEl>
-                                        <p:attrNameLst>
-                                          <p:attrName>style.visibility</p:attrName>
-                                        </p:attrNameLst>
-                                      </p:cBhvr>
-                                      <p:to>
-                                        <p:strVal val="visible"/>
-                                      </p:to>
-                                    </p:set>
-                                    <p:animEffect transition="in" filter="wheel(1)">
-                                      <p:cBhvr>
-                                        <p:cTn id="34" dur="1000"/>
-                                        <p:tgtEl>
-                                          <p:spTgt spid="21"/>
-                                        </p:tgtEl>
-                                      </p:cBhvr>
-                                    </p:animEffect>
-                                  </p:childTnLst>
-                                </p:cTn>
-                              </p:par>
-                            </p:childTnLst>
-                          </p:cTn>
-                        </p:par>
-                      </p:childTnLst>
-                    </p:cTn>
-                  </p:par>
                 </p:childTnLst>
               </p:cTn>
               <p:prevCondLst>
@@ -24238,80 +24126,11 @@
         </p:cTn>
       </p:par>
     </p:tnLst>
-    <p:bldLst>
-      <p:bldP spid="21" grpId="0" animBg="1"/>
-    </p:bldLst>
   </p:timing>
 </p:sld>
 </file>
 
 <file path=ppt/slides/slide13.xml><?xml version="1.0" encoding="utf-8"?>
-<p:sld xmlns:a="http://schemas.openxmlformats.org/drawingml/2006/main" xmlns:r="http://schemas.openxmlformats.org/officeDocument/2006/relationships" xmlns:p="http://schemas.openxmlformats.org/presentationml/2006/main">
-  <p:cSld>
-    <p:spTree>
-      <p:nvGrpSpPr>
-        <p:cNvPr id="1" name=""/>
-        <p:cNvGrpSpPr/>
-        <p:nvPr/>
-      </p:nvGrpSpPr>
-      <p:grpSpPr>
-        <a:xfrm>
-          <a:off x="0" y="0"/>
-          <a:ext cx="0" cy="0"/>
-          <a:chOff x="0" y="0"/>
-          <a:chExt cx="0" cy="0"/>
-        </a:xfrm>
-      </p:grpSpPr>
-      <p:pic>
-        <p:nvPicPr>
-          <p:cNvPr id="3" name="Picture 2" descr="Graphical user interface, text&#10;&#10;Description automatically generated with medium confidence">
-            <a:extLst>
-              <a:ext uri="{FF2B5EF4-FFF2-40B4-BE49-F238E27FC236}">
-                <a16:creationId xmlns:a16="http://schemas.microsoft.com/office/drawing/2014/main" id="{17860C33-6F38-9E2C-2BFE-7E0915B7DFA9}"/>
-              </a:ext>
-            </a:extLst>
-          </p:cNvPr>
-          <p:cNvPicPr>
-            <a:picLocks noChangeAspect="1"/>
-          </p:cNvPicPr>
-          <p:nvPr/>
-        </p:nvPicPr>
-        <p:blipFill>
-          <a:blip r:embed="rId2">
-            <a:extLst>
-              <a:ext uri="{28A0092B-C50C-407E-A947-70E740481C1C}">
-                <a14:useLocalDpi xmlns:a14="http://schemas.microsoft.com/office/drawing/2010/main" val="0"/>
-              </a:ext>
-            </a:extLst>
-          </a:blip>
-          <a:stretch>
-            <a:fillRect/>
-          </a:stretch>
-        </p:blipFill>
-        <p:spPr>
-          <a:xfrm>
-            <a:off x="657835" y="674481"/>
-            <a:ext cx="3658111" cy="895475"/>
-          </a:xfrm>
-          <a:prstGeom prst="rect">
-            <a:avLst/>
-          </a:prstGeom>
-        </p:spPr>
-      </p:pic>
-    </p:spTree>
-    <p:extLst>
-      <p:ext uri="{BB962C8B-B14F-4D97-AF65-F5344CB8AC3E}">
-        <p14:creationId xmlns:p14="http://schemas.microsoft.com/office/powerpoint/2010/main" val="231969226"/>
-      </p:ext>
-    </p:extLst>
-  </p:cSld>
-  <p:clrMapOvr>
-    <a:masterClrMapping/>
-  </p:clrMapOvr>
-</p:sld>
-</file>
-
-<file path=ppt/slides/slide14.xml><?xml version="1.0" encoding="utf-8"?>
 <p:sld xmlns:a="http://schemas.openxmlformats.org/drawingml/2006/main" xmlns:r="http://schemas.openxmlformats.org/officeDocument/2006/relationships" xmlns:p="http://schemas.openxmlformats.org/presentationml/2006/main">
   <p:cSld>
     <p:spTree>
@@ -25020,7 +24839,7 @@
 </p:sld>
 </file>
 
-<file path=ppt/slides/slide15.xml><?xml version="1.0" encoding="utf-8"?>
+<file path=ppt/slides/slide14.xml><?xml version="1.0" encoding="utf-8"?>
 <p:sld xmlns:a="http://schemas.openxmlformats.org/drawingml/2006/main" xmlns:r="http://schemas.openxmlformats.org/officeDocument/2006/relationships" xmlns:p="http://schemas.openxmlformats.org/presentationml/2006/main">
   <p:cSld>
     <p:spTree>
@@ -25431,7 +25250,7 @@
 </p:sld>
 </file>
 
-<file path=ppt/slides/slide16.xml><?xml version="1.0" encoding="utf-8"?>
+<file path=ppt/slides/slide15.xml><?xml version="1.0" encoding="utf-8"?>
 <p:sld xmlns:a="http://schemas.openxmlformats.org/drawingml/2006/main" xmlns:r="http://schemas.openxmlformats.org/officeDocument/2006/relationships" xmlns:p="http://schemas.openxmlformats.org/presentationml/2006/main">
   <p:cSld>
     <p:bg>
@@ -25931,7 +25750,7 @@
 </p:sld>
 </file>
 
-<file path=ppt/slides/slide17.xml><?xml version="1.0" encoding="utf-8"?>
+<file path=ppt/slides/slide16.xml><?xml version="1.0" encoding="utf-8"?>
 <p:sld xmlns:a="http://schemas.openxmlformats.org/drawingml/2006/main" xmlns:r="http://schemas.openxmlformats.org/officeDocument/2006/relationships" xmlns:p="http://schemas.openxmlformats.org/presentationml/2006/main">
   <p:cSld>
     <p:bg>
@@ -26423,7 +26242,7 @@
 </p:sld>
 </file>
 
-<file path=ppt/slides/slide18.xml><?xml version="1.0" encoding="utf-8"?>
+<file path=ppt/slides/slide17.xml><?xml version="1.0" encoding="utf-8"?>
 <p:sld xmlns:a="http://schemas.openxmlformats.org/drawingml/2006/main" xmlns:r="http://schemas.openxmlformats.org/officeDocument/2006/relationships" xmlns:p="http://schemas.openxmlformats.org/presentationml/2006/main">
   <p:cSld>
     <p:spTree>
@@ -26489,7 +26308,7 @@
 </p:sld>
 </file>
 
-<file path=ppt/slides/slide19.xml><?xml version="1.0" encoding="utf-8"?>
+<file path=ppt/slides/slide18.xml><?xml version="1.0" encoding="utf-8"?>
 <p:sld xmlns:a="http://schemas.openxmlformats.org/drawingml/2006/main" xmlns:r="http://schemas.openxmlformats.org/officeDocument/2006/relationships" xmlns:p="http://schemas.openxmlformats.org/presentationml/2006/main">
   <p:cSld>
     <p:spTree>
@@ -26690,6 +26509,192 @@
                                         <p:cTn id="12" dur="500"/>
                                         <p:tgtEl>
                                           <p:spTgt spid="5"/>
+                                        </p:tgtEl>
+                                      </p:cBhvr>
+                                    </p:animEffect>
+                                  </p:childTnLst>
+                                </p:cTn>
+                              </p:par>
+                            </p:childTnLst>
+                          </p:cTn>
+                        </p:par>
+                      </p:childTnLst>
+                    </p:cTn>
+                  </p:par>
+                </p:childTnLst>
+              </p:cTn>
+              <p:prevCondLst>
+                <p:cond evt="onPrev" delay="0">
+                  <p:tgtEl>
+                    <p:sldTgt/>
+                  </p:tgtEl>
+                </p:cond>
+              </p:prevCondLst>
+              <p:nextCondLst>
+                <p:cond evt="onNext" delay="0">
+                  <p:tgtEl>
+                    <p:sldTgt/>
+                  </p:tgtEl>
+                </p:cond>
+              </p:nextCondLst>
+            </p:seq>
+          </p:childTnLst>
+        </p:cTn>
+      </p:par>
+    </p:tnLst>
+  </p:timing>
+</p:sld>
+</file>
+
+<file path=ppt/slides/slide19.xml><?xml version="1.0" encoding="utf-8"?>
+<p:sld xmlns:a="http://schemas.openxmlformats.org/drawingml/2006/main" xmlns:r="http://schemas.openxmlformats.org/officeDocument/2006/relationships" xmlns:p="http://schemas.openxmlformats.org/presentationml/2006/main">
+  <p:cSld>
+    <p:spTree>
+      <p:nvGrpSpPr>
+        <p:cNvPr id="1" name=""/>
+        <p:cNvGrpSpPr/>
+        <p:nvPr/>
+      </p:nvGrpSpPr>
+      <p:grpSpPr>
+        <a:xfrm>
+          <a:off x="0" y="0"/>
+          <a:ext cx="0" cy="0"/>
+          <a:chOff x="0" y="0"/>
+          <a:chExt cx="0" cy="0"/>
+        </a:xfrm>
+      </p:grpSpPr>
+      <p:sp>
+        <p:nvSpPr>
+          <p:cNvPr id="2" name="TextBox 1">
+            <a:extLst>
+              <a:ext uri="{FF2B5EF4-FFF2-40B4-BE49-F238E27FC236}">
+                <a16:creationId xmlns:a16="http://schemas.microsoft.com/office/drawing/2014/main" id="{DA1A4424-52CE-C2EC-FC94-2FB01C7EA681}"/>
+              </a:ext>
+            </a:extLst>
+          </p:cNvPr>
+          <p:cNvSpPr txBox="1"/>
+          <p:nvPr/>
+        </p:nvSpPr>
+        <p:spPr>
+          <a:xfrm>
+            <a:off x="3736881" y="773207"/>
+            <a:ext cx="4718238" cy="1323439"/>
+          </a:xfrm>
+          <a:prstGeom prst="rect">
+            <a:avLst/>
+          </a:prstGeom>
+          <a:noFill/>
+        </p:spPr>
+        <p:txBody>
+          <a:bodyPr wrap="square" rtlCol="0">
+            <a:spAutoFit/>
+          </a:bodyPr>
+          <a:lstStyle/>
+          <a:p>
+            <a:pPr algn="ctr"/>
+            <a:r>
+              <a:rPr lang="en-GB" sz="4000" b="1" dirty="0"/>
+              <a:t>When should we refactor?</a:t>
+            </a:r>
+            <a:endParaRPr lang="en-DE" sz="4000" b="1" dirty="0"/>
+          </a:p>
+        </p:txBody>
+      </p:sp>
+      <p:pic>
+        <p:nvPicPr>
+          <p:cNvPr id="4" name="Picture 3" descr="Graphical user interface, application, Word&#10;&#10;Description automatically generated">
+            <a:extLst>
+              <a:ext uri="{FF2B5EF4-FFF2-40B4-BE49-F238E27FC236}">
+                <a16:creationId xmlns:a16="http://schemas.microsoft.com/office/drawing/2014/main" id="{4BE8C388-9A35-A291-D4FF-21574A41100C}"/>
+              </a:ext>
+            </a:extLst>
+          </p:cNvPr>
+          <p:cNvPicPr>
+            <a:picLocks noChangeAspect="1"/>
+          </p:cNvPicPr>
+          <p:nvPr/>
+        </p:nvPicPr>
+        <p:blipFill>
+          <a:blip r:embed="rId2">
+            <a:extLst>
+              <a:ext uri="{28A0092B-C50C-407E-A947-70E740481C1C}">
+                <a14:useLocalDpi xmlns:a14="http://schemas.microsoft.com/office/drawing/2010/main" val="0"/>
+              </a:ext>
+            </a:extLst>
+          </a:blip>
+          <a:stretch>
+            <a:fillRect/>
+          </a:stretch>
+        </p:blipFill>
+        <p:spPr>
+          <a:xfrm>
+            <a:off x="3072478" y="2218911"/>
+            <a:ext cx="6047043" cy="2627336"/>
+          </a:xfrm>
+          <a:prstGeom prst="rect">
+            <a:avLst/>
+          </a:prstGeom>
+        </p:spPr>
+      </p:pic>
+    </p:spTree>
+    <p:extLst>
+      <p:ext uri="{BB962C8B-B14F-4D97-AF65-F5344CB8AC3E}">
+        <p14:creationId xmlns:p14="http://schemas.microsoft.com/office/powerpoint/2010/main" val="3894568039"/>
+      </p:ext>
+    </p:extLst>
+  </p:cSld>
+  <p:clrMapOvr>
+    <a:masterClrMapping/>
+  </p:clrMapOvr>
+  <p:timing>
+    <p:tnLst>
+      <p:par>
+        <p:cTn id="1" dur="indefinite" restart="never" nodeType="tmRoot">
+          <p:childTnLst>
+            <p:seq concurrent="1" nextAc="seek">
+              <p:cTn id="2" dur="indefinite" nodeType="mainSeq">
+                <p:childTnLst>
+                  <p:par>
+                    <p:cTn id="3" fill="hold">
+                      <p:stCondLst>
+                        <p:cond delay="indefinite"/>
+                      </p:stCondLst>
+                      <p:childTnLst>
+                        <p:par>
+                          <p:cTn id="4" fill="hold">
+                            <p:stCondLst>
+                              <p:cond delay="0"/>
+                            </p:stCondLst>
+                            <p:childTnLst>
+                              <p:par>
+                                <p:cTn id="5" presetID="10" presetClass="entr" presetSubtype="0" fill="hold" nodeType="clickEffect">
+                                  <p:stCondLst>
+                                    <p:cond delay="0"/>
+                                  </p:stCondLst>
+                                  <p:childTnLst>
+                                    <p:set>
+                                      <p:cBhvr>
+                                        <p:cTn id="6" dur="1" fill="hold">
+                                          <p:stCondLst>
+                                            <p:cond delay="0"/>
+                                          </p:stCondLst>
+                                        </p:cTn>
+                                        <p:tgtEl>
+                                          <p:spTgt spid="4"/>
+                                        </p:tgtEl>
+                                        <p:attrNameLst>
+                                          <p:attrName>style.visibility</p:attrName>
+                                        </p:attrNameLst>
+                                      </p:cBhvr>
+                                      <p:to>
+                                        <p:strVal val="visible"/>
+                                      </p:to>
+                                    </p:set>
+                                    <p:animEffect transition="in" filter="fade">
+                                      <p:cBhvr>
+                                        <p:cTn id="7" dur="500"/>
+                                        <p:tgtEl>
+                                          <p:spTgt spid="4"/>
                                         </p:tgtEl>
                                       </p:cBhvr>
                                     </p:animEffect>
@@ -27046,21 +27051,8 @@
                   <a:srgbClr val="FFFFFF"/>
                 </a:solidFill>
               </a:rPr>
-              <a:t>Pets: 2 </a:t>
+              <a:t>Pets: 2 dogs</a:t>
             </a:r>
-            <a:r>
-              <a:rPr lang="en-US" dirty="0" err="1">
-                <a:solidFill>
-                  <a:srgbClr val="FFFFFF"/>
-                </a:solidFill>
-              </a:rPr>
-              <a:t>Hunde</a:t>
-            </a:r>
-            <a:endParaRPr lang="en-US" dirty="0">
-              <a:solidFill>
-                <a:srgbClr val="FFFFFF"/>
-              </a:solidFill>
-            </a:endParaRPr>
           </a:p>
           <a:p>
             <a:r>
@@ -27381,192 +27373,6 @@
 </file>
 
 <file path=ppt/slides/slide20.xml><?xml version="1.0" encoding="utf-8"?>
-<p:sld xmlns:a="http://schemas.openxmlformats.org/drawingml/2006/main" xmlns:r="http://schemas.openxmlformats.org/officeDocument/2006/relationships" xmlns:p="http://schemas.openxmlformats.org/presentationml/2006/main">
-  <p:cSld>
-    <p:spTree>
-      <p:nvGrpSpPr>
-        <p:cNvPr id="1" name=""/>
-        <p:cNvGrpSpPr/>
-        <p:nvPr/>
-      </p:nvGrpSpPr>
-      <p:grpSpPr>
-        <a:xfrm>
-          <a:off x="0" y="0"/>
-          <a:ext cx="0" cy="0"/>
-          <a:chOff x="0" y="0"/>
-          <a:chExt cx="0" cy="0"/>
-        </a:xfrm>
-      </p:grpSpPr>
-      <p:sp>
-        <p:nvSpPr>
-          <p:cNvPr id="2" name="TextBox 1">
-            <a:extLst>
-              <a:ext uri="{FF2B5EF4-FFF2-40B4-BE49-F238E27FC236}">
-                <a16:creationId xmlns:a16="http://schemas.microsoft.com/office/drawing/2014/main" id="{DA1A4424-52CE-C2EC-FC94-2FB01C7EA681}"/>
-              </a:ext>
-            </a:extLst>
-          </p:cNvPr>
-          <p:cNvSpPr txBox="1"/>
-          <p:nvPr/>
-        </p:nvSpPr>
-        <p:spPr>
-          <a:xfrm>
-            <a:off x="3736881" y="773207"/>
-            <a:ext cx="4718238" cy="1323439"/>
-          </a:xfrm>
-          <a:prstGeom prst="rect">
-            <a:avLst/>
-          </a:prstGeom>
-          <a:noFill/>
-        </p:spPr>
-        <p:txBody>
-          <a:bodyPr wrap="square" rtlCol="0">
-            <a:spAutoFit/>
-          </a:bodyPr>
-          <a:lstStyle/>
-          <a:p>
-            <a:pPr algn="ctr"/>
-            <a:r>
-              <a:rPr lang="en-GB" sz="4000" b="1" dirty="0"/>
-              <a:t>When should we refactor?</a:t>
-            </a:r>
-            <a:endParaRPr lang="en-DE" sz="4000" b="1" dirty="0"/>
-          </a:p>
-        </p:txBody>
-      </p:sp>
-      <p:pic>
-        <p:nvPicPr>
-          <p:cNvPr id="4" name="Picture 3" descr="Graphical user interface, application, Word&#10;&#10;Description automatically generated">
-            <a:extLst>
-              <a:ext uri="{FF2B5EF4-FFF2-40B4-BE49-F238E27FC236}">
-                <a16:creationId xmlns:a16="http://schemas.microsoft.com/office/drawing/2014/main" id="{4BE8C388-9A35-A291-D4FF-21574A41100C}"/>
-              </a:ext>
-            </a:extLst>
-          </p:cNvPr>
-          <p:cNvPicPr>
-            <a:picLocks noChangeAspect="1"/>
-          </p:cNvPicPr>
-          <p:nvPr/>
-        </p:nvPicPr>
-        <p:blipFill>
-          <a:blip r:embed="rId2">
-            <a:extLst>
-              <a:ext uri="{28A0092B-C50C-407E-A947-70E740481C1C}">
-                <a14:useLocalDpi xmlns:a14="http://schemas.microsoft.com/office/drawing/2010/main" val="0"/>
-              </a:ext>
-            </a:extLst>
-          </a:blip>
-          <a:stretch>
-            <a:fillRect/>
-          </a:stretch>
-        </p:blipFill>
-        <p:spPr>
-          <a:xfrm>
-            <a:off x="3072478" y="2218911"/>
-            <a:ext cx="6047043" cy="2627336"/>
-          </a:xfrm>
-          <a:prstGeom prst="rect">
-            <a:avLst/>
-          </a:prstGeom>
-        </p:spPr>
-      </p:pic>
-    </p:spTree>
-    <p:extLst>
-      <p:ext uri="{BB962C8B-B14F-4D97-AF65-F5344CB8AC3E}">
-        <p14:creationId xmlns:p14="http://schemas.microsoft.com/office/powerpoint/2010/main" val="3894568039"/>
-      </p:ext>
-    </p:extLst>
-  </p:cSld>
-  <p:clrMapOvr>
-    <a:masterClrMapping/>
-  </p:clrMapOvr>
-  <p:timing>
-    <p:tnLst>
-      <p:par>
-        <p:cTn id="1" dur="indefinite" restart="never" nodeType="tmRoot">
-          <p:childTnLst>
-            <p:seq concurrent="1" nextAc="seek">
-              <p:cTn id="2" dur="indefinite" nodeType="mainSeq">
-                <p:childTnLst>
-                  <p:par>
-                    <p:cTn id="3" fill="hold">
-                      <p:stCondLst>
-                        <p:cond delay="indefinite"/>
-                      </p:stCondLst>
-                      <p:childTnLst>
-                        <p:par>
-                          <p:cTn id="4" fill="hold">
-                            <p:stCondLst>
-                              <p:cond delay="0"/>
-                            </p:stCondLst>
-                            <p:childTnLst>
-                              <p:par>
-                                <p:cTn id="5" presetID="10" presetClass="entr" presetSubtype="0" fill="hold" nodeType="clickEffect">
-                                  <p:stCondLst>
-                                    <p:cond delay="0"/>
-                                  </p:stCondLst>
-                                  <p:childTnLst>
-                                    <p:set>
-                                      <p:cBhvr>
-                                        <p:cTn id="6" dur="1" fill="hold">
-                                          <p:stCondLst>
-                                            <p:cond delay="0"/>
-                                          </p:stCondLst>
-                                        </p:cTn>
-                                        <p:tgtEl>
-                                          <p:spTgt spid="4"/>
-                                        </p:tgtEl>
-                                        <p:attrNameLst>
-                                          <p:attrName>style.visibility</p:attrName>
-                                        </p:attrNameLst>
-                                      </p:cBhvr>
-                                      <p:to>
-                                        <p:strVal val="visible"/>
-                                      </p:to>
-                                    </p:set>
-                                    <p:animEffect transition="in" filter="fade">
-                                      <p:cBhvr>
-                                        <p:cTn id="7" dur="500"/>
-                                        <p:tgtEl>
-                                          <p:spTgt spid="4"/>
-                                        </p:tgtEl>
-                                      </p:cBhvr>
-                                    </p:animEffect>
-                                  </p:childTnLst>
-                                </p:cTn>
-                              </p:par>
-                            </p:childTnLst>
-                          </p:cTn>
-                        </p:par>
-                      </p:childTnLst>
-                    </p:cTn>
-                  </p:par>
-                </p:childTnLst>
-              </p:cTn>
-              <p:prevCondLst>
-                <p:cond evt="onPrev" delay="0">
-                  <p:tgtEl>
-                    <p:sldTgt/>
-                  </p:tgtEl>
-                </p:cond>
-              </p:prevCondLst>
-              <p:nextCondLst>
-                <p:cond evt="onNext" delay="0">
-                  <p:tgtEl>
-                    <p:sldTgt/>
-                  </p:tgtEl>
-                </p:cond>
-              </p:nextCondLst>
-            </p:seq>
-          </p:childTnLst>
-        </p:cTn>
-      </p:par>
-    </p:tnLst>
-  </p:timing>
-</p:sld>
-</file>
-
-<file path=ppt/slides/slide21.xml><?xml version="1.0" encoding="utf-8"?>
 <p:sld xmlns:a="http://schemas.openxmlformats.org/drawingml/2006/main" xmlns:r="http://schemas.openxmlformats.org/officeDocument/2006/relationships" xmlns:p="http://schemas.openxmlformats.org/presentationml/2006/main">
   <p:cSld>
     <p:spTree>
@@ -28063,7 +27869,7 @@
 </p:sld>
 </file>
 
-<file path=ppt/slides/slide22.xml><?xml version="1.0" encoding="utf-8"?>
+<file path=ppt/slides/slide21.xml><?xml version="1.0" encoding="utf-8"?>
 <p:sld xmlns:a="http://schemas.openxmlformats.org/drawingml/2006/main" xmlns:r="http://schemas.openxmlformats.org/officeDocument/2006/relationships" xmlns:p="http://schemas.openxmlformats.org/presentationml/2006/main">
   <p:cSld>
     <p:spTree>
@@ -28165,6 +27971,527 @@
 </p:sld>
 </file>
 
+<file path=ppt/slides/slide22.xml><?xml version="1.0" encoding="utf-8"?>
+<p:sld xmlns:a="http://schemas.openxmlformats.org/drawingml/2006/main" xmlns:r="http://schemas.openxmlformats.org/officeDocument/2006/relationships" xmlns:p="http://schemas.openxmlformats.org/presentationml/2006/main">
+  <p:cSld>
+    <p:spTree>
+      <p:nvGrpSpPr>
+        <p:cNvPr id="1" name=""/>
+        <p:cNvGrpSpPr/>
+        <p:nvPr/>
+      </p:nvGrpSpPr>
+      <p:grpSpPr>
+        <a:xfrm>
+          <a:off x="0" y="0"/>
+          <a:ext cx="0" cy="0"/>
+          <a:chOff x="0" y="0"/>
+          <a:chExt cx="0" cy="0"/>
+        </a:xfrm>
+      </p:grpSpPr>
+      <p:sp>
+        <p:nvSpPr>
+          <p:cNvPr id="2" name="TextBox 1">
+            <a:extLst>
+              <a:ext uri="{FF2B5EF4-FFF2-40B4-BE49-F238E27FC236}">
+                <a16:creationId xmlns:a16="http://schemas.microsoft.com/office/drawing/2014/main" id="{7F6CF8A4-2C7A-51D3-BBA8-86CB8640A2FD}"/>
+              </a:ext>
+            </a:extLst>
+          </p:cNvPr>
+          <p:cNvSpPr txBox="1"/>
+          <p:nvPr/>
+        </p:nvSpPr>
+        <p:spPr>
+          <a:xfrm>
+            <a:off x="4210050" y="950495"/>
+            <a:ext cx="3771900" cy="584775"/>
+          </a:xfrm>
+          <a:prstGeom prst="rect">
+            <a:avLst/>
+          </a:prstGeom>
+          <a:noFill/>
+        </p:spPr>
+        <p:txBody>
+          <a:bodyPr wrap="square" rtlCol="0">
+            <a:spAutoFit/>
+          </a:bodyPr>
+          <a:lstStyle/>
+          <a:p>
+            <a:pPr algn="ctr"/>
+            <a:r>
+              <a:rPr lang="en-GB" sz="3200" dirty="0"/>
+              <a:t>Going further</a:t>
+            </a:r>
+            <a:endParaRPr lang="en-DE" sz="3200" dirty="0"/>
+          </a:p>
+        </p:txBody>
+      </p:sp>
+      <p:sp>
+        <p:nvSpPr>
+          <p:cNvPr id="3" name="TextBox 2">
+            <a:extLst>
+              <a:ext uri="{FF2B5EF4-FFF2-40B4-BE49-F238E27FC236}">
+                <a16:creationId xmlns:a16="http://schemas.microsoft.com/office/drawing/2014/main" id="{1B7D8FA1-29E7-9CFE-57DA-5EEFEC2672F8}"/>
+              </a:ext>
+            </a:extLst>
+          </p:cNvPr>
+          <p:cNvSpPr txBox="1"/>
+          <p:nvPr/>
+        </p:nvSpPr>
+        <p:spPr>
+          <a:xfrm>
+            <a:off x="2207795" y="2171700"/>
+            <a:ext cx="6515100" cy="2511585"/>
+          </a:xfrm>
+          <a:prstGeom prst="rect">
+            <a:avLst/>
+          </a:prstGeom>
+          <a:noFill/>
+        </p:spPr>
+        <p:txBody>
+          <a:bodyPr wrap="square" rtlCol="0">
+            <a:spAutoFit/>
+          </a:bodyPr>
+          <a:lstStyle/>
+          <a:p>
+            <a:pPr marL="285750" indent="-285750" fontAlgn="ctr">
+              <a:buFont typeface="Arial" panose="020B0604020202020204" pitchFamily="34" charset="0"/>
+              <a:buChar char="•"/>
+            </a:pPr>
+            <a:r>
+              <a:rPr lang="en-GB" dirty="0"/>
+              <a:t>Refactoring Workbook (by William C. Wake)</a:t>
+            </a:r>
+          </a:p>
+          <a:p>
+            <a:pPr marL="285750" indent="-285750">
+              <a:lnSpc>
+                <a:spcPct val="200000"/>
+              </a:lnSpc>
+              <a:buFont typeface="Arial" panose="020B0604020202020204" pitchFamily="34" charset="0"/>
+              <a:buChar char="•"/>
+            </a:pPr>
+            <a:r>
+              <a:rPr lang="en-GB" dirty="0"/>
+              <a:t>Refactoring to Patterns (by Josh </a:t>
+            </a:r>
+            <a:r>
+              <a:rPr lang="en-GB" dirty="0" err="1"/>
+              <a:t>Kerievsky</a:t>
+            </a:r>
+            <a:r>
+              <a:rPr lang="en-GB" dirty="0"/>
+              <a:t>)</a:t>
+            </a:r>
+          </a:p>
+          <a:p>
+            <a:pPr marL="285750" indent="-285750">
+              <a:lnSpc>
+                <a:spcPct val="200000"/>
+              </a:lnSpc>
+              <a:buFont typeface="Arial" panose="020B0604020202020204" pitchFamily="34" charset="0"/>
+              <a:buChar char="•"/>
+            </a:pPr>
+            <a:r>
+              <a:rPr lang="en-GB" dirty="0"/>
+              <a:t>Refactoring Databases (by Scott Ambler and Pramod </a:t>
+            </a:r>
+            <a:r>
+              <a:rPr lang="en-GB" dirty="0" err="1"/>
+              <a:t>Sadalage</a:t>
+            </a:r>
+            <a:r>
+              <a:rPr lang="en-GB" dirty="0"/>
+              <a:t>) </a:t>
+            </a:r>
+          </a:p>
+          <a:p>
+            <a:pPr marL="285750" indent="-285750">
+              <a:lnSpc>
+                <a:spcPct val="200000"/>
+              </a:lnSpc>
+              <a:buFont typeface="Arial" panose="020B0604020202020204" pitchFamily="34" charset="0"/>
+              <a:buChar char="•"/>
+            </a:pPr>
+            <a:r>
+              <a:rPr lang="en-GB" dirty="0"/>
+              <a:t>Refactoring HTML (by </a:t>
+            </a:r>
+            <a:r>
+              <a:rPr lang="en-GB" dirty="0" err="1"/>
+              <a:t>Elliotte</a:t>
+            </a:r>
+            <a:r>
+              <a:rPr lang="en-GB" dirty="0"/>
+              <a:t> Rusty Harold)</a:t>
+            </a:r>
+          </a:p>
+          <a:p>
+            <a:pPr marL="285750" indent="-285750">
+              <a:lnSpc>
+                <a:spcPct val="200000"/>
+              </a:lnSpc>
+              <a:buFont typeface="Arial" panose="020B0604020202020204" pitchFamily="34" charset="0"/>
+              <a:buChar char="•"/>
+            </a:pPr>
+            <a:r>
+              <a:rPr lang="en-GB" dirty="0"/>
+              <a:t>Working Effectively with Legacy Code (by Michael Feathers)</a:t>
+            </a:r>
+            <a:endParaRPr lang="en-DE" dirty="0"/>
+          </a:p>
+        </p:txBody>
+      </p:sp>
+    </p:spTree>
+    <p:extLst>
+      <p:ext uri="{BB962C8B-B14F-4D97-AF65-F5344CB8AC3E}">
+        <p14:creationId xmlns:p14="http://schemas.microsoft.com/office/powerpoint/2010/main" val="736402837"/>
+      </p:ext>
+    </p:extLst>
+  </p:cSld>
+  <p:clrMapOvr>
+    <a:masterClrMapping/>
+  </p:clrMapOvr>
+  <p:timing>
+    <p:tnLst>
+      <p:par>
+        <p:cTn id="1" dur="indefinite" restart="never" nodeType="tmRoot">
+          <p:childTnLst>
+            <p:seq concurrent="1" nextAc="seek">
+              <p:cTn id="2" dur="indefinite" nodeType="mainSeq">
+                <p:childTnLst>
+                  <p:par>
+                    <p:cTn id="3" fill="hold">
+                      <p:stCondLst>
+                        <p:cond delay="indefinite"/>
+                      </p:stCondLst>
+                      <p:childTnLst>
+                        <p:par>
+                          <p:cTn id="4" fill="hold">
+                            <p:stCondLst>
+                              <p:cond delay="0"/>
+                            </p:stCondLst>
+                            <p:childTnLst>
+                              <p:par>
+                                <p:cTn id="5" presetID="10" presetClass="entr" presetSubtype="0" fill="hold" grpId="0" nodeType="clickEffect">
+                                  <p:stCondLst>
+                                    <p:cond delay="0"/>
+                                  </p:stCondLst>
+                                  <p:childTnLst>
+                                    <p:set>
+                                      <p:cBhvr>
+                                        <p:cTn id="6" dur="1" fill="hold">
+                                          <p:stCondLst>
+                                            <p:cond delay="0"/>
+                                          </p:stCondLst>
+                                        </p:cTn>
+                                        <p:tgtEl>
+                                          <p:spTgt spid="3">
+                                            <p:txEl>
+                                              <p:pRg st="0" end="0"/>
+                                            </p:txEl>
+                                          </p:spTgt>
+                                        </p:tgtEl>
+                                        <p:attrNameLst>
+                                          <p:attrName>style.visibility</p:attrName>
+                                        </p:attrNameLst>
+                                      </p:cBhvr>
+                                      <p:to>
+                                        <p:strVal val="visible"/>
+                                      </p:to>
+                                    </p:set>
+                                    <p:animEffect transition="in" filter="fade">
+                                      <p:cBhvr>
+                                        <p:cTn id="7" dur="500"/>
+                                        <p:tgtEl>
+                                          <p:spTgt spid="3">
+                                            <p:txEl>
+                                              <p:pRg st="0" end="0"/>
+                                            </p:txEl>
+                                          </p:spTgt>
+                                        </p:tgtEl>
+                                      </p:cBhvr>
+                                    </p:animEffect>
+                                  </p:childTnLst>
+                                </p:cTn>
+                              </p:par>
+                            </p:childTnLst>
+                          </p:cTn>
+                        </p:par>
+                      </p:childTnLst>
+                    </p:cTn>
+                  </p:par>
+                  <p:par>
+                    <p:cTn id="8" fill="hold">
+                      <p:stCondLst>
+                        <p:cond delay="indefinite"/>
+                      </p:stCondLst>
+                      <p:childTnLst>
+                        <p:par>
+                          <p:cTn id="9" fill="hold">
+                            <p:stCondLst>
+                              <p:cond delay="0"/>
+                            </p:stCondLst>
+                            <p:childTnLst>
+                              <p:par>
+                                <p:cTn id="10" presetID="10" presetClass="entr" presetSubtype="0" fill="hold" grpId="0" nodeType="clickEffect">
+                                  <p:stCondLst>
+                                    <p:cond delay="0"/>
+                                  </p:stCondLst>
+                                  <p:childTnLst>
+                                    <p:set>
+                                      <p:cBhvr>
+                                        <p:cTn id="11" dur="1" fill="hold">
+                                          <p:stCondLst>
+                                            <p:cond delay="0"/>
+                                          </p:stCondLst>
+                                        </p:cTn>
+                                        <p:tgtEl>
+                                          <p:spTgt spid="3">
+                                            <p:txEl>
+                                              <p:pRg st="1" end="1"/>
+                                            </p:txEl>
+                                          </p:spTgt>
+                                        </p:tgtEl>
+                                        <p:attrNameLst>
+                                          <p:attrName>style.visibility</p:attrName>
+                                        </p:attrNameLst>
+                                      </p:cBhvr>
+                                      <p:to>
+                                        <p:strVal val="visible"/>
+                                      </p:to>
+                                    </p:set>
+                                    <p:animEffect transition="in" filter="fade">
+                                      <p:cBhvr>
+                                        <p:cTn id="12" dur="500"/>
+                                        <p:tgtEl>
+                                          <p:spTgt spid="3">
+                                            <p:txEl>
+                                              <p:pRg st="1" end="1"/>
+                                            </p:txEl>
+                                          </p:spTgt>
+                                        </p:tgtEl>
+                                      </p:cBhvr>
+                                    </p:animEffect>
+                                  </p:childTnLst>
+                                </p:cTn>
+                              </p:par>
+                            </p:childTnLst>
+                          </p:cTn>
+                        </p:par>
+                      </p:childTnLst>
+                    </p:cTn>
+                  </p:par>
+                  <p:par>
+                    <p:cTn id="13" fill="hold">
+                      <p:stCondLst>
+                        <p:cond delay="indefinite"/>
+                      </p:stCondLst>
+                      <p:childTnLst>
+                        <p:par>
+                          <p:cTn id="14" fill="hold">
+                            <p:stCondLst>
+                              <p:cond delay="0"/>
+                            </p:stCondLst>
+                            <p:childTnLst>
+                              <p:par>
+                                <p:cTn id="15" presetID="10" presetClass="entr" presetSubtype="0" fill="hold" grpId="0" nodeType="clickEffect">
+                                  <p:stCondLst>
+                                    <p:cond delay="0"/>
+                                  </p:stCondLst>
+                                  <p:childTnLst>
+                                    <p:set>
+                                      <p:cBhvr>
+                                        <p:cTn id="16" dur="1" fill="hold">
+                                          <p:stCondLst>
+                                            <p:cond delay="0"/>
+                                          </p:stCondLst>
+                                        </p:cTn>
+                                        <p:tgtEl>
+                                          <p:spTgt spid="3">
+                                            <p:txEl>
+                                              <p:pRg st="2" end="2"/>
+                                            </p:txEl>
+                                          </p:spTgt>
+                                        </p:tgtEl>
+                                        <p:attrNameLst>
+                                          <p:attrName>style.visibility</p:attrName>
+                                        </p:attrNameLst>
+                                      </p:cBhvr>
+                                      <p:to>
+                                        <p:strVal val="visible"/>
+                                      </p:to>
+                                    </p:set>
+                                    <p:animEffect transition="in" filter="fade">
+                                      <p:cBhvr>
+                                        <p:cTn id="17" dur="500"/>
+                                        <p:tgtEl>
+                                          <p:spTgt spid="3">
+                                            <p:txEl>
+                                              <p:pRg st="2" end="2"/>
+                                            </p:txEl>
+                                          </p:spTgt>
+                                        </p:tgtEl>
+                                      </p:cBhvr>
+                                    </p:animEffect>
+                                  </p:childTnLst>
+                                </p:cTn>
+                              </p:par>
+                            </p:childTnLst>
+                          </p:cTn>
+                        </p:par>
+                      </p:childTnLst>
+                    </p:cTn>
+                  </p:par>
+                  <p:par>
+                    <p:cTn id="18" fill="hold">
+                      <p:stCondLst>
+                        <p:cond delay="indefinite"/>
+                      </p:stCondLst>
+                      <p:childTnLst>
+                        <p:par>
+                          <p:cTn id="19" fill="hold">
+                            <p:stCondLst>
+                              <p:cond delay="0"/>
+                            </p:stCondLst>
+                            <p:childTnLst>
+                              <p:par>
+                                <p:cTn id="20" presetID="10" presetClass="entr" presetSubtype="0" fill="hold" grpId="0" nodeType="clickEffect">
+                                  <p:stCondLst>
+                                    <p:cond delay="0"/>
+                                  </p:stCondLst>
+                                  <p:childTnLst>
+                                    <p:set>
+                                      <p:cBhvr>
+                                        <p:cTn id="21" dur="1" fill="hold">
+                                          <p:stCondLst>
+                                            <p:cond delay="0"/>
+                                          </p:stCondLst>
+                                        </p:cTn>
+                                        <p:tgtEl>
+                                          <p:spTgt spid="3">
+                                            <p:txEl>
+                                              <p:pRg st="3" end="3"/>
+                                            </p:txEl>
+                                          </p:spTgt>
+                                        </p:tgtEl>
+                                        <p:attrNameLst>
+                                          <p:attrName>style.visibility</p:attrName>
+                                        </p:attrNameLst>
+                                      </p:cBhvr>
+                                      <p:to>
+                                        <p:strVal val="visible"/>
+                                      </p:to>
+                                    </p:set>
+                                    <p:animEffect transition="in" filter="fade">
+                                      <p:cBhvr>
+                                        <p:cTn id="22" dur="500"/>
+                                        <p:tgtEl>
+                                          <p:spTgt spid="3">
+                                            <p:txEl>
+                                              <p:pRg st="3" end="3"/>
+                                            </p:txEl>
+                                          </p:spTgt>
+                                        </p:tgtEl>
+                                      </p:cBhvr>
+                                    </p:animEffect>
+                                  </p:childTnLst>
+                                </p:cTn>
+                              </p:par>
+                            </p:childTnLst>
+                          </p:cTn>
+                        </p:par>
+                      </p:childTnLst>
+                    </p:cTn>
+                  </p:par>
+                  <p:par>
+                    <p:cTn id="23" fill="hold">
+                      <p:stCondLst>
+                        <p:cond delay="indefinite"/>
+                      </p:stCondLst>
+                      <p:childTnLst>
+                        <p:par>
+                          <p:cTn id="24" fill="hold">
+                            <p:stCondLst>
+                              <p:cond delay="0"/>
+                            </p:stCondLst>
+                            <p:childTnLst>
+                              <p:par>
+                                <p:cTn id="25" presetID="10" presetClass="entr" presetSubtype="0" fill="hold" grpId="0" nodeType="clickEffect">
+                                  <p:stCondLst>
+                                    <p:cond delay="0"/>
+                                  </p:stCondLst>
+                                  <p:childTnLst>
+                                    <p:set>
+                                      <p:cBhvr>
+                                        <p:cTn id="26" dur="1" fill="hold">
+                                          <p:stCondLst>
+                                            <p:cond delay="0"/>
+                                          </p:stCondLst>
+                                        </p:cTn>
+                                        <p:tgtEl>
+                                          <p:spTgt spid="3">
+                                            <p:txEl>
+                                              <p:pRg st="4" end="4"/>
+                                            </p:txEl>
+                                          </p:spTgt>
+                                        </p:tgtEl>
+                                        <p:attrNameLst>
+                                          <p:attrName>style.visibility</p:attrName>
+                                        </p:attrNameLst>
+                                      </p:cBhvr>
+                                      <p:to>
+                                        <p:strVal val="visible"/>
+                                      </p:to>
+                                    </p:set>
+                                    <p:animEffect transition="in" filter="fade">
+                                      <p:cBhvr>
+                                        <p:cTn id="27" dur="500"/>
+                                        <p:tgtEl>
+                                          <p:spTgt spid="3">
+                                            <p:txEl>
+                                              <p:pRg st="4" end="4"/>
+                                            </p:txEl>
+                                          </p:spTgt>
+                                        </p:tgtEl>
+                                      </p:cBhvr>
+                                    </p:animEffect>
+                                  </p:childTnLst>
+                                </p:cTn>
+                              </p:par>
+                            </p:childTnLst>
+                          </p:cTn>
+                        </p:par>
+                      </p:childTnLst>
+                    </p:cTn>
+                  </p:par>
+                </p:childTnLst>
+              </p:cTn>
+              <p:prevCondLst>
+                <p:cond evt="onPrev" delay="0">
+                  <p:tgtEl>
+                    <p:sldTgt/>
+                  </p:tgtEl>
+                </p:cond>
+              </p:prevCondLst>
+              <p:nextCondLst>
+                <p:cond evt="onNext" delay="0">
+                  <p:tgtEl>
+                    <p:sldTgt/>
+                  </p:tgtEl>
+                </p:cond>
+              </p:nextCondLst>
+            </p:seq>
+          </p:childTnLst>
+        </p:cTn>
+      </p:par>
+    </p:tnLst>
+    <p:bldLst>
+      <p:bldP spid="3" grpId="0" build="p"/>
+    </p:bldLst>
+  </p:timing>
+</p:sld>
+</file>
+
 <file path=ppt/slides/slide23.xml><?xml version="1.0" encoding="utf-8"?>
 <p:sld xmlns:a="http://schemas.openxmlformats.org/drawingml/2006/main" xmlns:r="http://schemas.openxmlformats.org/officeDocument/2006/relationships" xmlns:p="http://schemas.openxmlformats.org/presentationml/2006/main">
   <p:cSld>
@@ -28182,10 +28509,76 @@
           <a:chExt cx="0" cy="0"/>
         </a:xfrm>
       </p:grpSpPr>
+      <p:sp>
+        <p:nvSpPr>
+          <p:cNvPr id="2" name="Title 1">
+            <a:extLst>
+              <a:ext uri="{FF2B5EF4-FFF2-40B4-BE49-F238E27FC236}">
+                <a16:creationId xmlns:a16="http://schemas.microsoft.com/office/drawing/2014/main" id="{57C79227-FE0A-5E17-DCEA-047769B807D3}"/>
+              </a:ext>
+            </a:extLst>
+          </p:cNvPr>
+          <p:cNvSpPr>
+            <a:spLocks noGrp="1"/>
+          </p:cNvSpPr>
+          <p:nvPr>
+            <p:ph type="ctrTitle"/>
+          </p:nvPr>
+        </p:nvSpPr>
+        <p:spPr/>
+        <p:txBody>
+          <a:bodyPr/>
+          <a:lstStyle/>
+          <a:p>
+            <a:r>
+              <a:rPr lang="en-GB" dirty="0"/>
+              <a:t>Thank you for listening!</a:t>
+            </a:r>
+            <a:endParaRPr lang="en-DE" dirty="0"/>
+          </a:p>
+        </p:txBody>
+      </p:sp>
+      <p:sp>
+        <p:nvSpPr>
+          <p:cNvPr id="3" name="Subtitle 2">
+            <a:extLst>
+              <a:ext uri="{FF2B5EF4-FFF2-40B4-BE49-F238E27FC236}">
+                <a16:creationId xmlns:a16="http://schemas.microsoft.com/office/drawing/2014/main" id="{3FDFC4D1-B810-307E-FCA2-3F7A550FC423}"/>
+              </a:ext>
+            </a:extLst>
+          </p:cNvPr>
+          <p:cNvSpPr>
+            <a:spLocks noGrp="1"/>
+          </p:cNvSpPr>
+          <p:nvPr>
+            <p:ph type="subTitle" idx="1"/>
+          </p:nvPr>
+        </p:nvSpPr>
+        <p:spPr/>
+        <p:txBody>
+          <a:bodyPr>
+            <a:normAutofit/>
+          </a:bodyPr>
+          <a:lstStyle/>
+          <a:p>
+            <a:r>
+              <a:rPr lang="en-GB" dirty="0"/>
+              <a:t>Presentation by:</a:t>
+            </a:r>
+          </a:p>
+          <a:p>
+            <a:r>
+              <a:rPr lang="en-GB" dirty="0"/>
+              <a:t>Slaven Mlinaric</a:t>
+            </a:r>
+            <a:endParaRPr lang="en-DE" dirty="0"/>
+          </a:p>
+        </p:txBody>
+      </p:sp>
     </p:spTree>
     <p:extLst>
       <p:ext uri="{BB962C8B-B14F-4D97-AF65-F5344CB8AC3E}">
-        <p14:creationId xmlns:p14="http://schemas.microsoft.com/office/powerpoint/2010/main" val="736402837"/>
+        <p14:creationId xmlns:p14="http://schemas.microsoft.com/office/powerpoint/2010/main" val="2139945676"/>
       </p:ext>
     </p:extLst>
   </p:cSld>
@@ -29805,7 +30198,7 @@
                   <a:schemeClr val="bg1"/>
                 </a:solidFill>
               </a:rPr>
-              <a:t>Refactoring</a:t>
+              <a:t>“Refactoring</a:t>
             </a:r>
             <a:br>
               <a:rPr lang="en-GB" dirty="0">
@@ -29820,7 +30213,7 @@
                   <a:schemeClr val="bg1"/>
                 </a:solidFill>
               </a:rPr>
-              <a:t> Improving the Design of Existing Code</a:t>
+              <a:t> Improving the Design of Existing Code”</a:t>
             </a:r>
             <a:br>
               <a:rPr lang="en-GB" dirty="0">
@@ -29899,19 +30292,17 @@
       </p:cxnSp>
       <p:pic>
         <p:nvPicPr>
-          <p:cNvPr id="5" name="Content Placeholder 4" descr="Logo&#10;&#10;Description automatically generated">
+          <p:cNvPr id="11" name="Picture 10" descr="A cartoon of a child sitting in a chair&#10;&#10;Description automatically generated with low confidence">
             <a:extLst>
               <a:ext uri="{FF2B5EF4-FFF2-40B4-BE49-F238E27FC236}">
-                <a16:creationId xmlns:a16="http://schemas.microsoft.com/office/drawing/2014/main" id="{A71682B0-24C4-E57A-248E-019CFF1A93BC}"/>
+                <a16:creationId xmlns:a16="http://schemas.microsoft.com/office/drawing/2014/main" id="{0124945E-500F-D30A-4BD5-985AABC6A198}"/>
               </a:ext>
             </a:extLst>
           </p:cNvPr>
           <p:cNvPicPr>
-            <a:picLocks noGrp="1" noChangeAspect="1"/>
+            <a:picLocks noChangeAspect="1"/>
           </p:cNvPicPr>
-          <p:nvPr>
-            <p:ph idx="1"/>
-          </p:nvPr>
+          <p:nvPr/>
         </p:nvPicPr>
         <p:blipFill>
           <a:blip r:embed="rId3">
@@ -29927,11 +30318,39 @@
         </p:blipFill>
         <p:spPr>
           <a:xfrm>
-            <a:off x="3518184" y="649477"/>
-            <a:ext cx="5738623" cy="5738623"/>
+            <a:off x="449262" y="447675"/>
+            <a:ext cx="11290300" cy="5962650"/>
           </a:xfrm>
+          <a:prstGeom prst="rect">
+            <a:avLst/>
+          </a:prstGeom>
         </p:spPr>
       </p:pic>
+      <p:sp>
+        <p:nvSpPr>
+          <p:cNvPr id="15" name="Content Placeholder 14">
+            <a:extLst>
+              <a:ext uri="{FF2B5EF4-FFF2-40B4-BE49-F238E27FC236}">
+                <a16:creationId xmlns:a16="http://schemas.microsoft.com/office/drawing/2014/main" id="{56B822B8-6072-F222-19EB-FC7155BD723A}"/>
+              </a:ext>
+            </a:extLst>
+          </p:cNvPr>
+          <p:cNvSpPr>
+            <a:spLocks noGrp="1"/>
+          </p:cNvSpPr>
+          <p:nvPr>
+            <p:ph idx="1"/>
+          </p:nvPr>
+        </p:nvSpPr>
+        <p:spPr/>
+        <p:txBody>
+          <a:bodyPr/>
+          <a:lstStyle/>
+          <a:p>
+            <a:endParaRPr lang="en-DE" dirty="0"/>
+          </a:p>
+        </p:txBody>
+      </p:sp>
     </p:spTree>
     <p:extLst>
       <p:ext uri="{BB962C8B-B14F-4D97-AF65-F5344CB8AC3E}">
@@ -30029,7 +30448,7 @@
                                           </p:stCondLst>
                                         </p:cTn>
                                         <p:tgtEl>
-                                          <p:spTgt spid="5"/>
+                                          <p:spTgt spid="11"/>
                                         </p:tgtEl>
                                         <p:attrNameLst>
                                           <p:attrName>style.visibility</p:attrName>
@@ -30043,45 +30462,10 @@
                                       <p:cBhvr>
                                         <p:cTn id="12" dur="500"/>
                                         <p:tgtEl>
-                                          <p:spTgt spid="5"/>
+                                          <p:spTgt spid="11"/>
                                         </p:tgtEl>
                                       </p:cBhvr>
                                     </p:animEffect>
-                                  </p:childTnLst>
-                                </p:cTn>
-                              </p:par>
-                              <p:par>
-                                <p:cTn id="13" presetID="22" presetClass="exit" presetSubtype="4" fill="hold" grpId="1" nodeType="withEffect">
-                                  <p:stCondLst>
-                                    <p:cond delay="0"/>
-                                  </p:stCondLst>
-                                  <p:childTnLst>
-                                    <p:animEffect transition="out" filter="wipe(down)">
-                                      <p:cBhvr>
-                                        <p:cTn id="14" dur="500"/>
-                                        <p:tgtEl>
-                                          <p:spTgt spid="2"/>
-                                        </p:tgtEl>
-                                      </p:cBhvr>
-                                    </p:animEffect>
-                                    <p:set>
-                                      <p:cBhvr>
-                                        <p:cTn id="15" dur="1" fill="hold">
-                                          <p:stCondLst>
-                                            <p:cond delay="499"/>
-                                          </p:stCondLst>
-                                        </p:cTn>
-                                        <p:tgtEl>
-                                          <p:spTgt spid="2"/>
-                                        </p:tgtEl>
-                                        <p:attrNameLst>
-                                          <p:attrName>style.visibility</p:attrName>
-                                        </p:attrNameLst>
-                                      </p:cBhvr>
-                                      <p:to>
-                                        <p:strVal val="hidden"/>
-                                      </p:to>
-                                    </p:set>
                                   </p:childTnLst>
                                 </p:cTn>
                               </p:par>
@@ -30114,14 +30498,13 @@
     </p:tnLst>
     <p:bldLst>
       <p:bldP spid="2" grpId="0"/>
-      <p:bldP spid="2" grpId="1"/>
     </p:bldLst>
   </p:timing>
 </p:sld>
 </file>
 
 <file path=ppt/slides/slide6.xml><?xml version="1.0" encoding="utf-8"?>
-<p:sld xmlns:a="http://schemas.openxmlformats.org/drawingml/2006/main" xmlns:r="http://schemas.openxmlformats.org/officeDocument/2006/relationships" xmlns:p="http://schemas.openxmlformats.org/presentationml/2006/main">
+<p:sld xmlns:a="http://schemas.openxmlformats.org/drawingml/2006/main" xmlns:r="http://schemas.openxmlformats.org/officeDocument/2006/relationships" xmlns:p="http://schemas.openxmlformats.org/presentationml/2006/main" showMasterSp="0">
   <p:cSld>
     <p:spTree>
       <p:nvGrpSpPr>
@@ -30137,6 +30520,42 @@
           <a:chExt cx="0" cy="0"/>
         </a:xfrm>
       </p:grpSpPr>
+      <p:pic>
+        <p:nvPicPr>
+          <p:cNvPr id="4" name="Picture 3" descr="A person using a computer&#10;&#10;Description automatically generated with medium confidence">
+            <a:extLst>
+              <a:ext uri="{FF2B5EF4-FFF2-40B4-BE49-F238E27FC236}">
+                <a16:creationId xmlns:a16="http://schemas.microsoft.com/office/drawing/2014/main" id="{25A03D4D-1D5B-560A-AC8B-FD0768D2ABE7}"/>
+              </a:ext>
+            </a:extLst>
+          </p:cNvPr>
+          <p:cNvPicPr>
+            <a:picLocks noChangeAspect="1"/>
+          </p:cNvPicPr>
+          <p:nvPr/>
+        </p:nvPicPr>
+        <p:blipFill>
+          <a:blip r:embed="rId2">
+            <a:extLst>
+              <a:ext uri="{28A0092B-C50C-407E-A947-70E740481C1C}">
+                <a14:useLocalDpi xmlns:a14="http://schemas.microsoft.com/office/drawing/2010/main" val="0"/>
+              </a:ext>
+            </a:extLst>
+          </a:blip>
+          <a:stretch>
+            <a:fillRect/>
+          </a:stretch>
+        </p:blipFill>
+        <p:spPr>
+          <a:xfrm>
+            <a:off x="455427" y="422440"/>
+            <a:ext cx="11281144" cy="6013119"/>
+          </a:xfrm>
+          <a:prstGeom prst="rect">
+            <a:avLst/>
+          </a:prstGeom>
+        </p:spPr>
+      </p:pic>
       <p:sp>
         <p:nvSpPr>
           <p:cNvPr id="2" name="Title 1">
@@ -30155,7 +30574,7 @@
         </p:nvSpPr>
         <p:spPr>
           <a:xfrm>
-            <a:off x="4810777" y="829334"/>
+            <a:off x="4983120" y="367668"/>
             <a:ext cx="2207035" cy="1303867"/>
           </a:xfrm>
         </p:spPr>
@@ -30200,41 +30619,6 @@
           </a:p>
         </p:txBody>
       </p:sp>
-      <p:pic>
-        <p:nvPicPr>
-          <p:cNvPr id="5" name="Content Placeholder 4" descr="Diagram&#10;&#10;Description automatically generated">
-            <a:extLst>
-              <a:ext uri="{FF2B5EF4-FFF2-40B4-BE49-F238E27FC236}">
-                <a16:creationId xmlns:a16="http://schemas.microsoft.com/office/drawing/2014/main" id="{FBB9E95F-3CD8-E480-D774-4631A2961B82}"/>
-              </a:ext>
-            </a:extLst>
-          </p:cNvPr>
-          <p:cNvPicPr>
-            <a:picLocks noGrp="1" noChangeAspect="1"/>
-          </p:cNvPicPr>
-          <p:nvPr>
-            <p:ph idx="1"/>
-          </p:nvPr>
-        </p:nvPicPr>
-        <p:blipFill>
-          <a:blip r:embed="rId2">
-            <a:extLst>
-              <a:ext uri="{28A0092B-C50C-407E-A947-70E740481C1C}">
-                <a14:useLocalDpi xmlns:a14="http://schemas.microsoft.com/office/drawing/2010/main" val="0"/>
-              </a:ext>
-            </a:extLst>
-          </a:blip>
-          <a:stretch>
-            <a:fillRect/>
-          </a:stretch>
-        </p:blipFill>
-        <p:spPr>
-          <a:xfrm>
-            <a:off x="3108989" y="1510752"/>
-            <a:ext cx="5610612" cy="4420696"/>
-          </a:xfrm>
-        </p:spPr>
-      </p:pic>
       <p:sp>
         <p:nvSpPr>
           <p:cNvPr id="7" name="Rectangle 6">
@@ -30249,7 +30633,7 @@
         </p:nvSpPr>
         <p:spPr>
           <a:xfrm>
-            <a:off x="8557781" y="1294045"/>
+            <a:off x="9359131" y="1137278"/>
             <a:ext cx="437940" cy="923330"/>
           </a:xfrm>
           <a:prstGeom prst="rect">
@@ -30502,7 +30886,7 @@
         </p:nvSpPr>
         <p:spPr>
           <a:xfrm>
-            <a:off x="7362499" y="557937"/>
+            <a:off x="7724449" y="520467"/>
             <a:ext cx="1195282" cy="923330"/>
           </a:xfrm>
           <a:prstGeom prst="rect">
@@ -30550,7 +30934,7 @@
         </p:nvSpPr>
         <p:spPr>
           <a:xfrm>
-            <a:off x="2832869" y="1510752"/>
+            <a:off x="3842519" y="2242506"/>
             <a:ext cx="1195282" cy="923330"/>
           </a:xfrm>
           <a:prstGeom prst="rect">
@@ -30581,6 +30965,34 @@
               </a:rPr>
               <a:t>?</a:t>
             </a:r>
+          </a:p>
+        </p:txBody>
+      </p:sp>
+      <p:sp>
+        <p:nvSpPr>
+          <p:cNvPr id="8" name="Content Placeholder 7">
+            <a:extLst>
+              <a:ext uri="{FF2B5EF4-FFF2-40B4-BE49-F238E27FC236}">
+                <a16:creationId xmlns:a16="http://schemas.microsoft.com/office/drawing/2014/main" id="{184DA86E-6C52-062F-108F-5413DD5AA4F8}"/>
+              </a:ext>
+            </a:extLst>
+          </p:cNvPr>
+          <p:cNvSpPr>
+            <a:spLocks noGrp="1"/>
+          </p:cNvSpPr>
+          <p:nvPr>
+            <p:ph idx="1"/>
+          </p:nvPr>
+        </p:nvSpPr>
+        <p:spPr/>
+        <p:txBody>
+          <a:bodyPr/>
+          <a:lstStyle/>
+          <a:p>
+            <a:pPr marL="0" indent="0">
+              <a:buNone/>
+            </a:pPr>
+            <a:endParaRPr lang="en-DE" dirty="0"/>
           </a:p>
         </p:txBody>
       </p:sp>
@@ -31312,7 +31724,7 @@
                   <a:schemeClr val="bg1"/>
                 </a:solidFill>
               </a:rPr>
-              <a:t>noun: a change made to the internal structure of software to make it easier to understand and cheaper to modify without changing its observable </a:t>
+              <a:t>“noun: a change made to the internal structure of software to make it easier to understand and cheaper to modify without changing its observable </a:t>
             </a:r>
             <a:r>
               <a:rPr lang="en-GB" dirty="0" err="1">
@@ -31328,7 +31740,7 @@
                   <a:schemeClr val="bg1"/>
                 </a:solidFill>
               </a:rPr>
-              <a:t>.</a:t>
+              <a:t>.”</a:t>
             </a:r>
           </a:p>
           <a:p>
@@ -31339,7 +31751,7 @@
                   <a:schemeClr val="bg1"/>
                 </a:solidFill>
               </a:rPr>
-              <a:t>verb: to restructure software by applying a series of </a:t>
+              <a:t>“verb: to restructure software by applying a series of </a:t>
             </a:r>
             <a:r>
               <a:rPr lang="en-GB" dirty="0" err="1">
@@ -31371,7 +31783,7 @@
                   <a:schemeClr val="bg1"/>
                 </a:solidFill>
               </a:rPr>
-              <a:t>.</a:t>
+              <a:t>.”</a:t>
             </a:r>
             <a:endParaRPr lang="en-DE" dirty="0">
               <a:solidFill>
@@ -35758,17 +36170,29 @@
         </p:nvSpPr>
         <p:spPr/>
         <p:txBody>
-          <a:bodyPr/>
+          <a:bodyPr>
+            <a:normAutofit fontScale="92500"/>
+          </a:bodyPr>
           <a:lstStyle/>
           <a:p>
             <a:pPr algn="ctr"/>
             <a:r>
-              <a:rPr lang="en-GB"/>
-              <a:t>Imagine </a:t>
+              <a:rPr lang="en-GB" dirty="0"/>
+              <a:t>“Imagine a company of theatrical players who go out to various events performing plays. Typically, a customer will request a few plays and the company charges them based on the size of the audience and the kind of play they perform. There are currently two kinds of plays that the company performs: tragedies and comedies. As well as providing a bill for the performance, the company gives its customers “volume credits” which they can use for discounts on future performances—think of it as a customer loyalty mechanism.”</a:t>
             </a:r>
+          </a:p>
+          <a:p>
+            <a:pPr algn="ctr"/>
             <a:r>
               <a:rPr lang="en-GB" dirty="0"/>
-              <a:t>a company of theatrical players who go out to various events performing plays. Typically, a customer will request a few plays and the company charges them based on the size of the audience and the kind of play they perform. There are currently two kinds of plays that the company performs: tragedies and comedies. As well as providing a bill for the performance, the company gives its customers “volume credits” which they can use for discounts on future performances—think of it as a customer loyalty mechanism.</a:t>
+              <a:t>- Martin Fowler in his book “Refactoring</a:t>
+            </a:r>
+            <a:br>
+              <a:rPr lang="en-GB" dirty="0"/>
+            </a:br>
+            <a:r>
+              <a:rPr lang="en-GB" dirty="0"/>
+              <a:t> Improving the Design of Existing Code”</a:t>
             </a:r>
             <a:endParaRPr lang="en-DE" dirty="0"/>
           </a:p>
@@ -35839,6 +36263,67 @@
                                           <p:spTgt spid="3">
                                             <p:txEl>
                                               <p:pRg st="0" end="0"/>
+                                            </p:txEl>
+                                          </p:spTgt>
+                                        </p:tgtEl>
+                                      </p:cBhvr>
+                                    </p:animEffect>
+                                  </p:childTnLst>
+                                </p:cTn>
+                              </p:par>
+                            </p:childTnLst>
+                          </p:cTn>
+                        </p:par>
+                      </p:childTnLst>
+                    </p:cTn>
+                  </p:par>
+                  <p:par>
+                    <p:cTn id="8" fill="hold">
+                      <p:stCondLst>
+                        <p:cond delay="indefinite"/>
+                      </p:stCondLst>
+                      <p:childTnLst>
+                        <p:par>
+                          <p:cTn id="9" fill="hold">
+                            <p:stCondLst>
+                              <p:cond delay="0"/>
+                            </p:stCondLst>
+                            <p:childTnLst>
+                              <p:par>
+                                <p:cTn id="10" presetID="10" presetClass="entr" presetSubtype="0" fill="hold" grpId="0" nodeType="clickEffect">
+                                  <p:stCondLst>
+                                    <p:cond delay="0"/>
+                                  </p:stCondLst>
+                                  <p:childTnLst>
+                                    <p:set>
+                                      <p:cBhvr>
+                                        <p:cTn id="11" dur="1" fill="hold">
+                                          <p:stCondLst>
+                                            <p:cond delay="0"/>
+                                          </p:stCondLst>
+                                        </p:cTn>
+                                        <p:tgtEl>
+                                          <p:spTgt spid="3">
+                                            <p:txEl>
+                                              <p:pRg st="1" end="1"/>
+                                            </p:txEl>
+                                          </p:spTgt>
+                                        </p:tgtEl>
+                                        <p:attrNameLst>
+                                          <p:attrName>style.visibility</p:attrName>
+                                        </p:attrNameLst>
+                                      </p:cBhvr>
+                                      <p:to>
+                                        <p:strVal val="visible"/>
+                                      </p:to>
+                                    </p:set>
+                                    <p:animEffect transition="in" filter="fade">
+                                      <p:cBhvr>
+                                        <p:cTn id="12" dur="500"/>
+                                        <p:tgtEl>
+                                          <p:spTgt spid="3">
+                                            <p:txEl>
+                                              <p:pRg st="1" end="1"/>
                                             </p:txEl>
                                           </p:spTgt>
                                         </p:tgtEl>

--- a/Informatik/Refactoring_Slaven_Mlinaric - v2 [Autosaved].pptx
+++ b/Informatik/Refactoring_Slaven_Mlinaric - v2 [Autosaved].pptx
@@ -15153,7 +15153,7 @@
           <a:p>
             <a:fld id="{6E56E307-6B2F-44D3-BAE8-85C161B1104B}" type="datetimeFigureOut">
               <a:rPr lang="en-DE" smtClean="0"/>
-              <a:t>21/12/2022</a:t>
+              <a:t>01/01/2023</a:t>
             </a:fld>
             <a:endParaRPr lang="en-DE"/>
           </a:p>
@@ -15477,7 +15477,7 @@
           <a:p>
             <a:fld id="{6E56E307-6B2F-44D3-BAE8-85C161B1104B}" type="datetimeFigureOut">
               <a:rPr lang="en-DE" smtClean="0"/>
-              <a:t>21/12/2022</a:t>
+              <a:t>01/01/2023</a:t>
             </a:fld>
             <a:endParaRPr lang="en-DE"/>
           </a:p>
@@ -15725,7 +15725,7 @@
           <a:p>
             <a:fld id="{6E56E307-6B2F-44D3-BAE8-85C161B1104B}" type="datetimeFigureOut">
               <a:rPr lang="en-DE" smtClean="0"/>
-              <a:t>21/12/2022</a:t>
+              <a:t>01/01/2023</a:t>
             </a:fld>
             <a:endParaRPr lang="en-DE"/>
           </a:p>
@@ -16064,7 +16064,7 @@
           <a:p>
             <a:fld id="{6E56E307-6B2F-44D3-BAE8-85C161B1104B}" type="datetimeFigureOut">
               <a:rPr lang="en-DE" smtClean="0"/>
-              <a:t>21/12/2022</a:t>
+              <a:t>01/01/2023</a:t>
             </a:fld>
             <a:endParaRPr lang="en-DE"/>
           </a:p>
@@ -16411,7 +16411,7 @@
           <a:p>
             <a:fld id="{6E56E307-6B2F-44D3-BAE8-85C161B1104B}" type="datetimeFigureOut">
               <a:rPr lang="en-DE" smtClean="0"/>
-              <a:t>21/12/2022</a:t>
+              <a:t>01/01/2023</a:t>
             </a:fld>
             <a:endParaRPr lang="en-DE"/>
           </a:p>
@@ -16785,7 +16785,7 @@
           <a:p>
             <a:fld id="{6E56E307-6B2F-44D3-BAE8-85C161B1104B}" type="datetimeFigureOut">
               <a:rPr lang="en-DE" smtClean="0"/>
-              <a:t>21/12/2022</a:t>
+              <a:t>01/01/2023</a:t>
             </a:fld>
             <a:endParaRPr lang="en-DE"/>
           </a:p>
@@ -17255,7 +17255,7 @@
           <a:p>
             <a:fld id="{6E56E307-6B2F-44D3-BAE8-85C161B1104B}" type="datetimeFigureOut">
               <a:rPr lang="en-DE" smtClean="0"/>
-              <a:t>21/12/2022</a:t>
+              <a:t>01/01/2023</a:t>
             </a:fld>
             <a:endParaRPr lang="en-DE"/>
           </a:p>
@@ -17460,7 +17460,7 @@
           <a:p>
             <a:fld id="{6E56E307-6B2F-44D3-BAE8-85C161B1104B}" type="datetimeFigureOut">
               <a:rPr lang="en-DE" smtClean="0"/>
-              <a:t>21/12/2022</a:t>
+              <a:t>01/01/2023</a:t>
             </a:fld>
             <a:endParaRPr lang="en-DE"/>
           </a:p>
@@ -17671,7 +17671,7 @@
           <a:p>
             <a:fld id="{6E56E307-6B2F-44D3-BAE8-85C161B1104B}" type="datetimeFigureOut">
               <a:rPr lang="en-DE" smtClean="0"/>
-              <a:t>21/12/2022</a:t>
+              <a:t>01/01/2023</a:t>
             </a:fld>
             <a:endParaRPr lang="en-DE"/>
           </a:p>
@@ -17903,7 +17903,7 @@
           <a:p>
             <a:fld id="{6E56E307-6B2F-44D3-BAE8-85C161B1104B}" type="datetimeFigureOut">
               <a:rPr lang="en-DE" smtClean="0"/>
-              <a:t>21/12/2022</a:t>
+              <a:t>01/01/2023</a:t>
             </a:fld>
             <a:endParaRPr lang="en-DE"/>
           </a:p>
@@ -18151,7 +18151,7 @@
           <a:p>
             <a:fld id="{6E56E307-6B2F-44D3-BAE8-85C161B1104B}" type="datetimeFigureOut">
               <a:rPr lang="en-DE" smtClean="0"/>
-              <a:t>21/12/2022</a:t>
+              <a:t>01/01/2023</a:t>
             </a:fld>
             <a:endParaRPr lang="en-DE"/>
           </a:p>
@@ -18449,7 +18449,7 @@
           <a:p>
             <a:fld id="{6E56E307-6B2F-44D3-BAE8-85C161B1104B}" type="datetimeFigureOut">
               <a:rPr lang="en-DE" smtClean="0"/>
-              <a:t>21/12/2022</a:t>
+              <a:t>01/01/2023</a:t>
             </a:fld>
             <a:endParaRPr lang="en-DE"/>
           </a:p>
@@ -18843,7 +18843,7 @@
           <a:p>
             <a:fld id="{6E56E307-6B2F-44D3-BAE8-85C161B1104B}" type="datetimeFigureOut">
               <a:rPr lang="en-DE" smtClean="0"/>
-              <a:t>21/12/2022</a:t>
+              <a:t>01/01/2023</a:t>
             </a:fld>
             <a:endParaRPr lang="en-DE"/>
           </a:p>
@@ -18992,7 +18992,7 @@
           <a:p>
             <a:fld id="{6E56E307-6B2F-44D3-BAE8-85C161B1104B}" type="datetimeFigureOut">
               <a:rPr lang="en-DE" smtClean="0"/>
-              <a:t>21/12/2022</a:t>
+              <a:t>01/01/2023</a:t>
             </a:fld>
             <a:endParaRPr lang="en-DE"/>
           </a:p>
@@ -19118,7 +19118,7 @@
           <a:p>
             <a:fld id="{6E56E307-6B2F-44D3-BAE8-85C161B1104B}" type="datetimeFigureOut">
               <a:rPr lang="en-DE" smtClean="0"/>
-              <a:t>21/12/2022</a:t>
+              <a:t>01/01/2023</a:t>
             </a:fld>
             <a:endParaRPr lang="en-DE"/>
           </a:p>
@@ -19373,7 +19373,7 @@
           <a:p>
             <a:fld id="{6E56E307-6B2F-44D3-BAE8-85C161B1104B}" type="datetimeFigureOut">
               <a:rPr lang="en-DE" smtClean="0"/>
-              <a:t>21/12/2022</a:t>
+              <a:t>01/01/2023</a:t>
             </a:fld>
             <a:endParaRPr lang="en-DE"/>
           </a:p>
@@ -19688,7 +19688,7 @@
           <a:p>
             <a:fld id="{6E56E307-6B2F-44D3-BAE8-85C161B1104B}" type="datetimeFigureOut">
               <a:rPr lang="en-DE" smtClean="0"/>
-              <a:t>21/12/2022</a:t>
+              <a:t>01/01/2023</a:t>
             </a:fld>
             <a:endParaRPr lang="en-DE"/>
           </a:p>
@@ -20039,7 +20039,7 @@
           <a:p>
             <a:fld id="{6E56E307-6B2F-44D3-BAE8-85C161B1104B}" type="datetimeFigureOut">
               <a:rPr lang="en-DE" smtClean="0"/>
-              <a:t>21/12/2022</a:t>
+              <a:t>01/01/2023</a:t>
             </a:fld>
             <a:endParaRPr lang="en-DE"/>
           </a:p>
@@ -20967,6 +20967,294 @@
           </a:p>
         </p:txBody>
       </p:sp>
+      <p:sp>
+        <p:nvSpPr>
+          <p:cNvPr id="2" name="TextBox 1">
+            <a:extLst>
+              <a:ext uri="{FF2B5EF4-FFF2-40B4-BE49-F238E27FC236}">
+                <a16:creationId xmlns:a16="http://schemas.microsoft.com/office/drawing/2014/main" id="{B769FC49-B1DD-04DE-1F4B-6E79BF8D652A}"/>
+              </a:ext>
+            </a:extLst>
+          </p:cNvPr>
+          <p:cNvSpPr txBox="1"/>
+          <p:nvPr/>
+        </p:nvSpPr>
+        <p:spPr>
+          <a:xfrm>
+            <a:off x="1948337" y="674613"/>
+            <a:ext cx="2135605" cy="276999"/>
+          </a:xfrm>
+          <a:prstGeom prst="rect">
+            <a:avLst/>
+          </a:prstGeom>
+          <a:noFill/>
+        </p:spPr>
+        <p:txBody>
+          <a:bodyPr wrap="square" rtlCol="0">
+            <a:spAutoFit/>
+          </a:bodyPr>
+          <a:lstStyle/>
+          <a:p>
+            <a:r>
+              <a:rPr lang="en-GB" sz="1200" i="1" dirty="0"/>
+              <a:t>Fig. 4: Piece of code</a:t>
+            </a:r>
+            <a:endParaRPr lang="en-DE" sz="1200" i="1" dirty="0"/>
+          </a:p>
+        </p:txBody>
+      </p:sp>
+      <p:sp>
+        <p:nvSpPr>
+          <p:cNvPr id="5" name="TextBox 4">
+            <a:extLst>
+              <a:ext uri="{FF2B5EF4-FFF2-40B4-BE49-F238E27FC236}">
+                <a16:creationId xmlns:a16="http://schemas.microsoft.com/office/drawing/2014/main" id="{5973E72A-4A98-25B7-8DD0-7E16305280D0}"/>
+              </a:ext>
+            </a:extLst>
+          </p:cNvPr>
+          <p:cNvSpPr txBox="1"/>
+          <p:nvPr/>
+        </p:nvSpPr>
+        <p:spPr>
+          <a:xfrm>
+            <a:off x="1179125" y="2049209"/>
+            <a:ext cx="2860024" cy="276999"/>
+          </a:xfrm>
+          <a:prstGeom prst="rect">
+            <a:avLst/>
+          </a:prstGeom>
+          <a:noFill/>
+        </p:spPr>
+        <p:txBody>
+          <a:bodyPr wrap="square" rtlCol="0">
+            <a:spAutoFit/>
+          </a:bodyPr>
+          <a:lstStyle/>
+          <a:p>
+            <a:r>
+              <a:rPr lang="en-GB" sz="1200" i="1" dirty="0"/>
+              <a:t>Own presentation based on Fowler, 1999, S. 6. </a:t>
+            </a:r>
+            <a:endParaRPr lang="en-DE" sz="1200" i="1" dirty="0"/>
+          </a:p>
+        </p:txBody>
+      </p:sp>
+      <p:sp>
+        <p:nvSpPr>
+          <p:cNvPr id="7" name="TextBox 6">
+            <a:extLst>
+              <a:ext uri="{FF2B5EF4-FFF2-40B4-BE49-F238E27FC236}">
+                <a16:creationId xmlns:a16="http://schemas.microsoft.com/office/drawing/2014/main" id="{9F575890-86FB-C7B7-CB72-2B08C5F52768}"/>
+              </a:ext>
+            </a:extLst>
+          </p:cNvPr>
+          <p:cNvSpPr txBox="1"/>
+          <p:nvPr/>
+        </p:nvSpPr>
+        <p:spPr>
+          <a:xfrm>
+            <a:off x="938138" y="6165884"/>
+            <a:ext cx="2860024" cy="276999"/>
+          </a:xfrm>
+          <a:prstGeom prst="rect">
+            <a:avLst/>
+          </a:prstGeom>
+          <a:noFill/>
+        </p:spPr>
+        <p:txBody>
+          <a:bodyPr wrap="square" rtlCol="0">
+            <a:spAutoFit/>
+          </a:bodyPr>
+          <a:lstStyle/>
+          <a:p>
+            <a:r>
+              <a:rPr lang="en-GB" sz="1200" i="1" dirty="0"/>
+              <a:t>Own presentation based on Fowler, 1999, S. 6. </a:t>
+            </a:r>
+            <a:endParaRPr lang="en-DE" sz="1200" i="1" dirty="0"/>
+          </a:p>
+        </p:txBody>
+      </p:sp>
+      <p:sp>
+        <p:nvSpPr>
+          <p:cNvPr id="10" name="TextBox 9">
+            <a:extLst>
+              <a:ext uri="{FF2B5EF4-FFF2-40B4-BE49-F238E27FC236}">
+                <a16:creationId xmlns:a16="http://schemas.microsoft.com/office/drawing/2014/main" id="{B661A3FE-0372-2693-5711-628F76EECAE2}"/>
+              </a:ext>
+            </a:extLst>
+          </p:cNvPr>
+          <p:cNvSpPr txBox="1"/>
+          <p:nvPr/>
+        </p:nvSpPr>
+        <p:spPr>
+          <a:xfrm>
+            <a:off x="4834327" y="4154466"/>
+            <a:ext cx="2860024" cy="276999"/>
+          </a:xfrm>
+          <a:prstGeom prst="rect">
+            <a:avLst/>
+          </a:prstGeom>
+          <a:noFill/>
+        </p:spPr>
+        <p:txBody>
+          <a:bodyPr wrap="square" rtlCol="0">
+            <a:spAutoFit/>
+          </a:bodyPr>
+          <a:lstStyle/>
+          <a:p>
+            <a:r>
+              <a:rPr lang="en-GB" sz="1200" i="1" dirty="0"/>
+              <a:t>Own presentation based on Fowler, 1999, S. 8. </a:t>
+            </a:r>
+            <a:endParaRPr lang="en-DE" sz="1200" i="1" dirty="0"/>
+          </a:p>
+        </p:txBody>
+      </p:sp>
+      <p:sp>
+        <p:nvSpPr>
+          <p:cNvPr id="14" name="TextBox 13">
+            <a:extLst>
+              <a:ext uri="{FF2B5EF4-FFF2-40B4-BE49-F238E27FC236}">
+                <a16:creationId xmlns:a16="http://schemas.microsoft.com/office/drawing/2014/main" id="{37AA461C-D895-E8E9-44FD-9CD075096766}"/>
+              </a:ext>
+            </a:extLst>
+          </p:cNvPr>
+          <p:cNvSpPr txBox="1"/>
+          <p:nvPr/>
+        </p:nvSpPr>
+        <p:spPr>
+          <a:xfrm>
+            <a:off x="6570410" y="6166482"/>
+            <a:ext cx="2860024" cy="276999"/>
+          </a:xfrm>
+          <a:prstGeom prst="rect">
+            <a:avLst/>
+          </a:prstGeom>
+          <a:noFill/>
+        </p:spPr>
+        <p:txBody>
+          <a:bodyPr wrap="square" rtlCol="0">
+            <a:spAutoFit/>
+          </a:bodyPr>
+          <a:lstStyle/>
+          <a:p>
+            <a:r>
+              <a:rPr lang="en-GB" sz="1200" i="1" dirty="0"/>
+              <a:t>Own presentation based on Fowler, 1999, S. 7. </a:t>
+            </a:r>
+            <a:endParaRPr lang="en-DE" sz="1200" i="1" dirty="0"/>
+          </a:p>
+        </p:txBody>
+      </p:sp>
+      <p:sp>
+        <p:nvSpPr>
+          <p:cNvPr id="16" name="TextBox 15">
+            <a:extLst>
+              <a:ext uri="{FF2B5EF4-FFF2-40B4-BE49-F238E27FC236}">
+                <a16:creationId xmlns:a16="http://schemas.microsoft.com/office/drawing/2014/main" id="{787AE1E3-3346-3222-0F33-BA92EEAB5D36}"/>
+              </a:ext>
+            </a:extLst>
+          </p:cNvPr>
+          <p:cNvSpPr txBox="1"/>
+          <p:nvPr/>
+        </p:nvSpPr>
+        <p:spPr>
+          <a:xfrm>
+            <a:off x="1885372" y="2447513"/>
+            <a:ext cx="6115050" cy="276999"/>
+          </a:xfrm>
+          <a:prstGeom prst="rect">
+            <a:avLst/>
+          </a:prstGeom>
+          <a:noFill/>
+        </p:spPr>
+        <p:txBody>
+          <a:bodyPr wrap="square">
+            <a:spAutoFit/>
+          </a:bodyPr>
+          <a:lstStyle/>
+          <a:p>
+            <a:r>
+              <a:rPr lang="en-GB" sz="1200" i="1" dirty="0"/>
+              <a:t>Fig. 5: Piece of code</a:t>
+            </a:r>
+            <a:endParaRPr lang="en-DE" sz="1200" i="1" dirty="0"/>
+          </a:p>
+        </p:txBody>
+      </p:sp>
+      <p:sp>
+        <p:nvSpPr>
+          <p:cNvPr id="18" name="TextBox 17">
+            <a:extLst>
+              <a:ext uri="{FF2B5EF4-FFF2-40B4-BE49-F238E27FC236}">
+                <a16:creationId xmlns:a16="http://schemas.microsoft.com/office/drawing/2014/main" id="{0246282F-277C-29B1-F789-CF5D63A40390}"/>
+              </a:ext>
+            </a:extLst>
+          </p:cNvPr>
+          <p:cNvSpPr txBox="1"/>
+          <p:nvPr/>
+        </p:nvSpPr>
+        <p:spPr>
+          <a:xfrm>
+            <a:off x="7373183" y="661338"/>
+            <a:ext cx="1432260" cy="261610"/>
+          </a:xfrm>
+          <a:prstGeom prst="rect">
+            <a:avLst/>
+          </a:prstGeom>
+          <a:noFill/>
+        </p:spPr>
+        <p:txBody>
+          <a:bodyPr wrap="square">
+            <a:spAutoFit/>
+          </a:bodyPr>
+          <a:lstStyle/>
+          <a:p>
+            <a:r>
+              <a:rPr lang="en-GB" sz="1100" i="1" dirty="0"/>
+              <a:t>Fig. 6: Piece of code</a:t>
+            </a:r>
+            <a:endParaRPr lang="en-DE" sz="1100" i="1" dirty="0"/>
+          </a:p>
+        </p:txBody>
+      </p:sp>
+      <p:sp>
+        <p:nvSpPr>
+          <p:cNvPr id="20" name="TextBox 19">
+            <a:extLst>
+              <a:ext uri="{FF2B5EF4-FFF2-40B4-BE49-F238E27FC236}">
+                <a16:creationId xmlns:a16="http://schemas.microsoft.com/office/drawing/2014/main" id="{41ECD538-548D-7899-0674-4F4163CED989}"/>
+              </a:ext>
+            </a:extLst>
+          </p:cNvPr>
+          <p:cNvSpPr txBox="1"/>
+          <p:nvPr/>
+        </p:nvSpPr>
+        <p:spPr>
+          <a:xfrm>
+            <a:off x="5469161" y="2124805"/>
+            <a:ext cx="1999590" cy="276999"/>
+          </a:xfrm>
+          <a:prstGeom prst="rect">
+            <a:avLst/>
+          </a:prstGeom>
+          <a:noFill/>
+        </p:spPr>
+        <p:txBody>
+          <a:bodyPr wrap="square">
+            <a:spAutoFit/>
+          </a:bodyPr>
+          <a:lstStyle/>
+          <a:p>
+            <a:r>
+              <a:rPr lang="en-GB" sz="1200" i="1" dirty="0"/>
+              <a:t>Fig. 7: Piece of code</a:t>
+            </a:r>
+            <a:endParaRPr lang="en-DE" sz="1200" i="1" dirty="0"/>
+          </a:p>
+        </p:txBody>
+      </p:sp>
     </p:spTree>
     <p:extLst>
       <p:ext uri="{BB962C8B-B14F-4D97-AF65-F5344CB8AC3E}">
@@ -21159,6 +21447,168 @@
                                   </p:childTnLst>
                                 </p:cTn>
                               </p:par>
+                              <p:par>
+                                <p:cTn id="15" presetID="53" presetClass="entr" presetSubtype="16" fill="hold" grpId="0" nodeType="withEffect">
+                                  <p:stCondLst>
+                                    <p:cond delay="0"/>
+                                  </p:stCondLst>
+                                  <p:childTnLst>
+                                    <p:set>
+                                      <p:cBhvr>
+                                        <p:cTn id="16" dur="1" fill="hold">
+                                          <p:stCondLst>
+                                            <p:cond delay="0"/>
+                                          </p:stCondLst>
+                                        </p:cTn>
+                                        <p:tgtEl>
+                                          <p:spTgt spid="2"/>
+                                        </p:tgtEl>
+                                        <p:attrNameLst>
+                                          <p:attrName>style.visibility</p:attrName>
+                                        </p:attrNameLst>
+                                      </p:cBhvr>
+                                      <p:to>
+                                        <p:strVal val="visible"/>
+                                      </p:to>
+                                    </p:set>
+                                    <p:anim calcmode="lin" valueType="num">
+                                      <p:cBhvr>
+                                        <p:cTn id="17" dur="500" fill="hold"/>
+                                        <p:tgtEl>
+                                          <p:spTgt spid="2"/>
+                                        </p:tgtEl>
+                                        <p:attrNameLst>
+                                          <p:attrName>ppt_w</p:attrName>
+                                        </p:attrNameLst>
+                                      </p:cBhvr>
+                                      <p:tavLst>
+                                        <p:tav tm="0">
+                                          <p:val>
+                                            <p:fltVal val="0"/>
+                                          </p:val>
+                                        </p:tav>
+                                        <p:tav tm="100000">
+                                          <p:val>
+                                            <p:strVal val="#ppt_w"/>
+                                          </p:val>
+                                        </p:tav>
+                                      </p:tavLst>
+                                    </p:anim>
+                                    <p:anim calcmode="lin" valueType="num">
+                                      <p:cBhvr>
+                                        <p:cTn id="18" dur="500" fill="hold"/>
+                                        <p:tgtEl>
+                                          <p:spTgt spid="2"/>
+                                        </p:tgtEl>
+                                        <p:attrNameLst>
+                                          <p:attrName>ppt_h</p:attrName>
+                                        </p:attrNameLst>
+                                      </p:cBhvr>
+                                      <p:tavLst>
+                                        <p:tav tm="0">
+                                          <p:val>
+                                            <p:fltVal val="0"/>
+                                          </p:val>
+                                        </p:tav>
+                                        <p:tav tm="100000">
+                                          <p:val>
+                                            <p:strVal val="#ppt_h"/>
+                                          </p:val>
+                                        </p:tav>
+                                      </p:tavLst>
+                                    </p:anim>
+                                    <p:animEffect transition="in" filter="fade">
+                                      <p:cBhvr>
+                                        <p:cTn id="19" dur="500"/>
+                                        <p:tgtEl>
+                                          <p:spTgt spid="2"/>
+                                        </p:tgtEl>
+                                      </p:cBhvr>
+                                    </p:animEffect>
+                                  </p:childTnLst>
+                                </p:cTn>
+                              </p:par>
+                              <p:par>
+                                <p:cTn id="20" presetID="53" presetClass="entr" presetSubtype="16" fill="hold" grpId="0" nodeType="withEffect">
+                                  <p:stCondLst>
+                                    <p:cond delay="0"/>
+                                  </p:stCondLst>
+                                  <p:childTnLst>
+                                    <p:set>
+                                      <p:cBhvr>
+                                        <p:cTn id="21" dur="1" fill="hold">
+                                          <p:stCondLst>
+                                            <p:cond delay="0"/>
+                                          </p:stCondLst>
+                                        </p:cTn>
+                                        <p:tgtEl>
+                                          <p:spTgt spid="5"/>
+                                        </p:tgtEl>
+                                        <p:attrNameLst>
+                                          <p:attrName>style.visibility</p:attrName>
+                                        </p:attrNameLst>
+                                      </p:cBhvr>
+                                      <p:to>
+                                        <p:strVal val="visible"/>
+                                      </p:to>
+                                    </p:set>
+                                    <p:anim calcmode="lin" valueType="num">
+                                      <p:cBhvr>
+                                        <p:cTn id="22" dur="500" fill="hold"/>
+                                        <p:tgtEl>
+                                          <p:spTgt spid="5"/>
+                                        </p:tgtEl>
+                                        <p:attrNameLst>
+                                          <p:attrName>ppt_w</p:attrName>
+                                        </p:attrNameLst>
+                                      </p:cBhvr>
+                                      <p:tavLst>
+                                        <p:tav tm="0">
+                                          <p:val>
+                                            <p:fltVal val="0"/>
+                                          </p:val>
+                                        </p:tav>
+                                        <p:tav tm="100000">
+                                          <p:val>
+                                            <p:strVal val="#ppt_w"/>
+                                          </p:val>
+                                        </p:tav>
+                                      </p:tavLst>
+                                    </p:anim>
+                                    <p:anim calcmode="lin" valueType="num">
+                                      <p:cBhvr>
+                                        <p:cTn id="23" dur="500" fill="hold"/>
+                                        <p:tgtEl>
+                                          <p:spTgt spid="5"/>
+                                        </p:tgtEl>
+                                        <p:attrNameLst>
+                                          <p:attrName>ppt_h</p:attrName>
+                                        </p:attrNameLst>
+                                      </p:cBhvr>
+                                      <p:tavLst>
+                                        <p:tav tm="0">
+                                          <p:val>
+                                            <p:fltVal val="0"/>
+                                          </p:val>
+                                        </p:tav>
+                                        <p:tav tm="100000">
+                                          <p:val>
+                                            <p:strVal val="#ppt_h"/>
+                                          </p:val>
+                                        </p:tav>
+                                      </p:tavLst>
+                                    </p:anim>
+                                    <p:animEffect transition="in" filter="fade">
+                                      <p:cBhvr>
+                                        <p:cTn id="24" dur="500"/>
+                                        <p:tgtEl>
+                                          <p:spTgt spid="5"/>
+                                        </p:tgtEl>
+                                      </p:cBhvr>
+                                    </p:animEffect>
+                                  </p:childTnLst>
+                                </p:cTn>
+                              </p:par>
                             </p:childTnLst>
                           </p:cTn>
                         </p:par>
@@ -21166,26 +21616,26 @@
                     </p:cTn>
                   </p:par>
                   <p:par>
-                    <p:cTn id="15" fill="hold">
+                    <p:cTn id="25" fill="hold">
                       <p:stCondLst>
                         <p:cond delay="indefinite"/>
                       </p:stCondLst>
                       <p:childTnLst>
                         <p:par>
-                          <p:cTn id="16" fill="hold">
+                          <p:cTn id="26" fill="hold">
                             <p:stCondLst>
                               <p:cond delay="0"/>
                             </p:stCondLst>
                             <p:childTnLst>
                               <p:par>
-                                <p:cTn id="17" presetID="53" presetClass="entr" presetSubtype="16" fill="hold" nodeType="clickEffect">
+                                <p:cTn id="27" presetID="53" presetClass="entr" presetSubtype="16" fill="hold" nodeType="clickEffect">
                                   <p:stCondLst>
                                     <p:cond delay="0"/>
                                   </p:stCondLst>
                                   <p:childTnLst>
                                     <p:set>
                                       <p:cBhvr>
-                                        <p:cTn id="18" dur="1" fill="hold">
+                                        <p:cTn id="28" dur="1" fill="hold">
                                           <p:stCondLst>
                                             <p:cond delay="0"/>
                                           </p:stCondLst>
@@ -21203,7 +21653,7 @@
                                     </p:set>
                                     <p:anim calcmode="lin" valueType="num">
                                       <p:cBhvr>
-                                        <p:cTn id="19" dur="500" fill="hold"/>
+                                        <p:cTn id="29" dur="500" fill="hold"/>
                                         <p:tgtEl>
                                           <p:spTgt spid="6"/>
                                         </p:tgtEl>
@@ -21226,7 +21676,7 @@
                                     </p:anim>
                                     <p:anim calcmode="lin" valueType="num">
                                       <p:cBhvr>
-                                        <p:cTn id="20" dur="500" fill="hold"/>
+                                        <p:cTn id="30" dur="500" fill="hold"/>
                                         <p:tgtEl>
                                           <p:spTgt spid="6"/>
                                         </p:tgtEl>
@@ -21249,7 +21699,7 @@
                                     </p:anim>
                                     <p:animEffect transition="in" filter="fade">
                                       <p:cBhvr>
-                                        <p:cTn id="21" dur="500"/>
+                                        <p:cTn id="31" dur="500"/>
                                         <p:tgtEl>
                                           <p:spTgt spid="6"/>
                                         </p:tgtEl>
@@ -21259,14 +21709,14 @@
                                 </p:cTn>
                               </p:par>
                               <p:par>
-                                <p:cTn id="22" presetID="53" presetClass="entr" presetSubtype="16" fill="hold" grpId="0" nodeType="withEffect">
+                                <p:cTn id="32" presetID="53" presetClass="entr" presetSubtype="16" fill="hold" grpId="0" nodeType="withEffect">
                                   <p:stCondLst>
                                     <p:cond delay="0"/>
                                   </p:stCondLst>
                                   <p:childTnLst>
                                     <p:set>
                                       <p:cBhvr>
-                                        <p:cTn id="23" dur="1" fill="hold">
+                                        <p:cTn id="33" dur="1" fill="hold">
                                           <p:stCondLst>
                                             <p:cond delay="0"/>
                                           </p:stCondLst>
@@ -21284,7 +21734,7 @@
                                     </p:set>
                                     <p:anim calcmode="lin" valueType="num">
                                       <p:cBhvr>
-                                        <p:cTn id="24" dur="500" fill="hold"/>
+                                        <p:cTn id="34" dur="500" fill="hold"/>
                                         <p:tgtEl>
                                           <p:spTgt spid="9"/>
                                         </p:tgtEl>
@@ -21307,7 +21757,7 @@
                                     </p:anim>
                                     <p:anim calcmode="lin" valueType="num">
                                       <p:cBhvr>
-                                        <p:cTn id="25" dur="500" fill="hold"/>
+                                        <p:cTn id="35" dur="500" fill="hold"/>
                                         <p:tgtEl>
                                           <p:spTgt spid="9"/>
                                         </p:tgtEl>
@@ -21330,9 +21780,171 @@
                                     </p:anim>
                                     <p:animEffect transition="in" filter="fade">
                                       <p:cBhvr>
-                                        <p:cTn id="26" dur="500"/>
+                                        <p:cTn id="36" dur="500"/>
                                         <p:tgtEl>
                                           <p:spTgt spid="9"/>
+                                        </p:tgtEl>
+                                      </p:cBhvr>
+                                    </p:animEffect>
+                                  </p:childTnLst>
+                                </p:cTn>
+                              </p:par>
+                              <p:par>
+                                <p:cTn id="37" presetID="53" presetClass="entr" presetSubtype="16" fill="hold" grpId="0" nodeType="withEffect">
+                                  <p:stCondLst>
+                                    <p:cond delay="0"/>
+                                  </p:stCondLst>
+                                  <p:childTnLst>
+                                    <p:set>
+                                      <p:cBhvr>
+                                        <p:cTn id="38" dur="1" fill="hold">
+                                          <p:stCondLst>
+                                            <p:cond delay="0"/>
+                                          </p:stCondLst>
+                                        </p:cTn>
+                                        <p:tgtEl>
+                                          <p:spTgt spid="7"/>
+                                        </p:tgtEl>
+                                        <p:attrNameLst>
+                                          <p:attrName>style.visibility</p:attrName>
+                                        </p:attrNameLst>
+                                      </p:cBhvr>
+                                      <p:to>
+                                        <p:strVal val="visible"/>
+                                      </p:to>
+                                    </p:set>
+                                    <p:anim calcmode="lin" valueType="num">
+                                      <p:cBhvr>
+                                        <p:cTn id="39" dur="500" fill="hold"/>
+                                        <p:tgtEl>
+                                          <p:spTgt spid="7"/>
+                                        </p:tgtEl>
+                                        <p:attrNameLst>
+                                          <p:attrName>ppt_w</p:attrName>
+                                        </p:attrNameLst>
+                                      </p:cBhvr>
+                                      <p:tavLst>
+                                        <p:tav tm="0">
+                                          <p:val>
+                                            <p:fltVal val="0"/>
+                                          </p:val>
+                                        </p:tav>
+                                        <p:tav tm="100000">
+                                          <p:val>
+                                            <p:strVal val="#ppt_w"/>
+                                          </p:val>
+                                        </p:tav>
+                                      </p:tavLst>
+                                    </p:anim>
+                                    <p:anim calcmode="lin" valueType="num">
+                                      <p:cBhvr>
+                                        <p:cTn id="40" dur="500" fill="hold"/>
+                                        <p:tgtEl>
+                                          <p:spTgt spid="7"/>
+                                        </p:tgtEl>
+                                        <p:attrNameLst>
+                                          <p:attrName>ppt_h</p:attrName>
+                                        </p:attrNameLst>
+                                      </p:cBhvr>
+                                      <p:tavLst>
+                                        <p:tav tm="0">
+                                          <p:val>
+                                            <p:fltVal val="0"/>
+                                          </p:val>
+                                        </p:tav>
+                                        <p:tav tm="100000">
+                                          <p:val>
+                                            <p:strVal val="#ppt_h"/>
+                                          </p:val>
+                                        </p:tav>
+                                      </p:tavLst>
+                                    </p:anim>
+                                    <p:animEffect transition="in" filter="fade">
+                                      <p:cBhvr>
+                                        <p:cTn id="41" dur="500"/>
+                                        <p:tgtEl>
+                                          <p:spTgt spid="7"/>
+                                        </p:tgtEl>
+                                      </p:cBhvr>
+                                    </p:animEffect>
+                                  </p:childTnLst>
+                                </p:cTn>
+                              </p:par>
+                              <p:par>
+                                <p:cTn id="42" presetID="53" presetClass="entr" presetSubtype="16" fill="hold" grpId="0" nodeType="withEffect">
+                                  <p:stCondLst>
+                                    <p:cond delay="0"/>
+                                  </p:stCondLst>
+                                  <p:childTnLst>
+                                    <p:set>
+                                      <p:cBhvr>
+                                        <p:cTn id="43" dur="1" fill="hold">
+                                          <p:stCondLst>
+                                            <p:cond delay="0"/>
+                                          </p:stCondLst>
+                                        </p:cTn>
+                                        <p:tgtEl>
+                                          <p:spTgt spid="16"/>
+                                        </p:tgtEl>
+                                        <p:attrNameLst>
+                                          <p:attrName>style.visibility</p:attrName>
+                                        </p:attrNameLst>
+                                      </p:cBhvr>
+                                      <p:to>
+                                        <p:strVal val="visible"/>
+                                      </p:to>
+                                    </p:set>
+                                    <p:anim calcmode="lin" valueType="num">
+                                      <p:cBhvr>
+                                        <p:cTn id="44" dur="500" fill="hold"/>
+                                        <p:tgtEl>
+                                          <p:spTgt spid="16"/>
+                                        </p:tgtEl>
+                                        <p:attrNameLst>
+                                          <p:attrName>ppt_w</p:attrName>
+                                        </p:attrNameLst>
+                                      </p:cBhvr>
+                                      <p:tavLst>
+                                        <p:tav tm="0">
+                                          <p:val>
+                                            <p:fltVal val="0"/>
+                                          </p:val>
+                                        </p:tav>
+                                        <p:tav tm="100000">
+                                          <p:val>
+                                            <p:strVal val="#ppt_w"/>
+                                          </p:val>
+                                        </p:tav>
+                                      </p:tavLst>
+                                    </p:anim>
+                                    <p:anim calcmode="lin" valueType="num">
+                                      <p:cBhvr>
+                                        <p:cTn id="45" dur="500" fill="hold"/>
+                                        <p:tgtEl>
+                                          <p:spTgt spid="16"/>
+                                        </p:tgtEl>
+                                        <p:attrNameLst>
+                                          <p:attrName>ppt_h</p:attrName>
+                                        </p:attrNameLst>
+                                      </p:cBhvr>
+                                      <p:tavLst>
+                                        <p:tav tm="0">
+                                          <p:val>
+                                            <p:fltVal val="0"/>
+                                          </p:val>
+                                        </p:tav>
+                                        <p:tav tm="100000">
+                                          <p:val>
+                                            <p:strVal val="#ppt_h"/>
+                                          </p:val>
+                                        </p:tav>
+                                      </p:tavLst>
+                                    </p:anim>
+                                    <p:animEffect transition="in" filter="fade">
+                                      <p:cBhvr>
+                                        <p:cTn id="46" dur="500"/>
+                                        <p:tgtEl>
+                                          <p:spTgt spid="16"/>
                                         </p:tgtEl>
                                       </p:cBhvr>
                                     </p:animEffect>
@@ -21346,26 +21958,188 @@
                     </p:cTn>
                   </p:par>
                   <p:par>
-                    <p:cTn id="27" fill="hold">
+                    <p:cTn id="47" fill="hold">
                       <p:stCondLst>
                         <p:cond delay="indefinite"/>
                       </p:stCondLst>
                       <p:childTnLst>
                         <p:par>
-                          <p:cTn id="28" fill="hold">
+                          <p:cTn id="48" fill="hold">
                             <p:stCondLst>
                               <p:cond delay="0"/>
                             </p:stCondLst>
                             <p:childTnLst>
                               <p:par>
-                                <p:cTn id="29" presetID="53" presetClass="entr" presetSubtype="16" fill="hold" nodeType="clickEffect">
+                                <p:cTn id="49" presetID="53" presetClass="entr" presetSubtype="16" fill="hold" grpId="0" nodeType="clickEffect">
                                   <p:stCondLst>
                                     <p:cond delay="0"/>
                                   </p:stCondLst>
                                   <p:childTnLst>
                                     <p:set>
                                       <p:cBhvr>
-                                        <p:cTn id="30" dur="1" fill="hold">
+                                        <p:cTn id="50" dur="1" fill="hold">
+                                          <p:stCondLst>
+                                            <p:cond delay="0"/>
+                                          </p:stCondLst>
+                                        </p:cTn>
+                                        <p:tgtEl>
+                                          <p:spTgt spid="18"/>
+                                        </p:tgtEl>
+                                        <p:attrNameLst>
+                                          <p:attrName>style.visibility</p:attrName>
+                                        </p:attrNameLst>
+                                      </p:cBhvr>
+                                      <p:to>
+                                        <p:strVal val="visible"/>
+                                      </p:to>
+                                    </p:set>
+                                    <p:anim calcmode="lin" valueType="num">
+                                      <p:cBhvr>
+                                        <p:cTn id="51" dur="500" fill="hold"/>
+                                        <p:tgtEl>
+                                          <p:spTgt spid="18"/>
+                                        </p:tgtEl>
+                                        <p:attrNameLst>
+                                          <p:attrName>ppt_w</p:attrName>
+                                        </p:attrNameLst>
+                                      </p:cBhvr>
+                                      <p:tavLst>
+                                        <p:tav tm="0">
+                                          <p:val>
+                                            <p:fltVal val="0"/>
+                                          </p:val>
+                                        </p:tav>
+                                        <p:tav tm="100000">
+                                          <p:val>
+                                            <p:strVal val="#ppt_w"/>
+                                          </p:val>
+                                        </p:tav>
+                                      </p:tavLst>
+                                    </p:anim>
+                                    <p:anim calcmode="lin" valueType="num">
+                                      <p:cBhvr>
+                                        <p:cTn id="52" dur="500" fill="hold"/>
+                                        <p:tgtEl>
+                                          <p:spTgt spid="18"/>
+                                        </p:tgtEl>
+                                        <p:attrNameLst>
+                                          <p:attrName>ppt_h</p:attrName>
+                                        </p:attrNameLst>
+                                      </p:cBhvr>
+                                      <p:tavLst>
+                                        <p:tav tm="0">
+                                          <p:val>
+                                            <p:fltVal val="0"/>
+                                          </p:val>
+                                        </p:tav>
+                                        <p:tav tm="100000">
+                                          <p:val>
+                                            <p:strVal val="#ppt_h"/>
+                                          </p:val>
+                                        </p:tav>
+                                      </p:tavLst>
+                                    </p:anim>
+                                    <p:animEffect transition="in" filter="fade">
+                                      <p:cBhvr>
+                                        <p:cTn id="53" dur="500"/>
+                                        <p:tgtEl>
+                                          <p:spTgt spid="18"/>
+                                        </p:tgtEl>
+                                      </p:cBhvr>
+                                    </p:animEffect>
+                                  </p:childTnLst>
+                                </p:cTn>
+                              </p:par>
+                              <p:par>
+                                <p:cTn id="54" presetID="53" presetClass="entr" presetSubtype="16" fill="hold" grpId="0" nodeType="withEffect">
+                                  <p:stCondLst>
+                                    <p:cond delay="0"/>
+                                  </p:stCondLst>
+                                  <p:childTnLst>
+                                    <p:set>
+                                      <p:cBhvr>
+                                        <p:cTn id="55" dur="1" fill="hold">
+                                          <p:stCondLst>
+                                            <p:cond delay="0"/>
+                                          </p:stCondLst>
+                                        </p:cTn>
+                                        <p:tgtEl>
+                                          <p:spTgt spid="14"/>
+                                        </p:tgtEl>
+                                        <p:attrNameLst>
+                                          <p:attrName>style.visibility</p:attrName>
+                                        </p:attrNameLst>
+                                      </p:cBhvr>
+                                      <p:to>
+                                        <p:strVal val="visible"/>
+                                      </p:to>
+                                    </p:set>
+                                    <p:anim calcmode="lin" valueType="num">
+                                      <p:cBhvr>
+                                        <p:cTn id="56" dur="500" fill="hold"/>
+                                        <p:tgtEl>
+                                          <p:spTgt spid="14"/>
+                                        </p:tgtEl>
+                                        <p:attrNameLst>
+                                          <p:attrName>ppt_w</p:attrName>
+                                        </p:attrNameLst>
+                                      </p:cBhvr>
+                                      <p:tavLst>
+                                        <p:tav tm="0">
+                                          <p:val>
+                                            <p:fltVal val="0"/>
+                                          </p:val>
+                                        </p:tav>
+                                        <p:tav tm="100000">
+                                          <p:val>
+                                            <p:strVal val="#ppt_w"/>
+                                          </p:val>
+                                        </p:tav>
+                                      </p:tavLst>
+                                    </p:anim>
+                                    <p:anim calcmode="lin" valueType="num">
+                                      <p:cBhvr>
+                                        <p:cTn id="57" dur="500" fill="hold"/>
+                                        <p:tgtEl>
+                                          <p:spTgt spid="14"/>
+                                        </p:tgtEl>
+                                        <p:attrNameLst>
+                                          <p:attrName>ppt_h</p:attrName>
+                                        </p:attrNameLst>
+                                      </p:cBhvr>
+                                      <p:tavLst>
+                                        <p:tav tm="0">
+                                          <p:val>
+                                            <p:fltVal val="0"/>
+                                          </p:val>
+                                        </p:tav>
+                                        <p:tav tm="100000">
+                                          <p:val>
+                                            <p:strVal val="#ppt_h"/>
+                                          </p:val>
+                                        </p:tav>
+                                      </p:tavLst>
+                                    </p:anim>
+                                    <p:animEffect transition="in" filter="fade">
+                                      <p:cBhvr>
+                                        <p:cTn id="58" dur="500"/>
+                                        <p:tgtEl>
+                                          <p:spTgt spid="14"/>
+                                        </p:tgtEl>
+                                      </p:cBhvr>
+                                    </p:animEffect>
+                                  </p:childTnLst>
+                                </p:cTn>
+                              </p:par>
+                              <p:par>
+                                <p:cTn id="59" presetID="53" presetClass="entr" presetSubtype="16" fill="hold" nodeType="withEffect">
+                                  <p:stCondLst>
+                                    <p:cond delay="0"/>
+                                  </p:stCondLst>
+                                  <p:childTnLst>
+                                    <p:set>
+                                      <p:cBhvr>
+                                        <p:cTn id="60" dur="1" fill="hold">
                                           <p:stCondLst>
                                             <p:cond delay="0"/>
                                           </p:stCondLst>
@@ -21383,7 +22157,7 @@
                                     </p:set>
                                     <p:anim calcmode="lin" valueType="num">
                                       <p:cBhvr>
-                                        <p:cTn id="31" dur="500" fill="hold"/>
+                                        <p:cTn id="61" dur="500" fill="hold"/>
                                         <p:tgtEl>
                                           <p:spTgt spid="8"/>
                                         </p:tgtEl>
@@ -21406,7 +22180,7 @@
                                     </p:anim>
                                     <p:anim calcmode="lin" valueType="num">
                                       <p:cBhvr>
-                                        <p:cTn id="32" dur="500" fill="hold"/>
+                                        <p:cTn id="62" dur="500" fill="hold"/>
                                         <p:tgtEl>
                                           <p:spTgt spid="8"/>
                                         </p:tgtEl>
@@ -21429,7 +22203,7 @@
                                     </p:anim>
                                     <p:animEffect transition="in" filter="fade">
                                       <p:cBhvr>
-                                        <p:cTn id="33" dur="500"/>
+                                        <p:cTn id="63" dur="500"/>
                                         <p:tgtEl>
                                           <p:spTgt spid="8"/>
                                         </p:tgtEl>
@@ -21439,14 +22213,14 @@
                                 </p:cTn>
                               </p:par>
                               <p:par>
-                                <p:cTn id="34" presetID="53" presetClass="entr" presetSubtype="16" fill="hold" grpId="0" nodeType="withEffect">
+                                <p:cTn id="64" presetID="53" presetClass="entr" presetSubtype="16" fill="hold" grpId="0" nodeType="withEffect">
                                   <p:stCondLst>
                                     <p:cond delay="0"/>
                                   </p:stCondLst>
                                   <p:childTnLst>
                                     <p:set>
                                       <p:cBhvr>
-                                        <p:cTn id="35" dur="1" fill="hold">
+                                        <p:cTn id="65" dur="1" fill="hold">
                                           <p:stCondLst>
                                             <p:cond delay="0"/>
                                           </p:stCondLst>
@@ -21464,7 +22238,7 @@
                                     </p:set>
                                     <p:anim calcmode="lin" valueType="num">
                                       <p:cBhvr>
-                                        <p:cTn id="36" dur="500" fill="hold"/>
+                                        <p:cTn id="66" dur="500" fill="hold"/>
                                         <p:tgtEl>
                                           <p:spTgt spid="12"/>
                                         </p:tgtEl>
@@ -21487,7 +22261,7 @@
                                     </p:anim>
                                     <p:anim calcmode="lin" valueType="num">
                                       <p:cBhvr>
-                                        <p:cTn id="37" dur="500" fill="hold"/>
+                                        <p:cTn id="67" dur="500" fill="hold"/>
                                         <p:tgtEl>
                                           <p:spTgt spid="12"/>
                                         </p:tgtEl>
@@ -21510,7 +22284,7 @@
                                     </p:anim>
                                     <p:animEffect transition="in" filter="fade">
                                       <p:cBhvr>
-                                        <p:cTn id="38" dur="500"/>
+                                        <p:cTn id="68" dur="500"/>
                                         <p:tgtEl>
                                           <p:spTgt spid="12"/>
                                         </p:tgtEl>
@@ -21526,26 +22300,26 @@
                     </p:cTn>
                   </p:par>
                   <p:par>
-                    <p:cTn id="39" fill="hold">
+                    <p:cTn id="69" fill="hold">
                       <p:stCondLst>
                         <p:cond delay="indefinite"/>
                       </p:stCondLst>
                       <p:childTnLst>
                         <p:par>
-                          <p:cTn id="40" fill="hold">
+                          <p:cTn id="70" fill="hold">
                             <p:stCondLst>
                               <p:cond delay="0"/>
                             </p:stCondLst>
                             <p:childTnLst>
                               <p:par>
-                                <p:cTn id="41" presetID="53" presetClass="entr" presetSubtype="16" fill="hold" nodeType="clickEffect">
+                                <p:cTn id="71" presetID="53" presetClass="entr" presetSubtype="16" fill="hold" nodeType="clickEffect">
                                   <p:stCondLst>
                                     <p:cond delay="0"/>
                                   </p:stCondLst>
                                   <p:childTnLst>
                                     <p:set>
                                       <p:cBhvr>
-                                        <p:cTn id="42" dur="1" fill="hold">
+                                        <p:cTn id="72" dur="1" fill="hold">
                                           <p:stCondLst>
                                             <p:cond delay="0"/>
                                           </p:stCondLst>
@@ -21563,7 +22337,7 @@
                                     </p:set>
                                     <p:anim calcmode="lin" valueType="num">
                                       <p:cBhvr>
-                                        <p:cTn id="43" dur="500" fill="hold"/>
+                                        <p:cTn id="73" dur="500" fill="hold"/>
                                         <p:tgtEl>
                                           <p:spTgt spid="11"/>
                                         </p:tgtEl>
@@ -21586,7 +22360,7 @@
                                     </p:anim>
                                     <p:anim calcmode="lin" valueType="num">
                                       <p:cBhvr>
-                                        <p:cTn id="44" dur="500" fill="hold"/>
+                                        <p:cTn id="74" dur="500" fill="hold"/>
                                         <p:tgtEl>
                                           <p:spTgt spid="11"/>
                                         </p:tgtEl>
@@ -21609,7 +22383,7 @@
                                     </p:anim>
                                     <p:animEffect transition="in" filter="fade">
                                       <p:cBhvr>
-                                        <p:cTn id="45" dur="500"/>
+                                        <p:cTn id="75" dur="500"/>
                                         <p:tgtEl>
                                           <p:spTgt spid="11"/>
                                         </p:tgtEl>
@@ -21619,14 +22393,14 @@
                                 </p:cTn>
                               </p:par>
                               <p:par>
-                                <p:cTn id="46" presetID="53" presetClass="entr" presetSubtype="16" fill="hold" grpId="0" nodeType="withEffect">
+                                <p:cTn id="76" presetID="53" presetClass="entr" presetSubtype="16" fill="hold" grpId="0" nodeType="withEffect">
                                   <p:stCondLst>
                                     <p:cond delay="0"/>
                                   </p:stCondLst>
                                   <p:childTnLst>
                                     <p:set>
                                       <p:cBhvr>
-                                        <p:cTn id="47" dur="1" fill="hold">
+                                        <p:cTn id="77" dur="1" fill="hold">
                                           <p:stCondLst>
                                             <p:cond delay="0"/>
                                           </p:stCondLst>
@@ -21644,7 +22418,7 @@
                                     </p:set>
                                     <p:anim calcmode="lin" valueType="num">
                                       <p:cBhvr>
-                                        <p:cTn id="48" dur="500" fill="hold"/>
+                                        <p:cTn id="78" dur="500" fill="hold"/>
                                         <p:tgtEl>
                                           <p:spTgt spid="13"/>
                                         </p:tgtEl>
@@ -21667,7 +22441,7 @@
                                     </p:anim>
                                     <p:anim calcmode="lin" valueType="num">
                                       <p:cBhvr>
-                                        <p:cTn id="49" dur="500" fill="hold"/>
+                                        <p:cTn id="79" dur="500" fill="hold"/>
                                         <p:tgtEl>
                                           <p:spTgt spid="13"/>
                                         </p:tgtEl>
@@ -21690,7 +22464,7 @@
                                     </p:anim>
                                     <p:animEffect transition="in" filter="fade">
                                       <p:cBhvr>
-                                        <p:cTn id="50" dur="500"/>
+                                        <p:cTn id="80" dur="500"/>
                                         <p:tgtEl>
                                           <p:spTgt spid="13"/>
                                         </p:tgtEl>
@@ -21700,14 +22474,176 @@
                                 </p:cTn>
                               </p:par>
                               <p:par>
-                                <p:cTn id="51" presetID="53" presetClass="exit" presetSubtype="32" fill="hold" nodeType="withEffect">
+                                <p:cTn id="81" presetID="53" presetClass="entr" presetSubtype="16" fill="hold" grpId="0" nodeType="withEffect">
+                                  <p:stCondLst>
+                                    <p:cond delay="0"/>
+                                  </p:stCondLst>
+                                  <p:childTnLst>
+                                    <p:set>
+                                      <p:cBhvr>
+                                        <p:cTn id="82" dur="1" fill="hold">
+                                          <p:stCondLst>
+                                            <p:cond delay="0"/>
+                                          </p:stCondLst>
+                                        </p:cTn>
+                                        <p:tgtEl>
+                                          <p:spTgt spid="20"/>
+                                        </p:tgtEl>
+                                        <p:attrNameLst>
+                                          <p:attrName>style.visibility</p:attrName>
+                                        </p:attrNameLst>
+                                      </p:cBhvr>
+                                      <p:to>
+                                        <p:strVal val="visible"/>
+                                      </p:to>
+                                    </p:set>
+                                    <p:anim calcmode="lin" valueType="num">
+                                      <p:cBhvr>
+                                        <p:cTn id="83" dur="500" fill="hold"/>
+                                        <p:tgtEl>
+                                          <p:spTgt spid="20"/>
+                                        </p:tgtEl>
+                                        <p:attrNameLst>
+                                          <p:attrName>ppt_w</p:attrName>
+                                        </p:attrNameLst>
+                                      </p:cBhvr>
+                                      <p:tavLst>
+                                        <p:tav tm="0">
+                                          <p:val>
+                                            <p:fltVal val="0"/>
+                                          </p:val>
+                                        </p:tav>
+                                        <p:tav tm="100000">
+                                          <p:val>
+                                            <p:strVal val="#ppt_w"/>
+                                          </p:val>
+                                        </p:tav>
+                                      </p:tavLst>
+                                    </p:anim>
+                                    <p:anim calcmode="lin" valueType="num">
+                                      <p:cBhvr>
+                                        <p:cTn id="84" dur="500" fill="hold"/>
+                                        <p:tgtEl>
+                                          <p:spTgt spid="20"/>
+                                        </p:tgtEl>
+                                        <p:attrNameLst>
+                                          <p:attrName>ppt_h</p:attrName>
+                                        </p:attrNameLst>
+                                      </p:cBhvr>
+                                      <p:tavLst>
+                                        <p:tav tm="0">
+                                          <p:val>
+                                            <p:fltVal val="0"/>
+                                          </p:val>
+                                        </p:tav>
+                                        <p:tav tm="100000">
+                                          <p:val>
+                                            <p:strVal val="#ppt_h"/>
+                                          </p:val>
+                                        </p:tav>
+                                      </p:tavLst>
+                                    </p:anim>
+                                    <p:animEffect transition="in" filter="fade">
+                                      <p:cBhvr>
+                                        <p:cTn id="85" dur="500"/>
+                                        <p:tgtEl>
+                                          <p:spTgt spid="20"/>
+                                        </p:tgtEl>
+                                      </p:cBhvr>
+                                    </p:animEffect>
+                                  </p:childTnLst>
+                                </p:cTn>
+                              </p:par>
+                              <p:par>
+                                <p:cTn id="86" presetID="53" presetClass="entr" presetSubtype="16" fill="hold" grpId="0" nodeType="withEffect">
+                                  <p:stCondLst>
+                                    <p:cond delay="0"/>
+                                  </p:stCondLst>
+                                  <p:childTnLst>
+                                    <p:set>
+                                      <p:cBhvr>
+                                        <p:cTn id="87" dur="1" fill="hold">
+                                          <p:stCondLst>
+                                            <p:cond delay="0"/>
+                                          </p:stCondLst>
+                                        </p:cTn>
+                                        <p:tgtEl>
+                                          <p:spTgt spid="10"/>
+                                        </p:tgtEl>
+                                        <p:attrNameLst>
+                                          <p:attrName>style.visibility</p:attrName>
+                                        </p:attrNameLst>
+                                      </p:cBhvr>
+                                      <p:to>
+                                        <p:strVal val="visible"/>
+                                      </p:to>
+                                    </p:set>
+                                    <p:anim calcmode="lin" valueType="num">
+                                      <p:cBhvr>
+                                        <p:cTn id="88" dur="500" fill="hold"/>
+                                        <p:tgtEl>
+                                          <p:spTgt spid="10"/>
+                                        </p:tgtEl>
+                                        <p:attrNameLst>
+                                          <p:attrName>ppt_w</p:attrName>
+                                        </p:attrNameLst>
+                                      </p:cBhvr>
+                                      <p:tavLst>
+                                        <p:tav tm="0">
+                                          <p:val>
+                                            <p:fltVal val="0"/>
+                                          </p:val>
+                                        </p:tav>
+                                        <p:tav tm="100000">
+                                          <p:val>
+                                            <p:strVal val="#ppt_w"/>
+                                          </p:val>
+                                        </p:tav>
+                                      </p:tavLst>
+                                    </p:anim>
+                                    <p:anim calcmode="lin" valueType="num">
+                                      <p:cBhvr>
+                                        <p:cTn id="89" dur="500" fill="hold"/>
+                                        <p:tgtEl>
+                                          <p:spTgt spid="10"/>
+                                        </p:tgtEl>
+                                        <p:attrNameLst>
+                                          <p:attrName>ppt_h</p:attrName>
+                                        </p:attrNameLst>
+                                      </p:cBhvr>
+                                      <p:tavLst>
+                                        <p:tav tm="0">
+                                          <p:val>
+                                            <p:fltVal val="0"/>
+                                          </p:val>
+                                        </p:tav>
+                                        <p:tav tm="100000">
+                                          <p:val>
+                                            <p:strVal val="#ppt_h"/>
+                                          </p:val>
+                                        </p:tav>
+                                      </p:tavLst>
+                                    </p:anim>
+                                    <p:animEffect transition="in" filter="fade">
+                                      <p:cBhvr>
+                                        <p:cTn id="90" dur="500"/>
+                                        <p:tgtEl>
+                                          <p:spTgt spid="10"/>
+                                        </p:tgtEl>
+                                      </p:cBhvr>
+                                    </p:animEffect>
+                                  </p:childTnLst>
+                                </p:cTn>
+                              </p:par>
+                              <p:par>
+                                <p:cTn id="91" presetID="53" presetClass="exit" presetSubtype="32" fill="hold" nodeType="withEffect">
                                   <p:stCondLst>
                                     <p:cond delay="0"/>
                                   </p:stCondLst>
                                   <p:childTnLst>
                                     <p:anim calcmode="lin" valueType="num">
                                       <p:cBhvr>
-                                        <p:cTn id="52" dur="500"/>
+                                        <p:cTn id="92" dur="500"/>
                                         <p:tgtEl>
                                           <p:spTgt spid="3"/>
                                         </p:tgtEl>
@@ -21730,7 +22666,7 @@
                                     </p:anim>
                                     <p:anim calcmode="lin" valueType="num">
                                       <p:cBhvr>
-                                        <p:cTn id="53" dur="500"/>
+                                        <p:cTn id="93" dur="500"/>
                                         <p:tgtEl>
                                           <p:spTgt spid="3"/>
                                         </p:tgtEl>
@@ -21753,7 +22689,7 @@
                                     </p:anim>
                                     <p:animEffect transition="out" filter="fade">
                                       <p:cBhvr>
-                                        <p:cTn id="54" dur="500"/>
+                                        <p:cTn id="94" dur="500"/>
                                         <p:tgtEl>
                                           <p:spTgt spid="3"/>
                                         </p:tgtEl>
@@ -21761,7 +22697,7 @@
                                     </p:animEffect>
                                     <p:set>
                                       <p:cBhvr>
-                                        <p:cTn id="55" dur="1" fill="hold">
+                                        <p:cTn id="95" dur="1" fill="hold">
                                           <p:stCondLst>
                                             <p:cond delay="499"/>
                                           </p:stCondLst>
@@ -21781,14 +22717,14 @@
                                 </p:cTn>
                               </p:par>
                               <p:par>
-                                <p:cTn id="56" presetID="53" presetClass="exit" presetSubtype="32" fill="hold" grpId="1" nodeType="withEffect">
+                                <p:cTn id="96" presetID="53" presetClass="exit" presetSubtype="32" fill="hold" grpId="1" nodeType="withEffect">
                                   <p:stCondLst>
                                     <p:cond delay="0"/>
                                   </p:stCondLst>
                                   <p:childTnLst>
                                     <p:anim calcmode="lin" valueType="num">
                                       <p:cBhvr>
-                                        <p:cTn id="57" dur="500"/>
+                                        <p:cTn id="97" dur="500"/>
                                         <p:tgtEl>
                                           <p:spTgt spid="4"/>
                                         </p:tgtEl>
@@ -21811,7 +22747,7 @@
                                     </p:anim>
                                     <p:anim calcmode="lin" valueType="num">
                                       <p:cBhvr>
-                                        <p:cTn id="58" dur="500"/>
+                                        <p:cTn id="98" dur="500"/>
                                         <p:tgtEl>
                                           <p:spTgt spid="4"/>
                                         </p:tgtEl>
@@ -21834,7 +22770,7 @@
                                     </p:anim>
                                     <p:animEffect transition="out" filter="fade">
                                       <p:cBhvr>
-                                        <p:cTn id="59" dur="500"/>
+                                        <p:cTn id="99" dur="500"/>
                                         <p:tgtEl>
                                           <p:spTgt spid="4"/>
                                         </p:tgtEl>
@@ -21842,7 +22778,7 @@
                                     </p:animEffect>
                                     <p:set>
                                       <p:cBhvr>
-                                        <p:cTn id="60" dur="1" fill="hold">
+                                        <p:cTn id="100" dur="1" fill="hold">
                                           <p:stCondLst>
                                             <p:cond delay="499"/>
                                           </p:stCondLst>
@@ -21862,14 +22798,14 @@
                                 </p:cTn>
                               </p:par>
                               <p:par>
-                                <p:cTn id="61" presetID="53" presetClass="exit" presetSubtype="32" fill="hold" nodeType="withEffect">
+                                <p:cTn id="101" presetID="53" presetClass="exit" presetSubtype="32" fill="hold" nodeType="withEffect">
                                   <p:stCondLst>
                                     <p:cond delay="0"/>
                                   </p:stCondLst>
                                   <p:childTnLst>
                                     <p:anim calcmode="lin" valueType="num">
                                       <p:cBhvr>
-                                        <p:cTn id="62" dur="500"/>
+                                        <p:cTn id="102" dur="500"/>
                                         <p:tgtEl>
                                           <p:spTgt spid="6"/>
                                         </p:tgtEl>
@@ -21892,7 +22828,7 @@
                                     </p:anim>
                                     <p:anim calcmode="lin" valueType="num">
                                       <p:cBhvr>
-                                        <p:cTn id="63" dur="500"/>
+                                        <p:cTn id="103" dur="500"/>
                                         <p:tgtEl>
                                           <p:spTgt spid="6"/>
                                         </p:tgtEl>
@@ -21915,7 +22851,7 @@
                                     </p:anim>
                                     <p:animEffect transition="out" filter="fade">
                                       <p:cBhvr>
-                                        <p:cTn id="64" dur="500"/>
+                                        <p:cTn id="104" dur="500"/>
                                         <p:tgtEl>
                                           <p:spTgt spid="6"/>
                                         </p:tgtEl>
@@ -21923,7 +22859,7 @@
                                     </p:animEffect>
                                     <p:set>
                                       <p:cBhvr>
-                                        <p:cTn id="65" dur="1" fill="hold">
+                                        <p:cTn id="105" dur="1" fill="hold">
                                           <p:stCondLst>
                                             <p:cond delay="499"/>
                                           </p:stCondLst>
@@ -21943,14 +22879,14 @@
                                 </p:cTn>
                               </p:par>
                               <p:par>
-                                <p:cTn id="66" presetID="53" presetClass="exit" presetSubtype="32" fill="hold" grpId="1" nodeType="withEffect">
+                                <p:cTn id="106" presetID="53" presetClass="exit" presetSubtype="32" fill="hold" grpId="1" nodeType="withEffect">
                                   <p:stCondLst>
                                     <p:cond delay="0"/>
                                   </p:stCondLst>
                                   <p:childTnLst>
                                     <p:anim calcmode="lin" valueType="num">
                                       <p:cBhvr>
-                                        <p:cTn id="67" dur="500"/>
+                                        <p:cTn id="107" dur="500"/>
                                         <p:tgtEl>
                                           <p:spTgt spid="9"/>
                                         </p:tgtEl>
@@ -21973,7 +22909,7 @@
                                     </p:anim>
                                     <p:anim calcmode="lin" valueType="num">
                                       <p:cBhvr>
-                                        <p:cTn id="68" dur="500"/>
+                                        <p:cTn id="108" dur="500"/>
                                         <p:tgtEl>
                                           <p:spTgt spid="9"/>
                                         </p:tgtEl>
@@ -21996,7 +22932,7 @@
                                     </p:anim>
                                     <p:animEffect transition="out" filter="fade">
                                       <p:cBhvr>
-                                        <p:cTn id="69" dur="500"/>
+                                        <p:cTn id="109" dur="500"/>
                                         <p:tgtEl>
                                           <p:spTgt spid="9"/>
                                         </p:tgtEl>
@@ -22004,7 +22940,7 @@
                                     </p:animEffect>
                                     <p:set>
                                       <p:cBhvr>
-                                        <p:cTn id="70" dur="1" fill="hold">
+                                        <p:cTn id="110" dur="1" fill="hold">
                                           <p:stCondLst>
                                             <p:cond delay="499"/>
                                           </p:stCondLst>
@@ -22024,14 +22960,14 @@
                                 </p:cTn>
                               </p:par>
                               <p:par>
-                                <p:cTn id="71" presetID="53" presetClass="exit" presetSubtype="32" fill="hold" nodeType="withEffect">
+                                <p:cTn id="111" presetID="53" presetClass="exit" presetSubtype="32" fill="hold" nodeType="withEffect">
                                   <p:stCondLst>
                                     <p:cond delay="0"/>
                                   </p:stCondLst>
                                   <p:childTnLst>
                                     <p:anim calcmode="lin" valueType="num">
                                       <p:cBhvr>
-                                        <p:cTn id="72" dur="500"/>
+                                        <p:cTn id="112" dur="500"/>
                                         <p:tgtEl>
                                           <p:spTgt spid="8"/>
                                         </p:tgtEl>
@@ -22054,7 +22990,7 @@
                                     </p:anim>
                                     <p:anim calcmode="lin" valueType="num">
                                       <p:cBhvr>
-                                        <p:cTn id="73" dur="500"/>
+                                        <p:cTn id="113" dur="500"/>
                                         <p:tgtEl>
                                           <p:spTgt spid="8"/>
                                         </p:tgtEl>
@@ -22077,7 +23013,7 @@
                                     </p:anim>
                                     <p:animEffect transition="out" filter="fade">
                                       <p:cBhvr>
-                                        <p:cTn id="74" dur="500"/>
+                                        <p:cTn id="114" dur="500"/>
                                         <p:tgtEl>
                                           <p:spTgt spid="8"/>
                                         </p:tgtEl>
@@ -22085,7 +23021,7 @@
                                     </p:animEffect>
                                     <p:set>
                                       <p:cBhvr>
-                                        <p:cTn id="75" dur="1" fill="hold">
+                                        <p:cTn id="115" dur="1" fill="hold">
                                           <p:stCondLst>
                                             <p:cond delay="499"/>
                                           </p:stCondLst>
@@ -22105,14 +23041,14 @@
                                 </p:cTn>
                               </p:par>
                               <p:par>
-                                <p:cTn id="76" presetID="53" presetClass="exit" presetSubtype="32" fill="hold" grpId="1" nodeType="withEffect">
+                                <p:cTn id="116" presetID="53" presetClass="exit" presetSubtype="32" fill="hold" grpId="1" nodeType="withEffect">
                                   <p:stCondLst>
                                     <p:cond delay="0"/>
                                   </p:stCondLst>
                                   <p:childTnLst>
                                     <p:anim calcmode="lin" valueType="num">
                                       <p:cBhvr>
-                                        <p:cTn id="77" dur="500"/>
+                                        <p:cTn id="117" dur="500"/>
                                         <p:tgtEl>
                                           <p:spTgt spid="12"/>
                                         </p:tgtEl>
@@ -22135,7 +23071,7 @@
                                     </p:anim>
                                     <p:anim calcmode="lin" valueType="num">
                                       <p:cBhvr>
-                                        <p:cTn id="78" dur="500"/>
+                                        <p:cTn id="118" dur="500"/>
                                         <p:tgtEl>
                                           <p:spTgt spid="12"/>
                                         </p:tgtEl>
@@ -22158,7 +23094,7 @@
                                     </p:anim>
                                     <p:animEffect transition="out" filter="fade">
                                       <p:cBhvr>
-                                        <p:cTn id="79" dur="500"/>
+                                        <p:cTn id="119" dur="500"/>
                                         <p:tgtEl>
                                           <p:spTgt spid="12"/>
                                         </p:tgtEl>
@@ -22166,13 +23102,499 @@
                                     </p:animEffect>
                                     <p:set>
                                       <p:cBhvr>
-                                        <p:cTn id="80" dur="1" fill="hold">
+                                        <p:cTn id="120" dur="1" fill="hold">
                                           <p:stCondLst>
                                             <p:cond delay="499"/>
                                           </p:stCondLst>
                                         </p:cTn>
                                         <p:tgtEl>
                                           <p:spTgt spid="12"/>
+                                        </p:tgtEl>
+                                        <p:attrNameLst>
+                                          <p:attrName>style.visibility</p:attrName>
+                                        </p:attrNameLst>
+                                      </p:cBhvr>
+                                      <p:to>
+                                        <p:strVal val="hidden"/>
+                                      </p:to>
+                                    </p:set>
+                                  </p:childTnLst>
+                                </p:cTn>
+                              </p:par>
+                              <p:par>
+                                <p:cTn id="121" presetID="53" presetClass="exit" presetSubtype="32" fill="hold" grpId="1" nodeType="withEffect">
+                                  <p:stCondLst>
+                                    <p:cond delay="0"/>
+                                  </p:stCondLst>
+                                  <p:childTnLst>
+                                    <p:anim calcmode="lin" valueType="num">
+                                      <p:cBhvr>
+                                        <p:cTn id="122" dur="500"/>
+                                        <p:tgtEl>
+                                          <p:spTgt spid="2"/>
+                                        </p:tgtEl>
+                                        <p:attrNameLst>
+                                          <p:attrName>ppt_w</p:attrName>
+                                        </p:attrNameLst>
+                                      </p:cBhvr>
+                                      <p:tavLst>
+                                        <p:tav tm="0">
+                                          <p:val>
+                                            <p:strVal val="ppt_w"/>
+                                          </p:val>
+                                        </p:tav>
+                                        <p:tav tm="100000">
+                                          <p:val>
+                                            <p:fltVal val="0"/>
+                                          </p:val>
+                                        </p:tav>
+                                      </p:tavLst>
+                                    </p:anim>
+                                    <p:anim calcmode="lin" valueType="num">
+                                      <p:cBhvr>
+                                        <p:cTn id="123" dur="500"/>
+                                        <p:tgtEl>
+                                          <p:spTgt spid="2"/>
+                                        </p:tgtEl>
+                                        <p:attrNameLst>
+                                          <p:attrName>ppt_h</p:attrName>
+                                        </p:attrNameLst>
+                                      </p:cBhvr>
+                                      <p:tavLst>
+                                        <p:tav tm="0">
+                                          <p:val>
+                                            <p:strVal val="ppt_h"/>
+                                          </p:val>
+                                        </p:tav>
+                                        <p:tav tm="100000">
+                                          <p:val>
+                                            <p:fltVal val="0"/>
+                                          </p:val>
+                                        </p:tav>
+                                      </p:tavLst>
+                                    </p:anim>
+                                    <p:animEffect transition="out" filter="fade">
+                                      <p:cBhvr>
+                                        <p:cTn id="124" dur="500"/>
+                                        <p:tgtEl>
+                                          <p:spTgt spid="2"/>
+                                        </p:tgtEl>
+                                      </p:cBhvr>
+                                    </p:animEffect>
+                                    <p:set>
+                                      <p:cBhvr>
+                                        <p:cTn id="125" dur="1" fill="hold">
+                                          <p:stCondLst>
+                                            <p:cond delay="499"/>
+                                          </p:stCondLst>
+                                        </p:cTn>
+                                        <p:tgtEl>
+                                          <p:spTgt spid="2"/>
+                                        </p:tgtEl>
+                                        <p:attrNameLst>
+                                          <p:attrName>style.visibility</p:attrName>
+                                        </p:attrNameLst>
+                                      </p:cBhvr>
+                                      <p:to>
+                                        <p:strVal val="hidden"/>
+                                      </p:to>
+                                    </p:set>
+                                  </p:childTnLst>
+                                </p:cTn>
+                              </p:par>
+                              <p:par>
+                                <p:cTn id="126" presetID="53" presetClass="exit" presetSubtype="32" fill="hold" grpId="1" nodeType="withEffect">
+                                  <p:stCondLst>
+                                    <p:cond delay="0"/>
+                                  </p:stCondLst>
+                                  <p:childTnLst>
+                                    <p:anim calcmode="lin" valueType="num">
+                                      <p:cBhvr>
+                                        <p:cTn id="127" dur="500"/>
+                                        <p:tgtEl>
+                                          <p:spTgt spid="5"/>
+                                        </p:tgtEl>
+                                        <p:attrNameLst>
+                                          <p:attrName>ppt_w</p:attrName>
+                                        </p:attrNameLst>
+                                      </p:cBhvr>
+                                      <p:tavLst>
+                                        <p:tav tm="0">
+                                          <p:val>
+                                            <p:strVal val="ppt_w"/>
+                                          </p:val>
+                                        </p:tav>
+                                        <p:tav tm="100000">
+                                          <p:val>
+                                            <p:fltVal val="0"/>
+                                          </p:val>
+                                        </p:tav>
+                                      </p:tavLst>
+                                    </p:anim>
+                                    <p:anim calcmode="lin" valueType="num">
+                                      <p:cBhvr>
+                                        <p:cTn id="128" dur="500"/>
+                                        <p:tgtEl>
+                                          <p:spTgt spid="5"/>
+                                        </p:tgtEl>
+                                        <p:attrNameLst>
+                                          <p:attrName>ppt_h</p:attrName>
+                                        </p:attrNameLst>
+                                      </p:cBhvr>
+                                      <p:tavLst>
+                                        <p:tav tm="0">
+                                          <p:val>
+                                            <p:strVal val="ppt_h"/>
+                                          </p:val>
+                                        </p:tav>
+                                        <p:tav tm="100000">
+                                          <p:val>
+                                            <p:fltVal val="0"/>
+                                          </p:val>
+                                        </p:tav>
+                                      </p:tavLst>
+                                    </p:anim>
+                                    <p:animEffect transition="out" filter="fade">
+                                      <p:cBhvr>
+                                        <p:cTn id="129" dur="500"/>
+                                        <p:tgtEl>
+                                          <p:spTgt spid="5"/>
+                                        </p:tgtEl>
+                                      </p:cBhvr>
+                                    </p:animEffect>
+                                    <p:set>
+                                      <p:cBhvr>
+                                        <p:cTn id="130" dur="1" fill="hold">
+                                          <p:stCondLst>
+                                            <p:cond delay="499"/>
+                                          </p:stCondLst>
+                                        </p:cTn>
+                                        <p:tgtEl>
+                                          <p:spTgt spid="5"/>
+                                        </p:tgtEl>
+                                        <p:attrNameLst>
+                                          <p:attrName>style.visibility</p:attrName>
+                                        </p:attrNameLst>
+                                      </p:cBhvr>
+                                      <p:to>
+                                        <p:strVal val="hidden"/>
+                                      </p:to>
+                                    </p:set>
+                                  </p:childTnLst>
+                                </p:cTn>
+                              </p:par>
+                              <p:par>
+                                <p:cTn id="131" presetID="53" presetClass="exit" presetSubtype="32" fill="hold" grpId="1" nodeType="withEffect">
+                                  <p:stCondLst>
+                                    <p:cond delay="0"/>
+                                  </p:stCondLst>
+                                  <p:childTnLst>
+                                    <p:anim calcmode="lin" valueType="num">
+                                      <p:cBhvr>
+                                        <p:cTn id="132" dur="500"/>
+                                        <p:tgtEl>
+                                          <p:spTgt spid="7"/>
+                                        </p:tgtEl>
+                                        <p:attrNameLst>
+                                          <p:attrName>ppt_w</p:attrName>
+                                        </p:attrNameLst>
+                                      </p:cBhvr>
+                                      <p:tavLst>
+                                        <p:tav tm="0">
+                                          <p:val>
+                                            <p:strVal val="ppt_w"/>
+                                          </p:val>
+                                        </p:tav>
+                                        <p:tav tm="100000">
+                                          <p:val>
+                                            <p:fltVal val="0"/>
+                                          </p:val>
+                                        </p:tav>
+                                      </p:tavLst>
+                                    </p:anim>
+                                    <p:anim calcmode="lin" valueType="num">
+                                      <p:cBhvr>
+                                        <p:cTn id="133" dur="500"/>
+                                        <p:tgtEl>
+                                          <p:spTgt spid="7"/>
+                                        </p:tgtEl>
+                                        <p:attrNameLst>
+                                          <p:attrName>ppt_h</p:attrName>
+                                        </p:attrNameLst>
+                                      </p:cBhvr>
+                                      <p:tavLst>
+                                        <p:tav tm="0">
+                                          <p:val>
+                                            <p:strVal val="ppt_h"/>
+                                          </p:val>
+                                        </p:tav>
+                                        <p:tav tm="100000">
+                                          <p:val>
+                                            <p:fltVal val="0"/>
+                                          </p:val>
+                                        </p:tav>
+                                      </p:tavLst>
+                                    </p:anim>
+                                    <p:animEffect transition="out" filter="fade">
+                                      <p:cBhvr>
+                                        <p:cTn id="134" dur="500"/>
+                                        <p:tgtEl>
+                                          <p:spTgt spid="7"/>
+                                        </p:tgtEl>
+                                      </p:cBhvr>
+                                    </p:animEffect>
+                                    <p:set>
+                                      <p:cBhvr>
+                                        <p:cTn id="135" dur="1" fill="hold">
+                                          <p:stCondLst>
+                                            <p:cond delay="499"/>
+                                          </p:stCondLst>
+                                        </p:cTn>
+                                        <p:tgtEl>
+                                          <p:spTgt spid="7"/>
+                                        </p:tgtEl>
+                                        <p:attrNameLst>
+                                          <p:attrName>style.visibility</p:attrName>
+                                        </p:attrNameLst>
+                                      </p:cBhvr>
+                                      <p:to>
+                                        <p:strVal val="hidden"/>
+                                      </p:to>
+                                    </p:set>
+                                  </p:childTnLst>
+                                </p:cTn>
+                              </p:par>
+                              <p:par>
+                                <p:cTn id="136" presetID="53" presetClass="exit" presetSubtype="32" fill="hold" grpId="1" nodeType="withEffect">
+                                  <p:stCondLst>
+                                    <p:cond delay="0"/>
+                                  </p:stCondLst>
+                                  <p:childTnLst>
+                                    <p:anim calcmode="lin" valueType="num">
+                                      <p:cBhvr>
+                                        <p:cTn id="137" dur="500"/>
+                                        <p:tgtEl>
+                                          <p:spTgt spid="16"/>
+                                        </p:tgtEl>
+                                        <p:attrNameLst>
+                                          <p:attrName>ppt_w</p:attrName>
+                                        </p:attrNameLst>
+                                      </p:cBhvr>
+                                      <p:tavLst>
+                                        <p:tav tm="0">
+                                          <p:val>
+                                            <p:strVal val="ppt_w"/>
+                                          </p:val>
+                                        </p:tav>
+                                        <p:tav tm="100000">
+                                          <p:val>
+                                            <p:fltVal val="0"/>
+                                          </p:val>
+                                        </p:tav>
+                                      </p:tavLst>
+                                    </p:anim>
+                                    <p:anim calcmode="lin" valueType="num">
+                                      <p:cBhvr>
+                                        <p:cTn id="138" dur="500"/>
+                                        <p:tgtEl>
+                                          <p:spTgt spid="16"/>
+                                        </p:tgtEl>
+                                        <p:attrNameLst>
+                                          <p:attrName>ppt_h</p:attrName>
+                                        </p:attrNameLst>
+                                      </p:cBhvr>
+                                      <p:tavLst>
+                                        <p:tav tm="0">
+                                          <p:val>
+                                            <p:strVal val="ppt_h"/>
+                                          </p:val>
+                                        </p:tav>
+                                        <p:tav tm="100000">
+                                          <p:val>
+                                            <p:fltVal val="0"/>
+                                          </p:val>
+                                        </p:tav>
+                                      </p:tavLst>
+                                    </p:anim>
+                                    <p:animEffect transition="out" filter="fade">
+                                      <p:cBhvr>
+                                        <p:cTn id="139" dur="500"/>
+                                        <p:tgtEl>
+                                          <p:spTgt spid="16"/>
+                                        </p:tgtEl>
+                                      </p:cBhvr>
+                                    </p:animEffect>
+                                    <p:set>
+                                      <p:cBhvr>
+                                        <p:cTn id="140" dur="1" fill="hold">
+                                          <p:stCondLst>
+                                            <p:cond delay="499"/>
+                                          </p:stCondLst>
+                                        </p:cTn>
+                                        <p:tgtEl>
+                                          <p:spTgt spid="16"/>
+                                        </p:tgtEl>
+                                        <p:attrNameLst>
+                                          <p:attrName>style.visibility</p:attrName>
+                                        </p:attrNameLst>
+                                      </p:cBhvr>
+                                      <p:to>
+                                        <p:strVal val="hidden"/>
+                                      </p:to>
+                                    </p:set>
+                                  </p:childTnLst>
+                                </p:cTn>
+                              </p:par>
+                              <p:par>
+                                <p:cTn id="141" presetID="53" presetClass="exit" presetSubtype="32" fill="hold" grpId="1" nodeType="withEffect">
+                                  <p:stCondLst>
+                                    <p:cond delay="0"/>
+                                  </p:stCondLst>
+                                  <p:childTnLst>
+                                    <p:anim calcmode="lin" valueType="num">
+                                      <p:cBhvr>
+                                        <p:cTn id="142" dur="500"/>
+                                        <p:tgtEl>
+                                          <p:spTgt spid="18"/>
+                                        </p:tgtEl>
+                                        <p:attrNameLst>
+                                          <p:attrName>ppt_w</p:attrName>
+                                        </p:attrNameLst>
+                                      </p:cBhvr>
+                                      <p:tavLst>
+                                        <p:tav tm="0">
+                                          <p:val>
+                                            <p:strVal val="ppt_w"/>
+                                          </p:val>
+                                        </p:tav>
+                                        <p:tav tm="100000">
+                                          <p:val>
+                                            <p:fltVal val="0"/>
+                                          </p:val>
+                                        </p:tav>
+                                      </p:tavLst>
+                                    </p:anim>
+                                    <p:anim calcmode="lin" valueType="num">
+                                      <p:cBhvr>
+                                        <p:cTn id="143" dur="500"/>
+                                        <p:tgtEl>
+                                          <p:spTgt spid="18"/>
+                                        </p:tgtEl>
+                                        <p:attrNameLst>
+                                          <p:attrName>ppt_h</p:attrName>
+                                        </p:attrNameLst>
+                                      </p:cBhvr>
+                                      <p:tavLst>
+                                        <p:tav tm="0">
+                                          <p:val>
+                                            <p:strVal val="ppt_h"/>
+                                          </p:val>
+                                        </p:tav>
+                                        <p:tav tm="100000">
+                                          <p:val>
+                                            <p:fltVal val="0"/>
+                                          </p:val>
+                                        </p:tav>
+                                      </p:tavLst>
+                                    </p:anim>
+                                    <p:animEffect transition="out" filter="fade">
+                                      <p:cBhvr>
+                                        <p:cTn id="144" dur="500"/>
+                                        <p:tgtEl>
+                                          <p:spTgt spid="18"/>
+                                        </p:tgtEl>
+                                      </p:cBhvr>
+                                    </p:animEffect>
+                                    <p:set>
+                                      <p:cBhvr>
+                                        <p:cTn id="145" dur="1" fill="hold">
+                                          <p:stCondLst>
+                                            <p:cond delay="499"/>
+                                          </p:stCondLst>
+                                        </p:cTn>
+                                        <p:tgtEl>
+                                          <p:spTgt spid="18"/>
+                                        </p:tgtEl>
+                                        <p:attrNameLst>
+                                          <p:attrName>style.visibility</p:attrName>
+                                        </p:attrNameLst>
+                                      </p:cBhvr>
+                                      <p:to>
+                                        <p:strVal val="hidden"/>
+                                      </p:to>
+                                    </p:set>
+                                  </p:childTnLst>
+                                </p:cTn>
+                              </p:par>
+                              <p:par>
+                                <p:cTn id="146" presetID="53" presetClass="exit" presetSubtype="32" fill="hold" grpId="1" nodeType="withEffect">
+                                  <p:stCondLst>
+                                    <p:cond delay="0"/>
+                                  </p:stCondLst>
+                                  <p:childTnLst>
+                                    <p:anim calcmode="lin" valueType="num">
+                                      <p:cBhvr>
+                                        <p:cTn id="147" dur="500"/>
+                                        <p:tgtEl>
+                                          <p:spTgt spid="14"/>
+                                        </p:tgtEl>
+                                        <p:attrNameLst>
+                                          <p:attrName>ppt_w</p:attrName>
+                                        </p:attrNameLst>
+                                      </p:cBhvr>
+                                      <p:tavLst>
+                                        <p:tav tm="0">
+                                          <p:val>
+                                            <p:strVal val="ppt_w"/>
+                                          </p:val>
+                                        </p:tav>
+                                        <p:tav tm="100000">
+                                          <p:val>
+                                            <p:fltVal val="0"/>
+                                          </p:val>
+                                        </p:tav>
+                                      </p:tavLst>
+                                    </p:anim>
+                                    <p:anim calcmode="lin" valueType="num">
+                                      <p:cBhvr>
+                                        <p:cTn id="148" dur="500"/>
+                                        <p:tgtEl>
+                                          <p:spTgt spid="14"/>
+                                        </p:tgtEl>
+                                        <p:attrNameLst>
+                                          <p:attrName>ppt_h</p:attrName>
+                                        </p:attrNameLst>
+                                      </p:cBhvr>
+                                      <p:tavLst>
+                                        <p:tav tm="0">
+                                          <p:val>
+                                            <p:strVal val="ppt_h"/>
+                                          </p:val>
+                                        </p:tav>
+                                        <p:tav tm="100000">
+                                          <p:val>
+                                            <p:fltVal val="0"/>
+                                          </p:val>
+                                        </p:tav>
+                                      </p:tavLst>
+                                    </p:anim>
+                                    <p:animEffect transition="out" filter="fade">
+                                      <p:cBhvr>
+                                        <p:cTn id="149" dur="500"/>
+                                        <p:tgtEl>
+                                          <p:spTgt spid="14"/>
+                                        </p:tgtEl>
+                                      </p:cBhvr>
+                                    </p:animEffect>
+                                    <p:set>
+                                      <p:cBhvr>
+                                        <p:cTn id="150" dur="1" fill="hold">
+                                          <p:stCondLst>
+                                            <p:cond delay="499"/>
+                                          </p:stCondLst>
+                                        </p:cTn>
+                                        <p:tgtEl>
+                                          <p:spTgt spid="14"/>
                                         </p:tgtEl>
                                         <p:attrNameLst>
                                           <p:attrName>style.visibility</p:attrName>
@@ -22220,6 +23642,20 @@
       <p:bldP spid="12" grpId="0"/>
       <p:bldP spid="12" grpId="1"/>
       <p:bldP spid="13" grpId="0" animBg="1"/>
+      <p:bldP spid="2" grpId="0"/>
+      <p:bldP spid="2" grpId="1"/>
+      <p:bldP spid="5" grpId="0"/>
+      <p:bldP spid="5" grpId="1"/>
+      <p:bldP spid="7" grpId="0"/>
+      <p:bldP spid="7" grpId="1"/>
+      <p:bldP spid="10" grpId="0"/>
+      <p:bldP spid="14" grpId="0"/>
+      <p:bldP spid="14" grpId="1"/>
+      <p:bldP spid="16" grpId="0"/>
+      <p:bldP spid="16" grpId="1"/>
+      <p:bldP spid="18" grpId="0"/>
+      <p:bldP spid="18" grpId="1"/>
+      <p:bldP spid="20" grpId="0"/>
     </p:bldLst>
   </p:timing>
 </p:sld>
@@ -22426,6 +23862,226 @@
           </a:prstGeom>
         </p:spPr>
       </p:pic>
+      <p:sp>
+        <p:nvSpPr>
+          <p:cNvPr id="3" name="TextBox 2">
+            <a:extLst>
+              <a:ext uri="{FF2B5EF4-FFF2-40B4-BE49-F238E27FC236}">
+                <a16:creationId xmlns:a16="http://schemas.microsoft.com/office/drawing/2014/main" id="{E687D1EE-1407-7F6E-E1A9-B0BCE74C297F}"/>
+              </a:ext>
+            </a:extLst>
+          </p:cNvPr>
+          <p:cNvSpPr txBox="1"/>
+          <p:nvPr/>
+        </p:nvSpPr>
+        <p:spPr>
+          <a:xfrm>
+            <a:off x="2527100" y="415405"/>
+            <a:ext cx="1432260" cy="261610"/>
+          </a:xfrm>
+          <a:prstGeom prst="rect">
+            <a:avLst/>
+          </a:prstGeom>
+          <a:noFill/>
+        </p:spPr>
+        <p:txBody>
+          <a:bodyPr wrap="square">
+            <a:spAutoFit/>
+          </a:bodyPr>
+          <a:lstStyle/>
+          <a:p>
+            <a:r>
+              <a:rPr lang="en-GB" sz="1100" i="1" dirty="0"/>
+              <a:t>Fig. 8: Piece of code</a:t>
+            </a:r>
+            <a:endParaRPr lang="en-DE" sz="1100" i="1" dirty="0"/>
+          </a:p>
+        </p:txBody>
+      </p:sp>
+      <p:sp>
+        <p:nvSpPr>
+          <p:cNvPr id="6" name="TextBox 5">
+            <a:extLst>
+              <a:ext uri="{FF2B5EF4-FFF2-40B4-BE49-F238E27FC236}">
+                <a16:creationId xmlns:a16="http://schemas.microsoft.com/office/drawing/2014/main" id="{EBE36EC1-AB0E-E575-8E94-F7FC0E508D3E}"/>
+              </a:ext>
+            </a:extLst>
+          </p:cNvPr>
+          <p:cNvSpPr txBox="1"/>
+          <p:nvPr/>
+        </p:nvSpPr>
+        <p:spPr>
+          <a:xfrm>
+            <a:off x="1597265" y="6181529"/>
+            <a:ext cx="2860024" cy="276999"/>
+          </a:xfrm>
+          <a:prstGeom prst="rect">
+            <a:avLst/>
+          </a:prstGeom>
+          <a:noFill/>
+        </p:spPr>
+        <p:txBody>
+          <a:bodyPr wrap="square" rtlCol="0">
+            <a:spAutoFit/>
+          </a:bodyPr>
+          <a:lstStyle/>
+          <a:p>
+            <a:r>
+              <a:rPr lang="en-GB" sz="1200" i="1" dirty="0"/>
+              <a:t>Own presentation based on Fowler, 1999, S. 11. </a:t>
+            </a:r>
+            <a:endParaRPr lang="en-DE" sz="1200" i="1" dirty="0"/>
+          </a:p>
+        </p:txBody>
+      </p:sp>
+      <p:sp>
+        <p:nvSpPr>
+          <p:cNvPr id="8" name="TextBox 7">
+            <a:extLst>
+              <a:ext uri="{FF2B5EF4-FFF2-40B4-BE49-F238E27FC236}">
+                <a16:creationId xmlns:a16="http://schemas.microsoft.com/office/drawing/2014/main" id="{C0F1FD3A-7778-591E-A11F-62B907751BB4}"/>
+              </a:ext>
+            </a:extLst>
+          </p:cNvPr>
+          <p:cNvSpPr txBox="1"/>
+          <p:nvPr/>
+        </p:nvSpPr>
+        <p:spPr>
+          <a:xfrm>
+            <a:off x="8575959" y="1315684"/>
+            <a:ext cx="1432260" cy="261610"/>
+          </a:xfrm>
+          <a:prstGeom prst="rect">
+            <a:avLst/>
+          </a:prstGeom>
+          <a:noFill/>
+        </p:spPr>
+        <p:txBody>
+          <a:bodyPr wrap="square">
+            <a:spAutoFit/>
+          </a:bodyPr>
+          <a:lstStyle/>
+          <a:p>
+            <a:r>
+              <a:rPr lang="en-GB" sz="1100" i="1" dirty="0"/>
+              <a:t>Fig. 9: Piece of code</a:t>
+            </a:r>
+            <a:endParaRPr lang="en-DE" sz="1100" i="1" dirty="0"/>
+          </a:p>
+        </p:txBody>
+      </p:sp>
+      <p:sp>
+        <p:nvSpPr>
+          <p:cNvPr id="10" name="TextBox 9">
+            <a:extLst>
+              <a:ext uri="{FF2B5EF4-FFF2-40B4-BE49-F238E27FC236}">
+                <a16:creationId xmlns:a16="http://schemas.microsoft.com/office/drawing/2014/main" id="{9CDCCB92-7E20-7600-82EB-C6160336B945}"/>
+              </a:ext>
+            </a:extLst>
+          </p:cNvPr>
+          <p:cNvSpPr txBox="1"/>
+          <p:nvPr/>
+        </p:nvSpPr>
+        <p:spPr>
+          <a:xfrm>
+            <a:off x="7862077" y="4997699"/>
+            <a:ext cx="2860024" cy="276999"/>
+          </a:xfrm>
+          <a:prstGeom prst="rect">
+            <a:avLst/>
+          </a:prstGeom>
+          <a:noFill/>
+        </p:spPr>
+        <p:txBody>
+          <a:bodyPr wrap="square" rtlCol="0">
+            <a:spAutoFit/>
+          </a:bodyPr>
+          <a:lstStyle/>
+          <a:p>
+            <a:r>
+              <a:rPr lang="en-GB" sz="1200" i="1" dirty="0"/>
+              <a:t>Own presentation based on Fowler, 1999, S. 12. </a:t>
+            </a:r>
+            <a:endParaRPr lang="en-DE" sz="1200" i="1" dirty="0"/>
+          </a:p>
+        </p:txBody>
+      </p:sp>
+      <p:sp>
+        <p:nvSpPr>
+          <p:cNvPr id="11" name="TextBox 10">
+            <a:extLst>
+              <a:ext uri="{FF2B5EF4-FFF2-40B4-BE49-F238E27FC236}">
+                <a16:creationId xmlns:a16="http://schemas.microsoft.com/office/drawing/2014/main" id="{3943E7FB-458E-B62B-41C1-2170B2EE0814}"/>
+              </a:ext>
+            </a:extLst>
+          </p:cNvPr>
+          <p:cNvSpPr txBox="1"/>
+          <p:nvPr/>
+        </p:nvSpPr>
+        <p:spPr>
+          <a:xfrm>
+            <a:off x="5798520" y="837499"/>
+            <a:ext cx="1432260" cy="261610"/>
+          </a:xfrm>
+          <a:prstGeom prst="rect">
+            <a:avLst/>
+          </a:prstGeom>
+          <a:noFill/>
+        </p:spPr>
+        <p:txBody>
+          <a:bodyPr wrap="square">
+            <a:spAutoFit/>
+          </a:bodyPr>
+          <a:lstStyle/>
+          <a:p>
+            <a:r>
+              <a:rPr lang="en-GB" sz="1100" i="1" dirty="0"/>
+              <a:t>Fig. 10: Piece </a:t>
+            </a:r>
+            <a:r>
+              <a:rPr lang="en-GB" sz="1100" i="1" dirty="0" err="1"/>
+              <a:t>ofcode</a:t>
+            </a:r>
+            <a:endParaRPr lang="en-DE" sz="1100" i="1" dirty="0"/>
+          </a:p>
+        </p:txBody>
+      </p:sp>
+      <p:sp>
+        <p:nvSpPr>
+          <p:cNvPr id="12" name="TextBox 11">
+            <a:extLst>
+              <a:ext uri="{FF2B5EF4-FFF2-40B4-BE49-F238E27FC236}">
+                <a16:creationId xmlns:a16="http://schemas.microsoft.com/office/drawing/2014/main" id="{CD0253EF-18FB-F955-0AF5-B544044BACCF}"/>
+              </a:ext>
+            </a:extLst>
+          </p:cNvPr>
+          <p:cNvSpPr txBox="1"/>
+          <p:nvPr/>
+        </p:nvSpPr>
+        <p:spPr>
+          <a:xfrm>
+            <a:off x="5084638" y="5765025"/>
+            <a:ext cx="2860024" cy="276999"/>
+          </a:xfrm>
+          <a:prstGeom prst="rect">
+            <a:avLst/>
+          </a:prstGeom>
+          <a:noFill/>
+        </p:spPr>
+        <p:txBody>
+          <a:bodyPr wrap="square" rtlCol="0">
+            <a:spAutoFit/>
+          </a:bodyPr>
+          <a:lstStyle/>
+          <a:p>
+            <a:r>
+              <a:rPr lang="en-GB" sz="1200" i="1" dirty="0"/>
+              <a:t>Own presentation based on Fowler, 1999, S. 13. </a:t>
+            </a:r>
+            <a:endParaRPr lang="en-DE" sz="1200" i="1" dirty="0"/>
+          </a:p>
+        </p:txBody>
+      </p:sp>
     </p:spTree>
     <p:extLst>
       <p:ext uri="{BB962C8B-B14F-4D97-AF65-F5344CB8AC3E}">
@@ -22537,6 +24193,168 @@
                                   </p:childTnLst>
                                 </p:cTn>
                               </p:par>
+                              <p:par>
+                                <p:cTn id="10" presetID="53" presetClass="entr" presetSubtype="16" fill="hold" grpId="0" nodeType="withEffect">
+                                  <p:stCondLst>
+                                    <p:cond delay="0"/>
+                                  </p:stCondLst>
+                                  <p:childTnLst>
+                                    <p:set>
+                                      <p:cBhvr>
+                                        <p:cTn id="11" dur="1" fill="hold">
+                                          <p:stCondLst>
+                                            <p:cond delay="0"/>
+                                          </p:stCondLst>
+                                        </p:cTn>
+                                        <p:tgtEl>
+                                          <p:spTgt spid="3"/>
+                                        </p:tgtEl>
+                                        <p:attrNameLst>
+                                          <p:attrName>style.visibility</p:attrName>
+                                        </p:attrNameLst>
+                                      </p:cBhvr>
+                                      <p:to>
+                                        <p:strVal val="visible"/>
+                                      </p:to>
+                                    </p:set>
+                                    <p:anim calcmode="lin" valueType="num">
+                                      <p:cBhvr>
+                                        <p:cTn id="12" dur="500" fill="hold"/>
+                                        <p:tgtEl>
+                                          <p:spTgt spid="3"/>
+                                        </p:tgtEl>
+                                        <p:attrNameLst>
+                                          <p:attrName>ppt_w</p:attrName>
+                                        </p:attrNameLst>
+                                      </p:cBhvr>
+                                      <p:tavLst>
+                                        <p:tav tm="0">
+                                          <p:val>
+                                            <p:fltVal val="0"/>
+                                          </p:val>
+                                        </p:tav>
+                                        <p:tav tm="100000">
+                                          <p:val>
+                                            <p:strVal val="#ppt_w"/>
+                                          </p:val>
+                                        </p:tav>
+                                      </p:tavLst>
+                                    </p:anim>
+                                    <p:anim calcmode="lin" valueType="num">
+                                      <p:cBhvr>
+                                        <p:cTn id="13" dur="500" fill="hold"/>
+                                        <p:tgtEl>
+                                          <p:spTgt spid="3"/>
+                                        </p:tgtEl>
+                                        <p:attrNameLst>
+                                          <p:attrName>ppt_h</p:attrName>
+                                        </p:attrNameLst>
+                                      </p:cBhvr>
+                                      <p:tavLst>
+                                        <p:tav tm="0">
+                                          <p:val>
+                                            <p:fltVal val="0"/>
+                                          </p:val>
+                                        </p:tav>
+                                        <p:tav tm="100000">
+                                          <p:val>
+                                            <p:strVal val="#ppt_h"/>
+                                          </p:val>
+                                        </p:tav>
+                                      </p:tavLst>
+                                    </p:anim>
+                                    <p:animEffect transition="in" filter="fade">
+                                      <p:cBhvr>
+                                        <p:cTn id="14" dur="500"/>
+                                        <p:tgtEl>
+                                          <p:spTgt spid="3"/>
+                                        </p:tgtEl>
+                                      </p:cBhvr>
+                                    </p:animEffect>
+                                  </p:childTnLst>
+                                </p:cTn>
+                              </p:par>
+                              <p:par>
+                                <p:cTn id="15" presetID="53" presetClass="entr" presetSubtype="16" fill="hold" grpId="0" nodeType="withEffect">
+                                  <p:stCondLst>
+                                    <p:cond delay="0"/>
+                                  </p:stCondLst>
+                                  <p:childTnLst>
+                                    <p:set>
+                                      <p:cBhvr>
+                                        <p:cTn id="16" dur="1" fill="hold">
+                                          <p:stCondLst>
+                                            <p:cond delay="0"/>
+                                          </p:stCondLst>
+                                        </p:cTn>
+                                        <p:tgtEl>
+                                          <p:spTgt spid="6"/>
+                                        </p:tgtEl>
+                                        <p:attrNameLst>
+                                          <p:attrName>style.visibility</p:attrName>
+                                        </p:attrNameLst>
+                                      </p:cBhvr>
+                                      <p:to>
+                                        <p:strVal val="visible"/>
+                                      </p:to>
+                                    </p:set>
+                                    <p:anim calcmode="lin" valueType="num">
+                                      <p:cBhvr>
+                                        <p:cTn id="17" dur="500" fill="hold"/>
+                                        <p:tgtEl>
+                                          <p:spTgt spid="6"/>
+                                        </p:tgtEl>
+                                        <p:attrNameLst>
+                                          <p:attrName>ppt_w</p:attrName>
+                                        </p:attrNameLst>
+                                      </p:cBhvr>
+                                      <p:tavLst>
+                                        <p:tav tm="0">
+                                          <p:val>
+                                            <p:fltVal val="0"/>
+                                          </p:val>
+                                        </p:tav>
+                                        <p:tav tm="100000">
+                                          <p:val>
+                                            <p:strVal val="#ppt_w"/>
+                                          </p:val>
+                                        </p:tav>
+                                      </p:tavLst>
+                                    </p:anim>
+                                    <p:anim calcmode="lin" valueType="num">
+                                      <p:cBhvr>
+                                        <p:cTn id="18" dur="500" fill="hold"/>
+                                        <p:tgtEl>
+                                          <p:spTgt spid="6"/>
+                                        </p:tgtEl>
+                                        <p:attrNameLst>
+                                          <p:attrName>ppt_h</p:attrName>
+                                        </p:attrNameLst>
+                                      </p:cBhvr>
+                                      <p:tavLst>
+                                        <p:tav tm="0">
+                                          <p:val>
+                                            <p:fltVal val="0"/>
+                                          </p:val>
+                                        </p:tav>
+                                        <p:tav tm="100000">
+                                          <p:val>
+                                            <p:strVal val="#ppt_h"/>
+                                          </p:val>
+                                        </p:tav>
+                                      </p:tavLst>
+                                    </p:anim>
+                                    <p:animEffect transition="in" filter="fade">
+                                      <p:cBhvr>
+                                        <p:cTn id="19" dur="500"/>
+                                        <p:tgtEl>
+                                          <p:spTgt spid="6"/>
+                                        </p:tgtEl>
+                                      </p:cBhvr>
+                                    </p:animEffect>
+                                  </p:childTnLst>
+                                </p:cTn>
+                              </p:par>
                             </p:childTnLst>
                           </p:cTn>
                         </p:par>
@@ -22544,26 +24362,26 @@
                     </p:cTn>
                   </p:par>
                   <p:par>
-                    <p:cTn id="10" fill="hold">
+                    <p:cTn id="20" fill="hold">
                       <p:stCondLst>
                         <p:cond delay="indefinite"/>
                       </p:stCondLst>
                       <p:childTnLst>
                         <p:par>
-                          <p:cTn id="11" fill="hold">
+                          <p:cTn id="21" fill="hold">
                             <p:stCondLst>
                               <p:cond delay="0"/>
                             </p:stCondLst>
                             <p:childTnLst>
                               <p:par>
-                                <p:cTn id="12" presetID="6" presetClass="entr" presetSubtype="16" fill="hold" grpId="0" nodeType="clickEffect">
+                                <p:cTn id="22" presetID="6" presetClass="entr" presetSubtype="16" fill="hold" grpId="0" nodeType="clickEffect">
                                   <p:stCondLst>
                                     <p:cond delay="0"/>
                                   </p:stCondLst>
                                   <p:childTnLst>
                                     <p:set>
                                       <p:cBhvr>
-                                        <p:cTn id="13" dur="1" fill="hold">
+                                        <p:cTn id="23" dur="1" fill="hold">
                                           <p:stCondLst>
                                             <p:cond delay="0"/>
                                           </p:stCondLst>
@@ -22581,7 +24399,7 @@
                                     </p:set>
                                     <p:animEffect transition="in" filter="circle(in)">
                                       <p:cBhvr>
-                                        <p:cTn id="14" dur="2000"/>
+                                        <p:cTn id="24" dur="2000"/>
                                         <p:tgtEl>
                                           <p:spTgt spid="4"/>
                                         </p:tgtEl>
@@ -22597,26 +24415,26 @@
                     </p:cTn>
                   </p:par>
                   <p:par>
-                    <p:cTn id="15" fill="hold">
+                    <p:cTn id="25" fill="hold">
                       <p:stCondLst>
                         <p:cond delay="indefinite"/>
                       </p:stCondLst>
                       <p:childTnLst>
                         <p:par>
-                          <p:cTn id="16" fill="hold">
+                          <p:cTn id="26" fill="hold">
                             <p:stCondLst>
                               <p:cond delay="0"/>
                             </p:stCondLst>
                             <p:childTnLst>
                               <p:par>
-                                <p:cTn id="17" presetID="2" presetClass="entr" presetSubtype="8" fill="hold" nodeType="clickEffect">
+                                <p:cTn id="27" presetID="2" presetClass="entr" presetSubtype="8" fill="hold" nodeType="clickEffect">
                                   <p:stCondLst>
                                     <p:cond delay="0"/>
                                   </p:stCondLst>
                                   <p:childTnLst>
                                     <p:set>
                                       <p:cBhvr>
-                                        <p:cTn id="18" dur="1" fill="hold">
+                                        <p:cTn id="28" dur="1" fill="hold">
                                           <p:stCondLst>
                                             <p:cond delay="0"/>
                                           </p:stCondLst>
@@ -22634,7 +24452,7 @@
                                     </p:set>
                                     <p:anim calcmode="lin" valueType="num">
                                       <p:cBhvr additive="base">
-                                        <p:cTn id="19" dur="500" fill="hold"/>
+                                        <p:cTn id="29" dur="500" fill="hold"/>
                                         <p:tgtEl>
                                           <p:spTgt spid="7"/>
                                         </p:tgtEl>
@@ -22657,9 +24475,155 @@
                                     </p:anim>
                                     <p:anim calcmode="lin" valueType="num">
                                       <p:cBhvr additive="base">
-                                        <p:cTn id="20" dur="500" fill="hold"/>
+                                        <p:cTn id="30" dur="500" fill="hold"/>
                                         <p:tgtEl>
                                           <p:spTgt spid="7"/>
+                                        </p:tgtEl>
+                                        <p:attrNameLst>
+                                          <p:attrName>ppt_y</p:attrName>
+                                        </p:attrNameLst>
+                                      </p:cBhvr>
+                                      <p:tavLst>
+                                        <p:tav tm="0">
+                                          <p:val>
+                                            <p:strVal val="#ppt_y"/>
+                                          </p:val>
+                                        </p:tav>
+                                        <p:tav tm="100000">
+                                          <p:val>
+                                            <p:strVal val="#ppt_y"/>
+                                          </p:val>
+                                        </p:tav>
+                                      </p:tavLst>
+                                    </p:anim>
+                                  </p:childTnLst>
+                                </p:cTn>
+                              </p:par>
+                              <p:par>
+                                <p:cTn id="31" presetID="2" presetClass="entr" presetSubtype="2" fill="hold" grpId="0" nodeType="withEffect">
+                                  <p:stCondLst>
+                                    <p:cond delay="0"/>
+                                  </p:stCondLst>
+                                  <p:childTnLst>
+                                    <p:set>
+                                      <p:cBhvr>
+                                        <p:cTn id="32" dur="1" fill="hold">
+                                          <p:stCondLst>
+                                            <p:cond delay="0"/>
+                                          </p:stCondLst>
+                                        </p:cTn>
+                                        <p:tgtEl>
+                                          <p:spTgt spid="8"/>
+                                        </p:tgtEl>
+                                        <p:attrNameLst>
+                                          <p:attrName>style.visibility</p:attrName>
+                                        </p:attrNameLst>
+                                      </p:cBhvr>
+                                      <p:to>
+                                        <p:strVal val="visible"/>
+                                      </p:to>
+                                    </p:set>
+                                    <p:anim calcmode="lin" valueType="num">
+                                      <p:cBhvr additive="base">
+                                        <p:cTn id="33" dur="500" fill="hold"/>
+                                        <p:tgtEl>
+                                          <p:spTgt spid="8"/>
+                                        </p:tgtEl>
+                                        <p:attrNameLst>
+                                          <p:attrName>ppt_x</p:attrName>
+                                        </p:attrNameLst>
+                                      </p:cBhvr>
+                                      <p:tavLst>
+                                        <p:tav tm="0">
+                                          <p:val>
+                                            <p:strVal val="1+#ppt_w/2"/>
+                                          </p:val>
+                                        </p:tav>
+                                        <p:tav tm="100000">
+                                          <p:val>
+                                            <p:strVal val="#ppt_x"/>
+                                          </p:val>
+                                        </p:tav>
+                                      </p:tavLst>
+                                    </p:anim>
+                                    <p:anim calcmode="lin" valueType="num">
+                                      <p:cBhvr additive="base">
+                                        <p:cTn id="34" dur="500" fill="hold"/>
+                                        <p:tgtEl>
+                                          <p:spTgt spid="8"/>
+                                        </p:tgtEl>
+                                        <p:attrNameLst>
+                                          <p:attrName>ppt_y</p:attrName>
+                                        </p:attrNameLst>
+                                      </p:cBhvr>
+                                      <p:tavLst>
+                                        <p:tav tm="0">
+                                          <p:val>
+                                            <p:strVal val="#ppt_y"/>
+                                          </p:val>
+                                        </p:tav>
+                                        <p:tav tm="100000">
+                                          <p:val>
+                                            <p:strVal val="#ppt_y"/>
+                                          </p:val>
+                                        </p:tav>
+                                      </p:tavLst>
+                                    </p:anim>
+                                  </p:childTnLst>
+                                </p:cTn>
+                              </p:par>
+                              <p:par>
+                                <p:cTn id="35" presetID="2" presetClass="entr" presetSubtype="2" fill="hold" grpId="0" nodeType="withEffect">
+                                  <p:stCondLst>
+                                    <p:cond delay="0"/>
+                                  </p:stCondLst>
+                                  <p:childTnLst>
+                                    <p:set>
+                                      <p:cBhvr>
+                                        <p:cTn id="36" dur="1" fill="hold">
+                                          <p:stCondLst>
+                                            <p:cond delay="0"/>
+                                          </p:stCondLst>
+                                        </p:cTn>
+                                        <p:tgtEl>
+                                          <p:spTgt spid="10"/>
+                                        </p:tgtEl>
+                                        <p:attrNameLst>
+                                          <p:attrName>style.visibility</p:attrName>
+                                        </p:attrNameLst>
+                                      </p:cBhvr>
+                                      <p:to>
+                                        <p:strVal val="visible"/>
+                                      </p:to>
+                                    </p:set>
+                                    <p:anim calcmode="lin" valueType="num">
+                                      <p:cBhvr additive="base">
+                                        <p:cTn id="37" dur="500" fill="hold"/>
+                                        <p:tgtEl>
+                                          <p:spTgt spid="10"/>
+                                        </p:tgtEl>
+                                        <p:attrNameLst>
+                                          <p:attrName>ppt_x</p:attrName>
+                                        </p:attrNameLst>
+                                      </p:cBhvr>
+                                      <p:tavLst>
+                                        <p:tav tm="0">
+                                          <p:val>
+                                            <p:strVal val="1+#ppt_w/2"/>
+                                          </p:val>
+                                        </p:tav>
+                                        <p:tav tm="100000">
+                                          <p:val>
+                                            <p:strVal val="#ppt_x"/>
+                                          </p:val>
+                                        </p:tav>
+                                      </p:tavLst>
+                                    </p:anim>
+                                    <p:anim calcmode="lin" valueType="num">
+                                      <p:cBhvr additive="base">
+                                        <p:cTn id="38" dur="500" fill="hold"/>
+                                        <p:tgtEl>
+                                          <p:spTgt spid="10"/>
                                         </p:tgtEl>
                                         <p:attrNameLst>
                                           <p:attrName>ppt_y</p:attrName>
@@ -22688,26 +24652,26 @@
                     </p:cTn>
                   </p:par>
                   <p:par>
-                    <p:cTn id="21" fill="hold">
+                    <p:cTn id="39" fill="hold">
                       <p:stCondLst>
                         <p:cond delay="indefinite"/>
                       </p:stCondLst>
                       <p:childTnLst>
                         <p:par>
-                          <p:cTn id="22" fill="hold">
+                          <p:cTn id="40" fill="hold">
                             <p:stCondLst>
                               <p:cond delay="0"/>
                             </p:stCondLst>
                             <p:childTnLst>
                               <p:par>
-                                <p:cTn id="23" presetID="2" presetClass="entr" presetSubtype="1" fill="hold" grpId="0" nodeType="clickEffect">
+                                <p:cTn id="41" presetID="2" presetClass="entr" presetSubtype="1" fill="hold" grpId="0" nodeType="clickEffect">
                                   <p:stCondLst>
                                     <p:cond delay="0"/>
                                   </p:stCondLst>
                                   <p:childTnLst>
                                     <p:set>
                                       <p:cBhvr>
-                                        <p:cTn id="24" dur="1" fill="hold">
+                                        <p:cTn id="42" dur="1" fill="hold">
                                           <p:stCondLst>
                                             <p:cond delay="0"/>
                                           </p:stCondLst>
@@ -22725,7 +24689,7 @@
                                     </p:set>
                                     <p:anim calcmode="lin" valueType="num">
                                       <p:cBhvr additive="base">
-                                        <p:cTn id="25" dur="500" fill="hold"/>
+                                        <p:cTn id="43" dur="500" fill="hold"/>
                                         <p:tgtEl>
                                           <p:spTgt spid="5"/>
                                         </p:tgtEl>
@@ -22748,7 +24712,7 @@
                                     </p:anim>
                                     <p:anim calcmode="lin" valueType="num">
                                       <p:cBhvr additive="base">
-                                        <p:cTn id="26" dur="500" fill="hold"/>
+                                        <p:cTn id="44" dur="500" fill="hold"/>
                                         <p:tgtEl>
                                           <p:spTgt spid="5"/>
                                         </p:tgtEl>
@@ -22779,26 +24743,26 @@
                     </p:cTn>
                   </p:par>
                   <p:par>
-                    <p:cTn id="27" fill="hold">
+                    <p:cTn id="45" fill="hold">
                       <p:stCondLst>
                         <p:cond delay="indefinite"/>
                       </p:stCondLst>
                       <p:childTnLst>
                         <p:par>
-                          <p:cTn id="28" fill="hold">
+                          <p:cTn id="46" fill="hold">
                             <p:stCondLst>
                               <p:cond delay="0"/>
                             </p:stCondLst>
                             <p:childTnLst>
                               <p:par>
-                                <p:cTn id="29" presetID="42" presetClass="entr" presetSubtype="0" fill="hold" nodeType="clickEffect">
+                                <p:cTn id="47" presetID="42" presetClass="entr" presetSubtype="0" fill="hold" nodeType="clickEffect">
                                   <p:stCondLst>
                                     <p:cond delay="0"/>
                                   </p:stCondLst>
                                   <p:childTnLst>
                                     <p:set>
                                       <p:cBhvr>
-                                        <p:cTn id="30" dur="1" fill="hold">
+                                        <p:cTn id="48" dur="1" fill="hold">
                                           <p:stCondLst>
                                             <p:cond delay="0"/>
                                           </p:stCondLst>
@@ -22816,7 +24780,7 @@
                                     </p:set>
                                     <p:animEffect transition="in" filter="fade">
                                       <p:cBhvr>
-                                        <p:cTn id="31" dur="1000"/>
+                                        <p:cTn id="49" dur="1000"/>
                                         <p:tgtEl>
                                           <p:spTgt spid="9"/>
                                         </p:tgtEl>
@@ -22824,7 +24788,7 @@
                                     </p:animEffect>
                                     <p:anim calcmode="lin" valueType="num">
                                       <p:cBhvr>
-                                        <p:cTn id="32" dur="1000" fill="hold"/>
+                                        <p:cTn id="50" dur="1000" fill="hold"/>
                                         <p:tgtEl>
                                           <p:spTgt spid="9"/>
                                         </p:tgtEl>
@@ -22847,7 +24811,7 @@
                                     </p:anim>
                                     <p:anim calcmode="lin" valueType="num">
                                       <p:cBhvr>
-                                        <p:cTn id="33" dur="1000" fill="hold"/>
+                                        <p:cTn id="51" dur="1000" fill="hold"/>
                                         <p:tgtEl>
                                           <p:spTgt spid="9"/>
                                         </p:tgtEl>
@@ -22872,14 +24836,176 @@
                                 </p:cTn>
                               </p:par>
                               <p:par>
-                                <p:cTn id="34" presetID="2" presetClass="exit" presetSubtype="4" fill="hold" nodeType="withEffect">
+                                <p:cTn id="52" presetID="47" presetClass="entr" presetSubtype="0" fill="hold" grpId="0" nodeType="withEffect">
+                                  <p:stCondLst>
+                                    <p:cond delay="0"/>
+                                  </p:stCondLst>
+                                  <p:childTnLst>
+                                    <p:set>
+                                      <p:cBhvr>
+                                        <p:cTn id="53" dur="1" fill="hold">
+                                          <p:stCondLst>
+                                            <p:cond delay="0"/>
+                                          </p:stCondLst>
+                                        </p:cTn>
+                                        <p:tgtEl>
+                                          <p:spTgt spid="11"/>
+                                        </p:tgtEl>
+                                        <p:attrNameLst>
+                                          <p:attrName>style.visibility</p:attrName>
+                                        </p:attrNameLst>
+                                      </p:cBhvr>
+                                      <p:to>
+                                        <p:strVal val="visible"/>
+                                      </p:to>
+                                    </p:set>
+                                    <p:animEffect transition="in" filter="fade">
+                                      <p:cBhvr>
+                                        <p:cTn id="54" dur="1000"/>
+                                        <p:tgtEl>
+                                          <p:spTgt spid="11"/>
+                                        </p:tgtEl>
+                                      </p:cBhvr>
+                                    </p:animEffect>
+                                    <p:anim calcmode="lin" valueType="num">
+                                      <p:cBhvr>
+                                        <p:cTn id="55" dur="1000" fill="hold"/>
+                                        <p:tgtEl>
+                                          <p:spTgt spid="11"/>
+                                        </p:tgtEl>
+                                        <p:attrNameLst>
+                                          <p:attrName>ppt_x</p:attrName>
+                                        </p:attrNameLst>
+                                      </p:cBhvr>
+                                      <p:tavLst>
+                                        <p:tav tm="0">
+                                          <p:val>
+                                            <p:strVal val="#ppt_x"/>
+                                          </p:val>
+                                        </p:tav>
+                                        <p:tav tm="100000">
+                                          <p:val>
+                                            <p:strVal val="#ppt_x"/>
+                                          </p:val>
+                                        </p:tav>
+                                      </p:tavLst>
+                                    </p:anim>
+                                    <p:anim calcmode="lin" valueType="num">
+                                      <p:cBhvr>
+                                        <p:cTn id="56" dur="1000" fill="hold"/>
+                                        <p:tgtEl>
+                                          <p:spTgt spid="11"/>
+                                        </p:tgtEl>
+                                        <p:attrNameLst>
+                                          <p:attrName>ppt_y</p:attrName>
+                                        </p:attrNameLst>
+                                      </p:cBhvr>
+                                      <p:tavLst>
+                                        <p:tav tm="0">
+                                          <p:val>
+                                            <p:strVal val="#ppt_y-.1"/>
+                                          </p:val>
+                                        </p:tav>
+                                        <p:tav tm="100000">
+                                          <p:val>
+                                            <p:strVal val="#ppt_y"/>
+                                          </p:val>
+                                        </p:tav>
+                                      </p:tavLst>
+                                    </p:anim>
+                                  </p:childTnLst>
+                                </p:cTn>
+                              </p:par>
+                              <p:par>
+                                <p:cTn id="57" presetID="42" presetClass="entr" presetSubtype="0" fill="hold" grpId="0" nodeType="withEffect">
+                                  <p:stCondLst>
+                                    <p:cond delay="0"/>
+                                  </p:stCondLst>
+                                  <p:childTnLst>
+                                    <p:set>
+                                      <p:cBhvr>
+                                        <p:cTn id="58" dur="1" fill="hold">
+                                          <p:stCondLst>
+                                            <p:cond delay="0"/>
+                                          </p:stCondLst>
+                                        </p:cTn>
+                                        <p:tgtEl>
+                                          <p:spTgt spid="12"/>
+                                        </p:tgtEl>
+                                        <p:attrNameLst>
+                                          <p:attrName>style.visibility</p:attrName>
+                                        </p:attrNameLst>
+                                      </p:cBhvr>
+                                      <p:to>
+                                        <p:strVal val="visible"/>
+                                      </p:to>
+                                    </p:set>
+                                    <p:animEffect transition="in" filter="fade">
+                                      <p:cBhvr>
+                                        <p:cTn id="59" dur="1000"/>
+                                        <p:tgtEl>
+                                          <p:spTgt spid="12"/>
+                                        </p:tgtEl>
+                                      </p:cBhvr>
+                                    </p:animEffect>
+                                    <p:anim calcmode="lin" valueType="num">
+                                      <p:cBhvr>
+                                        <p:cTn id="60" dur="1000" fill="hold"/>
+                                        <p:tgtEl>
+                                          <p:spTgt spid="12"/>
+                                        </p:tgtEl>
+                                        <p:attrNameLst>
+                                          <p:attrName>ppt_x</p:attrName>
+                                        </p:attrNameLst>
+                                      </p:cBhvr>
+                                      <p:tavLst>
+                                        <p:tav tm="0">
+                                          <p:val>
+                                            <p:strVal val="#ppt_x"/>
+                                          </p:val>
+                                        </p:tav>
+                                        <p:tav tm="100000">
+                                          <p:val>
+                                            <p:strVal val="#ppt_x"/>
+                                          </p:val>
+                                        </p:tav>
+                                      </p:tavLst>
+                                    </p:anim>
+                                    <p:anim calcmode="lin" valueType="num">
+                                      <p:cBhvr>
+                                        <p:cTn id="61" dur="1000" fill="hold"/>
+                                        <p:tgtEl>
+                                          <p:spTgt spid="12"/>
+                                        </p:tgtEl>
+                                        <p:attrNameLst>
+                                          <p:attrName>ppt_y</p:attrName>
+                                        </p:attrNameLst>
+                                      </p:cBhvr>
+                                      <p:tavLst>
+                                        <p:tav tm="0">
+                                          <p:val>
+                                            <p:strVal val="#ppt_y+.1"/>
+                                          </p:val>
+                                        </p:tav>
+                                        <p:tav tm="100000">
+                                          <p:val>
+                                            <p:strVal val="#ppt_y"/>
+                                          </p:val>
+                                        </p:tav>
+                                      </p:tavLst>
+                                    </p:anim>
+                                  </p:childTnLst>
+                                </p:cTn>
+                              </p:par>
+                              <p:par>
+                                <p:cTn id="62" presetID="2" presetClass="exit" presetSubtype="4" fill="hold" nodeType="withEffect">
                                   <p:stCondLst>
                                     <p:cond delay="0"/>
                                   </p:stCondLst>
                                   <p:childTnLst>
                                     <p:anim calcmode="lin" valueType="num">
                                       <p:cBhvr additive="base">
-                                        <p:cTn id="35" dur="500"/>
+                                        <p:cTn id="63" dur="500"/>
                                         <p:tgtEl>
                                           <p:spTgt spid="2"/>
                                         </p:tgtEl>
@@ -22902,7 +25028,7 @@
                                     </p:anim>
                                     <p:anim calcmode="lin" valueType="num">
                                       <p:cBhvr additive="base">
-                                        <p:cTn id="36" dur="500"/>
+                                        <p:cTn id="64" dur="500"/>
                                         <p:tgtEl>
                                           <p:spTgt spid="2"/>
                                         </p:tgtEl>
@@ -22925,7 +25051,7 @@
                                     </p:anim>
                                     <p:set>
                                       <p:cBhvr>
-                                        <p:cTn id="37" dur="1" fill="hold">
+                                        <p:cTn id="65" dur="1" fill="hold">
                                           <p:stCondLst>
                                             <p:cond delay="499"/>
                                           </p:stCondLst>
@@ -22945,14 +25071,176 @@
                                 </p:cTn>
                               </p:par>
                               <p:par>
-                                <p:cTn id="38" presetID="2" presetClass="exit" presetSubtype="4" fill="hold" grpId="1" nodeType="withEffect">
+                                <p:cTn id="66" presetID="53" presetClass="exit" presetSubtype="32" fill="hold" grpId="1" nodeType="withEffect">
+                                  <p:stCondLst>
+                                    <p:cond delay="0"/>
+                                  </p:stCondLst>
+                                  <p:childTnLst>
+                                    <p:anim calcmode="lin" valueType="num">
+                                      <p:cBhvr>
+                                        <p:cTn id="67" dur="500"/>
+                                        <p:tgtEl>
+                                          <p:spTgt spid="3"/>
+                                        </p:tgtEl>
+                                        <p:attrNameLst>
+                                          <p:attrName>ppt_w</p:attrName>
+                                        </p:attrNameLst>
+                                      </p:cBhvr>
+                                      <p:tavLst>
+                                        <p:tav tm="0">
+                                          <p:val>
+                                            <p:strVal val="ppt_w"/>
+                                          </p:val>
+                                        </p:tav>
+                                        <p:tav tm="100000">
+                                          <p:val>
+                                            <p:fltVal val="0"/>
+                                          </p:val>
+                                        </p:tav>
+                                      </p:tavLst>
+                                    </p:anim>
+                                    <p:anim calcmode="lin" valueType="num">
+                                      <p:cBhvr>
+                                        <p:cTn id="68" dur="500"/>
+                                        <p:tgtEl>
+                                          <p:spTgt spid="3"/>
+                                        </p:tgtEl>
+                                        <p:attrNameLst>
+                                          <p:attrName>ppt_h</p:attrName>
+                                        </p:attrNameLst>
+                                      </p:cBhvr>
+                                      <p:tavLst>
+                                        <p:tav tm="0">
+                                          <p:val>
+                                            <p:strVal val="ppt_h"/>
+                                          </p:val>
+                                        </p:tav>
+                                        <p:tav tm="100000">
+                                          <p:val>
+                                            <p:fltVal val="0"/>
+                                          </p:val>
+                                        </p:tav>
+                                      </p:tavLst>
+                                    </p:anim>
+                                    <p:animEffect transition="out" filter="fade">
+                                      <p:cBhvr>
+                                        <p:cTn id="69" dur="500"/>
+                                        <p:tgtEl>
+                                          <p:spTgt spid="3"/>
+                                        </p:tgtEl>
+                                      </p:cBhvr>
+                                    </p:animEffect>
+                                    <p:set>
+                                      <p:cBhvr>
+                                        <p:cTn id="70" dur="1" fill="hold">
+                                          <p:stCondLst>
+                                            <p:cond delay="499"/>
+                                          </p:stCondLst>
+                                        </p:cTn>
+                                        <p:tgtEl>
+                                          <p:spTgt spid="3"/>
+                                        </p:tgtEl>
+                                        <p:attrNameLst>
+                                          <p:attrName>style.visibility</p:attrName>
+                                        </p:attrNameLst>
+                                      </p:cBhvr>
+                                      <p:to>
+                                        <p:strVal val="hidden"/>
+                                      </p:to>
+                                    </p:set>
+                                  </p:childTnLst>
+                                </p:cTn>
+                              </p:par>
+                              <p:par>
+                                <p:cTn id="71" presetID="53" presetClass="exit" presetSubtype="32" fill="hold" grpId="1" nodeType="withEffect">
+                                  <p:stCondLst>
+                                    <p:cond delay="0"/>
+                                  </p:stCondLst>
+                                  <p:childTnLst>
+                                    <p:anim calcmode="lin" valueType="num">
+                                      <p:cBhvr>
+                                        <p:cTn id="72" dur="500"/>
+                                        <p:tgtEl>
+                                          <p:spTgt spid="6"/>
+                                        </p:tgtEl>
+                                        <p:attrNameLst>
+                                          <p:attrName>ppt_w</p:attrName>
+                                        </p:attrNameLst>
+                                      </p:cBhvr>
+                                      <p:tavLst>
+                                        <p:tav tm="0">
+                                          <p:val>
+                                            <p:strVal val="ppt_w"/>
+                                          </p:val>
+                                        </p:tav>
+                                        <p:tav tm="100000">
+                                          <p:val>
+                                            <p:fltVal val="0"/>
+                                          </p:val>
+                                        </p:tav>
+                                      </p:tavLst>
+                                    </p:anim>
+                                    <p:anim calcmode="lin" valueType="num">
+                                      <p:cBhvr>
+                                        <p:cTn id="73" dur="500"/>
+                                        <p:tgtEl>
+                                          <p:spTgt spid="6"/>
+                                        </p:tgtEl>
+                                        <p:attrNameLst>
+                                          <p:attrName>ppt_h</p:attrName>
+                                        </p:attrNameLst>
+                                      </p:cBhvr>
+                                      <p:tavLst>
+                                        <p:tav tm="0">
+                                          <p:val>
+                                            <p:strVal val="ppt_h"/>
+                                          </p:val>
+                                        </p:tav>
+                                        <p:tav tm="100000">
+                                          <p:val>
+                                            <p:fltVal val="0"/>
+                                          </p:val>
+                                        </p:tav>
+                                      </p:tavLst>
+                                    </p:anim>
+                                    <p:animEffect transition="out" filter="fade">
+                                      <p:cBhvr>
+                                        <p:cTn id="74" dur="500"/>
+                                        <p:tgtEl>
+                                          <p:spTgt spid="6"/>
+                                        </p:tgtEl>
+                                      </p:cBhvr>
+                                    </p:animEffect>
+                                    <p:set>
+                                      <p:cBhvr>
+                                        <p:cTn id="75" dur="1" fill="hold">
+                                          <p:stCondLst>
+                                            <p:cond delay="499"/>
+                                          </p:stCondLst>
+                                        </p:cTn>
+                                        <p:tgtEl>
+                                          <p:spTgt spid="6"/>
+                                        </p:tgtEl>
+                                        <p:attrNameLst>
+                                          <p:attrName>style.visibility</p:attrName>
+                                        </p:attrNameLst>
+                                      </p:cBhvr>
+                                      <p:to>
+                                        <p:strVal val="hidden"/>
+                                      </p:to>
+                                    </p:set>
+                                  </p:childTnLst>
+                                </p:cTn>
+                              </p:par>
+                              <p:par>
+                                <p:cTn id="76" presetID="2" presetClass="exit" presetSubtype="4" fill="hold" grpId="1" nodeType="withEffect">
                                   <p:stCondLst>
                                     <p:cond delay="0"/>
                                   </p:stCondLst>
                                   <p:childTnLst>
                                     <p:anim calcmode="lin" valueType="num">
                                       <p:cBhvr additive="base">
-                                        <p:cTn id="39" dur="500"/>
+                                        <p:cTn id="77" dur="500"/>
                                         <p:tgtEl>
                                           <p:spTgt spid="4"/>
                                         </p:tgtEl>
@@ -22975,7 +25263,7 @@
                                     </p:anim>
                                     <p:anim calcmode="lin" valueType="num">
                                       <p:cBhvr additive="base">
-                                        <p:cTn id="40" dur="500"/>
+                                        <p:cTn id="78" dur="500"/>
                                         <p:tgtEl>
                                           <p:spTgt spid="4"/>
                                         </p:tgtEl>
@@ -22998,7 +25286,7 @@
                                     </p:anim>
                                     <p:set>
                                       <p:cBhvr>
-                                        <p:cTn id="41" dur="1" fill="hold">
+                                        <p:cTn id="79" dur="1" fill="hold">
                                           <p:stCondLst>
                                             <p:cond delay="499"/>
                                           </p:stCondLst>
@@ -23018,14 +25306,14 @@
                                 </p:cTn>
                               </p:par>
                               <p:par>
-                                <p:cTn id="42" presetID="2" presetClass="exit" presetSubtype="4" fill="hold" nodeType="withEffect">
+                                <p:cTn id="80" presetID="2" presetClass="exit" presetSubtype="4" fill="hold" nodeType="withEffect">
                                   <p:stCondLst>
                                     <p:cond delay="0"/>
                                   </p:stCondLst>
                                   <p:childTnLst>
                                     <p:anim calcmode="lin" valueType="num">
                                       <p:cBhvr additive="base">
-                                        <p:cTn id="43" dur="500"/>
+                                        <p:cTn id="81" dur="500"/>
                                         <p:tgtEl>
                                           <p:spTgt spid="7"/>
                                         </p:tgtEl>
@@ -23048,7 +25336,7 @@
                                     </p:anim>
                                     <p:anim calcmode="lin" valueType="num">
                                       <p:cBhvr additive="base">
-                                        <p:cTn id="44" dur="500"/>
+                                        <p:cTn id="82" dur="500"/>
                                         <p:tgtEl>
                                           <p:spTgt spid="7"/>
                                         </p:tgtEl>
@@ -23071,7 +25359,7 @@
                                     </p:anim>
                                     <p:set>
                                       <p:cBhvr>
-                                        <p:cTn id="45" dur="1" fill="hold">
+                                        <p:cTn id="83" dur="1" fill="hold">
                                           <p:stCondLst>
                                             <p:cond delay="499"/>
                                           </p:stCondLst>
@@ -23091,14 +25379,14 @@
                                 </p:cTn>
                               </p:par>
                               <p:par>
-                                <p:cTn id="46" presetID="2" presetClass="exit" presetSubtype="4" fill="hold" grpId="1" nodeType="withEffect">
+                                <p:cTn id="84" presetID="2" presetClass="exit" presetSubtype="4" fill="hold" grpId="1" nodeType="withEffect">
                                   <p:stCondLst>
                                     <p:cond delay="0"/>
                                   </p:stCondLst>
                                   <p:childTnLst>
                                     <p:anim calcmode="lin" valueType="num">
                                       <p:cBhvr additive="base">
-                                        <p:cTn id="47" dur="500"/>
+                                        <p:cTn id="85" dur="500"/>
                                         <p:tgtEl>
                                           <p:spTgt spid="5"/>
                                         </p:tgtEl>
@@ -23121,7 +25409,7 @@
                                     </p:anim>
                                     <p:anim calcmode="lin" valueType="num">
                                       <p:cBhvr additive="base">
-                                        <p:cTn id="48" dur="500"/>
+                                        <p:cTn id="86" dur="500"/>
                                         <p:tgtEl>
                                           <p:spTgt spid="5"/>
                                         </p:tgtEl>
@@ -23144,13 +25432,159 @@
                                     </p:anim>
                                     <p:set>
                                       <p:cBhvr>
-                                        <p:cTn id="49" dur="1" fill="hold">
+                                        <p:cTn id="87" dur="1" fill="hold">
                                           <p:stCondLst>
                                             <p:cond delay="499"/>
                                           </p:stCondLst>
                                         </p:cTn>
                                         <p:tgtEl>
                                           <p:spTgt spid="5"/>
+                                        </p:tgtEl>
+                                        <p:attrNameLst>
+                                          <p:attrName>style.visibility</p:attrName>
+                                        </p:attrNameLst>
+                                      </p:cBhvr>
+                                      <p:to>
+                                        <p:strVal val="hidden"/>
+                                      </p:to>
+                                    </p:set>
+                                  </p:childTnLst>
+                                </p:cTn>
+                              </p:par>
+                              <p:par>
+                                <p:cTn id="88" presetID="2" presetClass="exit" presetSubtype="1" fill="hold" grpId="1" nodeType="withEffect">
+                                  <p:stCondLst>
+                                    <p:cond delay="0"/>
+                                  </p:stCondLst>
+                                  <p:childTnLst>
+                                    <p:anim calcmode="lin" valueType="num">
+                                      <p:cBhvr additive="base">
+                                        <p:cTn id="89" dur="500"/>
+                                        <p:tgtEl>
+                                          <p:spTgt spid="8"/>
+                                        </p:tgtEl>
+                                        <p:attrNameLst>
+                                          <p:attrName>ppt_x</p:attrName>
+                                        </p:attrNameLst>
+                                      </p:cBhvr>
+                                      <p:tavLst>
+                                        <p:tav tm="0">
+                                          <p:val>
+                                            <p:strVal val="ppt_x"/>
+                                          </p:val>
+                                        </p:tav>
+                                        <p:tav tm="100000">
+                                          <p:val>
+                                            <p:strVal val="ppt_x"/>
+                                          </p:val>
+                                        </p:tav>
+                                      </p:tavLst>
+                                    </p:anim>
+                                    <p:anim calcmode="lin" valueType="num">
+                                      <p:cBhvr additive="base">
+                                        <p:cTn id="90" dur="500"/>
+                                        <p:tgtEl>
+                                          <p:spTgt spid="8"/>
+                                        </p:tgtEl>
+                                        <p:attrNameLst>
+                                          <p:attrName>ppt_y</p:attrName>
+                                        </p:attrNameLst>
+                                      </p:cBhvr>
+                                      <p:tavLst>
+                                        <p:tav tm="0">
+                                          <p:val>
+                                            <p:strVal val="ppt_y"/>
+                                          </p:val>
+                                        </p:tav>
+                                        <p:tav tm="100000">
+                                          <p:val>
+                                            <p:strVal val="0-ppt_h/2"/>
+                                          </p:val>
+                                        </p:tav>
+                                      </p:tavLst>
+                                    </p:anim>
+                                    <p:set>
+                                      <p:cBhvr>
+                                        <p:cTn id="91" dur="1" fill="hold">
+                                          <p:stCondLst>
+                                            <p:cond delay="499"/>
+                                          </p:stCondLst>
+                                        </p:cTn>
+                                        <p:tgtEl>
+                                          <p:spTgt spid="8"/>
+                                        </p:tgtEl>
+                                        <p:attrNameLst>
+                                          <p:attrName>style.visibility</p:attrName>
+                                        </p:attrNameLst>
+                                      </p:cBhvr>
+                                      <p:to>
+                                        <p:strVal val="hidden"/>
+                                      </p:to>
+                                    </p:set>
+                                  </p:childTnLst>
+                                </p:cTn>
+                              </p:par>
+                              <p:par>
+                                <p:cTn id="92" presetID="2" presetClass="exit" presetSubtype="4" fill="hold" grpId="1" nodeType="withEffect">
+                                  <p:stCondLst>
+                                    <p:cond delay="0"/>
+                                  </p:stCondLst>
+                                  <p:childTnLst>
+                                    <p:anim calcmode="lin" valueType="num">
+                                      <p:cBhvr additive="base">
+                                        <p:cTn id="93" dur="500"/>
+                                        <p:tgtEl>
+                                          <p:spTgt spid="10"/>
+                                        </p:tgtEl>
+                                        <p:attrNameLst>
+                                          <p:attrName>ppt_x</p:attrName>
+                                        </p:attrNameLst>
+                                      </p:cBhvr>
+                                      <p:tavLst>
+                                        <p:tav tm="0">
+                                          <p:val>
+                                            <p:strVal val="ppt_x"/>
+                                          </p:val>
+                                        </p:tav>
+                                        <p:tav tm="100000">
+                                          <p:val>
+                                            <p:strVal val="ppt_x"/>
+                                          </p:val>
+                                        </p:tav>
+                                      </p:tavLst>
+                                    </p:anim>
+                                    <p:anim calcmode="lin" valueType="num">
+                                      <p:cBhvr additive="base">
+                                        <p:cTn id="94" dur="500"/>
+                                        <p:tgtEl>
+                                          <p:spTgt spid="10"/>
+                                        </p:tgtEl>
+                                        <p:attrNameLst>
+                                          <p:attrName>ppt_y</p:attrName>
+                                        </p:attrNameLst>
+                                      </p:cBhvr>
+                                      <p:tavLst>
+                                        <p:tav tm="0">
+                                          <p:val>
+                                            <p:strVal val="ppt_y"/>
+                                          </p:val>
+                                        </p:tav>
+                                        <p:tav tm="100000">
+                                          <p:val>
+                                            <p:strVal val="1+ppt_h/2"/>
+                                          </p:val>
+                                        </p:tav>
+                                      </p:tavLst>
+                                    </p:anim>
+                                    <p:set>
+                                      <p:cBhvr>
+                                        <p:cTn id="95" dur="1" fill="hold">
+                                          <p:stCondLst>
+                                            <p:cond delay="499"/>
+                                          </p:stCondLst>
+                                        </p:cTn>
+                                        <p:tgtEl>
+                                          <p:spTgt spid="10"/>
                                         </p:tgtEl>
                                         <p:attrNameLst>
                                           <p:attrName>style.visibility</p:attrName>
@@ -23195,6 +25629,16 @@
       <p:bldP spid="4" grpId="1" animBg="1"/>
       <p:bldP spid="5" grpId="0"/>
       <p:bldP spid="5" grpId="1"/>
+      <p:bldP spid="3" grpId="0"/>
+      <p:bldP spid="3" grpId="1"/>
+      <p:bldP spid="6" grpId="0"/>
+      <p:bldP spid="6" grpId="1"/>
+      <p:bldP spid="8" grpId="0"/>
+      <p:bldP spid="8" grpId="1"/>
+      <p:bldP spid="10" grpId="0"/>
+      <p:bldP spid="10" grpId="1"/>
+      <p:bldP spid="11" grpId="0"/>
+      <p:bldP spid="12" grpId="0"/>
     </p:bldLst>
   </p:timing>
 </p:sld>
@@ -23680,7 +26124,7 @@
         </p:blipFill>
         <p:spPr>
           <a:xfrm>
-            <a:off x="2474145" y="672504"/>
+            <a:off x="2450686" y="670071"/>
             <a:ext cx="7280685" cy="5512992"/>
           </a:xfrm>
           <a:prstGeom prst="rect">
@@ -23716,7 +26160,7 @@
         </p:blipFill>
         <p:spPr>
           <a:xfrm>
-            <a:off x="2474145" y="672502"/>
+            <a:off x="2450686" y="712593"/>
             <a:ext cx="7345433" cy="5638802"/>
           </a:xfrm>
           <a:prstGeom prst="rect">
@@ -23752,7 +26196,7 @@
         </p:blipFill>
         <p:spPr>
           <a:xfrm>
-            <a:off x="2474145" y="672502"/>
+            <a:off x="2450686" y="712592"/>
             <a:ext cx="7811125" cy="5638801"/>
           </a:xfrm>
           <a:prstGeom prst="rect">
@@ -23788,7 +26232,7 @@
         </p:blipFill>
         <p:spPr>
           <a:xfrm>
-            <a:off x="2474145" y="701396"/>
+            <a:off x="2471329" y="767991"/>
             <a:ext cx="7769838" cy="5512992"/>
           </a:xfrm>
           <a:prstGeom prst="rect">
@@ -23796,6 +26240,294 @@
           </a:prstGeom>
         </p:spPr>
       </p:pic>
+      <p:sp>
+        <p:nvSpPr>
+          <p:cNvPr id="2" name="TextBox 1">
+            <a:extLst>
+              <a:ext uri="{FF2B5EF4-FFF2-40B4-BE49-F238E27FC236}">
+                <a16:creationId xmlns:a16="http://schemas.microsoft.com/office/drawing/2014/main" id="{E080CD53-0EDC-C6D4-B7DB-2DC7B5D48ED6}"/>
+              </a:ext>
+            </a:extLst>
+          </p:cNvPr>
+          <p:cNvSpPr txBox="1"/>
+          <p:nvPr/>
+        </p:nvSpPr>
+        <p:spPr>
+          <a:xfrm>
+            <a:off x="5647419" y="384097"/>
+            <a:ext cx="2135605" cy="276999"/>
+          </a:xfrm>
+          <a:prstGeom prst="rect">
+            <a:avLst/>
+          </a:prstGeom>
+          <a:noFill/>
+        </p:spPr>
+        <p:txBody>
+          <a:bodyPr wrap="square" rtlCol="0">
+            <a:spAutoFit/>
+          </a:bodyPr>
+          <a:lstStyle/>
+          <a:p>
+            <a:r>
+              <a:rPr lang="en-GB" sz="1200" i="1" dirty="0"/>
+              <a:t>Fig. 12: Piece of code</a:t>
+            </a:r>
+            <a:endParaRPr lang="en-DE" sz="1200" i="1" dirty="0"/>
+          </a:p>
+        </p:txBody>
+      </p:sp>
+      <p:sp>
+        <p:nvSpPr>
+          <p:cNvPr id="4" name="TextBox 3">
+            <a:extLst>
+              <a:ext uri="{FF2B5EF4-FFF2-40B4-BE49-F238E27FC236}">
+                <a16:creationId xmlns:a16="http://schemas.microsoft.com/office/drawing/2014/main" id="{52AD7897-B648-0662-B3BC-6E6F8A223DD7}"/>
+              </a:ext>
+            </a:extLst>
+          </p:cNvPr>
+          <p:cNvSpPr txBox="1"/>
+          <p:nvPr/>
+        </p:nvSpPr>
+        <p:spPr>
+          <a:xfrm>
+            <a:off x="4664400" y="6276200"/>
+            <a:ext cx="2860024" cy="276999"/>
+          </a:xfrm>
+          <a:prstGeom prst="rect">
+            <a:avLst/>
+          </a:prstGeom>
+          <a:noFill/>
+        </p:spPr>
+        <p:txBody>
+          <a:bodyPr wrap="square" rtlCol="0">
+            <a:spAutoFit/>
+          </a:bodyPr>
+          <a:lstStyle/>
+          <a:p>
+            <a:r>
+              <a:rPr lang="en-GB" sz="1200" i="1" dirty="0"/>
+              <a:t>Own presentation based on Fowler, 1999, S. 14. </a:t>
+            </a:r>
+            <a:endParaRPr lang="en-DE" sz="1200" i="1" dirty="0"/>
+          </a:p>
+        </p:txBody>
+      </p:sp>
+      <p:sp>
+        <p:nvSpPr>
+          <p:cNvPr id="6" name="TextBox 5">
+            <a:extLst>
+              <a:ext uri="{FF2B5EF4-FFF2-40B4-BE49-F238E27FC236}">
+                <a16:creationId xmlns:a16="http://schemas.microsoft.com/office/drawing/2014/main" id="{BF3F360F-3DC5-60D4-4A21-F107A1B294B5}"/>
+              </a:ext>
+            </a:extLst>
+          </p:cNvPr>
+          <p:cNvSpPr txBox="1"/>
+          <p:nvPr/>
+        </p:nvSpPr>
+        <p:spPr>
+          <a:xfrm>
+            <a:off x="5641713" y="379316"/>
+            <a:ext cx="2135605" cy="276999"/>
+          </a:xfrm>
+          <a:prstGeom prst="rect">
+            <a:avLst/>
+          </a:prstGeom>
+          <a:noFill/>
+        </p:spPr>
+        <p:txBody>
+          <a:bodyPr wrap="square" rtlCol="0">
+            <a:spAutoFit/>
+          </a:bodyPr>
+          <a:lstStyle/>
+          <a:p>
+            <a:r>
+              <a:rPr lang="en-GB" sz="1200" i="1" dirty="0"/>
+              <a:t>Fig. 13: Piece of code</a:t>
+            </a:r>
+            <a:endParaRPr lang="en-DE" sz="1200" i="1" dirty="0"/>
+          </a:p>
+        </p:txBody>
+      </p:sp>
+      <p:sp>
+        <p:nvSpPr>
+          <p:cNvPr id="9" name="TextBox 8">
+            <a:extLst>
+              <a:ext uri="{FF2B5EF4-FFF2-40B4-BE49-F238E27FC236}">
+                <a16:creationId xmlns:a16="http://schemas.microsoft.com/office/drawing/2014/main" id="{946CC5C2-5B77-7865-F1B0-45FD634B6FF7}"/>
+              </a:ext>
+            </a:extLst>
+          </p:cNvPr>
+          <p:cNvSpPr txBox="1"/>
+          <p:nvPr/>
+        </p:nvSpPr>
+        <p:spPr>
+          <a:xfrm>
+            <a:off x="4664400" y="6280983"/>
+            <a:ext cx="2860024" cy="276999"/>
+          </a:xfrm>
+          <a:prstGeom prst="rect">
+            <a:avLst/>
+          </a:prstGeom>
+          <a:noFill/>
+        </p:spPr>
+        <p:txBody>
+          <a:bodyPr wrap="square" rtlCol="0">
+            <a:spAutoFit/>
+          </a:bodyPr>
+          <a:lstStyle/>
+          <a:p>
+            <a:r>
+              <a:rPr lang="en-GB" sz="1200" i="1" dirty="0"/>
+              <a:t>Own presentation based on Fowler, 1999, S. 15. </a:t>
+            </a:r>
+            <a:endParaRPr lang="en-DE" sz="1200" i="1" dirty="0"/>
+          </a:p>
+        </p:txBody>
+      </p:sp>
+      <p:sp>
+        <p:nvSpPr>
+          <p:cNvPr id="11" name="TextBox 10">
+            <a:extLst>
+              <a:ext uri="{FF2B5EF4-FFF2-40B4-BE49-F238E27FC236}">
+                <a16:creationId xmlns:a16="http://schemas.microsoft.com/office/drawing/2014/main" id="{481F8D96-DCDA-E001-5631-B579BA012180}"/>
+              </a:ext>
+            </a:extLst>
+          </p:cNvPr>
+          <p:cNvSpPr txBox="1"/>
+          <p:nvPr/>
+        </p:nvSpPr>
+        <p:spPr>
+          <a:xfrm>
+            <a:off x="5641713" y="379643"/>
+            <a:ext cx="2135605" cy="276999"/>
+          </a:xfrm>
+          <a:prstGeom prst="rect">
+            <a:avLst/>
+          </a:prstGeom>
+          <a:noFill/>
+        </p:spPr>
+        <p:txBody>
+          <a:bodyPr wrap="square" rtlCol="0">
+            <a:spAutoFit/>
+          </a:bodyPr>
+          <a:lstStyle/>
+          <a:p>
+            <a:r>
+              <a:rPr lang="en-GB" sz="1200" i="1" dirty="0"/>
+              <a:t>Fig. 14: Piece of code</a:t>
+            </a:r>
+            <a:endParaRPr lang="en-DE" sz="1200" i="1" dirty="0"/>
+          </a:p>
+        </p:txBody>
+      </p:sp>
+      <p:sp>
+        <p:nvSpPr>
+          <p:cNvPr id="17" name="TextBox 16">
+            <a:extLst>
+              <a:ext uri="{FF2B5EF4-FFF2-40B4-BE49-F238E27FC236}">
+                <a16:creationId xmlns:a16="http://schemas.microsoft.com/office/drawing/2014/main" id="{9C0F272C-B44A-1183-62D5-FC1E4F9DA95A}"/>
+              </a:ext>
+            </a:extLst>
+          </p:cNvPr>
+          <p:cNvSpPr txBox="1"/>
+          <p:nvPr/>
+        </p:nvSpPr>
+        <p:spPr>
+          <a:xfrm>
+            <a:off x="4664400" y="6280983"/>
+            <a:ext cx="2860024" cy="276999"/>
+          </a:xfrm>
+          <a:prstGeom prst="rect">
+            <a:avLst/>
+          </a:prstGeom>
+          <a:noFill/>
+        </p:spPr>
+        <p:txBody>
+          <a:bodyPr wrap="square" rtlCol="0">
+            <a:spAutoFit/>
+          </a:bodyPr>
+          <a:lstStyle/>
+          <a:p>
+            <a:r>
+              <a:rPr lang="en-GB" sz="1200" i="1" dirty="0"/>
+              <a:t>Own presentation based on Fowler, 1999, S. 15. </a:t>
+            </a:r>
+            <a:endParaRPr lang="en-DE" sz="1200" i="1" dirty="0"/>
+          </a:p>
+        </p:txBody>
+      </p:sp>
+      <p:sp>
+        <p:nvSpPr>
+          <p:cNvPr id="18" name="TextBox 17">
+            <a:extLst>
+              <a:ext uri="{FF2B5EF4-FFF2-40B4-BE49-F238E27FC236}">
+                <a16:creationId xmlns:a16="http://schemas.microsoft.com/office/drawing/2014/main" id="{8913BB58-891D-DEB5-E85D-9BA3F122CC0F}"/>
+              </a:ext>
+            </a:extLst>
+          </p:cNvPr>
+          <p:cNvSpPr txBox="1"/>
+          <p:nvPr/>
+        </p:nvSpPr>
+        <p:spPr>
+          <a:xfrm>
+            <a:off x="6784104" y="126014"/>
+            <a:ext cx="2135605" cy="276999"/>
+          </a:xfrm>
+          <a:prstGeom prst="rect">
+            <a:avLst/>
+          </a:prstGeom>
+          <a:noFill/>
+        </p:spPr>
+        <p:txBody>
+          <a:bodyPr wrap="square" rtlCol="0">
+            <a:spAutoFit/>
+          </a:bodyPr>
+          <a:lstStyle/>
+          <a:p>
+            <a:r>
+              <a:rPr lang="en-GB" sz="1200" i="1" dirty="0"/>
+              <a:t>Fig. 11: Piece of code</a:t>
+            </a:r>
+            <a:endParaRPr lang="en-DE" sz="1200" i="1" dirty="0"/>
+          </a:p>
+        </p:txBody>
+      </p:sp>
+      <p:sp>
+        <p:nvSpPr>
+          <p:cNvPr id="19" name="TextBox 18">
+            <a:extLst>
+              <a:ext uri="{FF2B5EF4-FFF2-40B4-BE49-F238E27FC236}">
+                <a16:creationId xmlns:a16="http://schemas.microsoft.com/office/drawing/2014/main" id="{8C715CF9-42A4-2492-A555-EE7B4E3D8623}"/>
+              </a:ext>
+            </a:extLst>
+          </p:cNvPr>
+          <p:cNvSpPr txBox="1"/>
+          <p:nvPr/>
+        </p:nvSpPr>
+        <p:spPr>
+          <a:xfrm>
+            <a:off x="4664400" y="6276199"/>
+            <a:ext cx="2860024" cy="276999"/>
+          </a:xfrm>
+          <a:prstGeom prst="rect">
+            <a:avLst/>
+          </a:prstGeom>
+          <a:noFill/>
+        </p:spPr>
+        <p:txBody>
+          <a:bodyPr wrap="square" rtlCol="0">
+            <a:spAutoFit/>
+          </a:bodyPr>
+          <a:lstStyle/>
+          <a:p>
+            <a:r>
+              <a:rPr lang="en-GB" sz="1200" i="1" dirty="0"/>
+              <a:t>Own presentation based on Fowler, 1999, S. 12. </a:t>
+            </a:r>
+            <a:endParaRPr lang="en-DE" sz="1200" i="1" dirty="0"/>
+          </a:p>
+        </p:txBody>
+      </p:sp>
     </p:spTree>
     <p:extLst>
       <p:ext uri="{BB962C8B-B14F-4D97-AF65-F5344CB8AC3E}">
@@ -23861,24 +26593,164 @@
                                   </p:childTnLst>
                                 </p:cTn>
                               </p:par>
-                            </p:childTnLst>
-                          </p:cTn>
-                        </p:par>
-                        <p:par>
-                          <p:cTn id="8" fill="hold">
-                            <p:stCondLst>
-                              <p:cond delay="500"/>
-                            </p:stCondLst>
-                            <p:childTnLst>
                               <p:par>
-                                <p:cTn id="9" presetID="22" presetClass="exit" presetSubtype="4" fill="hold" nodeType="afterEffect">
+                                <p:cTn id="8" presetID="22" presetClass="exit" presetSubtype="4" fill="hold" grpId="0" nodeType="withEffect">
                                   <p:stCondLst>
                                     <p:cond delay="0"/>
                                   </p:stCondLst>
                                   <p:childTnLst>
                                     <p:animEffect transition="out" filter="wipe(down)">
                                       <p:cBhvr>
-                                        <p:cTn id="10" dur="500"/>
+                                        <p:cTn id="9" dur="500"/>
+                                        <p:tgtEl>
+                                          <p:spTgt spid="18"/>
+                                        </p:tgtEl>
+                                      </p:cBhvr>
+                                    </p:animEffect>
+                                    <p:set>
+                                      <p:cBhvr>
+                                        <p:cTn id="10" dur="1" fill="hold">
+                                          <p:stCondLst>
+                                            <p:cond delay="499"/>
+                                          </p:stCondLst>
+                                        </p:cTn>
+                                        <p:tgtEl>
+                                          <p:spTgt spid="18"/>
+                                        </p:tgtEl>
+                                        <p:attrNameLst>
+                                          <p:attrName>style.visibility</p:attrName>
+                                        </p:attrNameLst>
+                                      </p:cBhvr>
+                                      <p:to>
+                                        <p:strVal val="hidden"/>
+                                      </p:to>
+                                    </p:set>
+                                  </p:childTnLst>
+                                </p:cTn>
+                              </p:par>
+                              <p:par>
+                                <p:cTn id="11" presetID="22" presetClass="exit" presetSubtype="4" fill="hold" grpId="0" nodeType="withEffect">
+                                  <p:stCondLst>
+                                    <p:cond delay="0"/>
+                                  </p:stCondLst>
+                                  <p:childTnLst>
+                                    <p:animEffect transition="out" filter="wipe(down)">
+                                      <p:cBhvr>
+                                        <p:cTn id="12" dur="500"/>
+                                        <p:tgtEl>
+                                          <p:spTgt spid="19"/>
+                                        </p:tgtEl>
+                                      </p:cBhvr>
+                                    </p:animEffect>
+                                    <p:set>
+                                      <p:cBhvr>
+                                        <p:cTn id="13" dur="1" fill="hold">
+                                          <p:stCondLst>
+                                            <p:cond delay="499"/>
+                                          </p:stCondLst>
+                                        </p:cTn>
+                                        <p:tgtEl>
+                                          <p:spTgt spid="19"/>
+                                        </p:tgtEl>
+                                        <p:attrNameLst>
+                                          <p:attrName>style.visibility</p:attrName>
+                                        </p:attrNameLst>
+                                      </p:cBhvr>
+                                      <p:to>
+                                        <p:strVal val="hidden"/>
+                                      </p:to>
+                                    </p:set>
+                                  </p:childTnLst>
+                                </p:cTn>
+                              </p:par>
+                              <p:par>
+                                <p:cTn id="14" presetID="22" presetClass="entr" presetSubtype="4" fill="hold" grpId="0" nodeType="withEffect">
+                                  <p:stCondLst>
+                                    <p:cond delay="0"/>
+                                  </p:stCondLst>
+                                  <p:childTnLst>
+                                    <p:set>
+                                      <p:cBhvr>
+                                        <p:cTn id="15" dur="1" fill="hold">
+                                          <p:stCondLst>
+                                            <p:cond delay="0"/>
+                                          </p:stCondLst>
+                                        </p:cTn>
+                                        <p:tgtEl>
+                                          <p:spTgt spid="2"/>
+                                        </p:tgtEl>
+                                        <p:attrNameLst>
+                                          <p:attrName>style.visibility</p:attrName>
+                                        </p:attrNameLst>
+                                      </p:cBhvr>
+                                      <p:to>
+                                        <p:strVal val="visible"/>
+                                      </p:to>
+                                    </p:set>
+                                    <p:animEffect transition="in" filter="wipe(down)">
+                                      <p:cBhvr>
+                                        <p:cTn id="16" dur="500"/>
+                                        <p:tgtEl>
+                                          <p:spTgt spid="2"/>
+                                        </p:tgtEl>
+                                      </p:cBhvr>
+                                    </p:animEffect>
+                                  </p:childTnLst>
+                                </p:cTn>
+                              </p:par>
+                              <p:par>
+                                <p:cTn id="17" presetID="22" presetClass="entr" presetSubtype="4" fill="hold" grpId="0" nodeType="withEffect">
+                                  <p:stCondLst>
+                                    <p:cond delay="0"/>
+                                  </p:stCondLst>
+                                  <p:childTnLst>
+                                    <p:set>
+                                      <p:cBhvr>
+                                        <p:cTn id="18" dur="1" fill="hold">
+                                          <p:stCondLst>
+                                            <p:cond delay="0"/>
+                                          </p:stCondLst>
+                                        </p:cTn>
+                                        <p:tgtEl>
+                                          <p:spTgt spid="4"/>
+                                        </p:tgtEl>
+                                        <p:attrNameLst>
+                                          <p:attrName>style.visibility</p:attrName>
+                                        </p:attrNameLst>
+                                      </p:cBhvr>
+                                      <p:to>
+                                        <p:strVal val="visible"/>
+                                      </p:to>
+                                    </p:set>
+                                    <p:animEffect transition="in" filter="wipe(down)">
+                                      <p:cBhvr>
+                                        <p:cTn id="19" dur="500"/>
+                                        <p:tgtEl>
+                                          <p:spTgt spid="4"/>
+                                        </p:tgtEl>
+                                      </p:cBhvr>
+                                    </p:animEffect>
+                                  </p:childTnLst>
+                                </p:cTn>
+                              </p:par>
+                            </p:childTnLst>
+                          </p:cTn>
+                        </p:par>
+                        <p:par>
+                          <p:cTn id="20" fill="hold">
+                            <p:stCondLst>
+                              <p:cond delay="500"/>
+                            </p:stCondLst>
+                            <p:childTnLst>
+                              <p:par>
+                                <p:cTn id="21" presetID="22" presetClass="exit" presetSubtype="4" fill="hold" nodeType="afterEffect">
+                                  <p:stCondLst>
+                                    <p:cond delay="0"/>
+                                  </p:stCondLst>
+                                  <p:childTnLst>
+                                    <p:animEffect transition="out" filter="wipe(down)">
+                                      <p:cBhvr>
+                                        <p:cTn id="22" dur="500"/>
                                         <p:tgtEl>
                                           <p:spTgt spid="5"/>
                                         </p:tgtEl>
@@ -23886,7 +26758,7 @@
                                     </p:animEffect>
                                     <p:set>
                                       <p:cBhvr>
-                                        <p:cTn id="11" dur="1" fill="hold">
+                                        <p:cTn id="23" dur="1" fill="hold">
                                           <p:stCondLst>
                                             <p:cond delay="499"/>
                                           </p:stCondLst>
@@ -23912,26 +26784,26 @@
                     </p:cTn>
                   </p:par>
                   <p:par>
-                    <p:cTn id="12" fill="hold">
+                    <p:cTn id="24" fill="hold">
                       <p:stCondLst>
                         <p:cond delay="indefinite"/>
                       </p:stCondLst>
                       <p:childTnLst>
                         <p:par>
-                          <p:cTn id="13" fill="hold">
+                          <p:cTn id="25" fill="hold">
                             <p:stCondLst>
                               <p:cond delay="0"/>
                             </p:stCondLst>
                             <p:childTnLst>
                               <p:par>
-                                <p:cTn id="14" presetID="22" presetClass="entr" presetSubtype="8" fill="hold" nodeType="clickEffect">
+                                <p:cTn id="26" presetID="22" presetClass="entr" presetSubtype="8" fill="hold" nodeType="clickEffect">
                                   <p:stCondLst>
                                     <p:cond delay="0"/>
                                   </p:stCondLst>
                                   <p:childTnLst>
                                     <p:set>
                                       <p:cBhvr>
-                                        <p:cTn id="15" dur="1" fill="hold">
+                                        <p:cTn id="27" dur="1" fill="hold">
                                           <p:stCondLst>
                                             <p:cond delay="0"/>
                                           </p:stCondLst>
@@ -23949,9 +26821,149 @@
                                     </p:set>
                                     <p:animEffect transition="in" filter="wipe(left)">
                                       <p:cBhvr>
-                                        <p:cTn id="16" dur="500"/>
+                                        <p:cTn id="28" dur="500"/>
                                         <p:tgtEl>
                                           <p:spTgt spid="22"/>
+                                        </p:tgtEl>
+                                      </p:cBhvr>
+                                    </p:animEffect>
+                                  </p:childTnLst>
+                                </p:cTn>
+                              </p:par>
+                              <p:par>
+                                <p:cTn id="29" presetID="22" presetClass="exit" presetSubtype="4" fill="hold" grpId="1" nodeType="withEffect">
+                                  <p:stCondLst>
+                                    <p:cond delay="0"/>
+                                  </p:stCondLst>
+                                  <p:childTnLst>
+                                    <p:animEffect transition="out" filter="wipe(down)">
+                                      <p:cBhvr>
+                                        <p:cTn id="30" dur="500"/>
+                                        <p:tgtEl>
+                                          <p:spTgt spid="2"/>
+                                        </p:tgtEl>
+                                      </p:cBhvr>
+                                    </p:animEffect>
+                                    <p:set>
+                                      <p:cBhvr>
+                                        <p:cTn id="31" dur="1" fill="hold">
+                                          <p:stCondLst>
+                                            <p:cond delay="499"/>
+                                          </p:stCondLst>
+                                        </p:cTn>
+                                        <p:tgtEl>
+                                          <p:spTgt spid="2"/>
+                                        </p:tgtEl>
+                                        <p:attrNameLst>
+                                          <p:attrName>style.visibility</p:attrName>
+                                        </p:attrNameLst>
+                                      </p:cBhvr>
+                                      <p:to>
+                                        <p:strVal val="hidden"/>
+                                      </p:to>
+                                    </p:set>
+                                  </p:childTnLst>
+                                </p:cTn>
+                              </p:par>
+                              <p:par>
+                                <p:cTn id="32" presetID="22" presetClass="exit" presetSubtype="4" fill="hold" grpId="1" nodeType="withEffect">
+                                  <p:stCondLst>
+                                    <p:cond delay="0"/>
+                                  </p:stCondLst>
+                                  <p:childTnLst>
+                                    <p:animEffect transition="out" filter="wipe(down)">
+                                      <p:cBhvr>
+                                        <p:cTn id="33" dur="500"/>
+                                        <p:tgtEl>
+                                          <p:spTgt spid="4"/>
+                                        </p:tgtEl>
+                                      </p:cBhvr>
+                                    </p:animEffect>
+                                    <p:set>
+                                      <p:cBhvr>
+                                        <p:cTn id="34" dur="1" fill="hold">
+                                          <p:stCondLst>
+                                            <p:cond delay="499"/>
+                                          </p:stCondLst>
+                                        </p:cTn>
+                                        <p:tgtEl>
+                                          <p:spTgt spid="4"/>
+                                        </p:tgtEl>
+                                        <p:attrNameLst>
+                                          <p:attrName>style.visibility</p:attrName>
+                                        </p:attrNameLst>
+                                      </p:cBhvr>
+                                      <p:to>
+                                        <p:strVal val="hidden"/>
+                                      </p:to>
+                                    </p:set>
+                                  </p:childTnLst>
+                                </p:cTn>
+                              </p:par>
+                              <p:par>
+                                <p:cTn id="35" presetID="22" presetClass="entr" presetSubtype="4" fill="hold" grpId="0" nodeType="withEffect">
+                                  <p:stCondLst>
+                                    <p:cond delay="0"/>
+                                  </p:stCondLst>
+                                  <p:childTnLst>
+                                    <p:set>
+                                      <p:cBhvr>
+                                        <p:cTn id="36" dur="1" fill="hold">
+                                          <p:stCondLst>
+                                            <p:cond delay="0"/>
+                                          </p:stCondLst>
+                                        </p:cTn>
+                                        <p:tgtEl>
+                                          <p:spTgt spid="9"/>
+                                        </p:tgtEl>
+                                        <p:attrNameLst>
+                                          <p:attrName>style.visibility</p:attrName>
+                                        </p:attrNameLst>
+                                      </p:cBhvr>
+                                      <p:to>
+                                        <p:strVal val="visible"/>
+                                      </p:to>
+                                    </p:set>
+                                    <p:animEffect transition="in" filter="wipe(down)">
+                                      <p:cBhvr>
+                                        <p:cTn id="37" dur="500"/>
+                                        <p:tgtEl>
+                                          <p:spTgt spid="9"/>
+                                        </p:tgtEl>
+                                      </p:cBhvr>
+                                    </p:animEffect>
+                                  </p:childTnLst>
+                                </p:cTn>
+                              </p:par>
+                              <p:par>
+                                <p:cTn id="38" presetID="22" presetClass="entr" presetSubtype="4" fill="hold" grpId="0" nodeType="withEffect">
+                                  <p:stCondLst>
+                                    <p:cond delay="0"/>
+                                  </p:stCondLst>
+                                  <p:childTnLst>
+                                    <p:set>
+                                      <p:cBhvr>
+                                        <p:cTn id="39" dur="1" fill="hold">
+                                          <p:stCondLst>
+                                            <p:cond delay="0"/>
+                                          </p:stCondLst>
+                                        </p:cTn>
+                                        <p:tgtEl>
+                                          <p:spTgt spid="6"/>
+                                        </p:tgtEl>
+                                        <p:attrNameLst>
+                                          <p:attrName>style.visibility</p:attrName>
+                                        </p:attrNameLst>
+                                      </p:cBhvr>
+                                      <p:to>
+                                        <p:strVal val="visible"/>
+                                      </p:to>
+                                    </p:set>
+                                    <p:animEffect transition="in" filter="wipe(down)">
+                                      <p:cBhvr>
+                                        <p:cTn id="40" dur="500"/>
+                                        <p:tgtEl>
+                                          <p:spTgt spid="6"/>
                                         </p:tgtEl>
                                       </p:cBhvr>
                                     </p:animEffect>
@@ -23962,20 +26974,20 @@
                           </p:cTn>
                         </p:par>
                         <p:par>
-                          <p:cTn id="17" fill="hold">
+                          <p:cTn id="41" fill="hold">
                             <p:stCondLst>
                               <p:cond delay="500"/>
                             </p:stCondLst>
                             <p:childTnLst>
                               <p:par>
-                                <p:cTn id="18" presetID="22" presetClass="exit" presetSubtype="2" fill="hold" nodeType="afterEffect">
+                                <p:cTn id="42" presetID="22" presetClass="exit" presetSubtype="2" fill="hold" nodeType="afterEffect">
                                   <p:stCondLst>
                                     <p:cond delay="0"/>
                                   </p:stCondLst>
                                   <p:childTnLst>
                                     <p:animEffect transition="out" filter="wipe(right)">
                                       <p:cBhvr>
-                                        <p:cTn id="19" dur="500"/>
+                                        <p:cTn id="43" dur="500"/>
                                         <p:tgtEl>
                                           <p:spTgt spid="7"/>
                                         </p:tgtEl>
@@ -23983,7 +26995,7 @@
                                     </p:animEffect>
                                     <p:set>
                                       <p:cBhvr>
-                                        <p:cTn id="20" dur="1" fill="hold">
+                                        <p:cTn id="44" dur="1" fill="hold">
                                           <p:stCondLst>
                                             <p:cond delay="499"/>
                                           </p:stCondLst>
@@ -24009,26 +27021,26 @@
                     </p:cTn>
                   </p:par>
                   <p:par>
-                    <p:cTn id="21" fill="hold">
+                    <p:cTn id="45" fill="hold">
                       <p:stCondLst>
                         <p:cond delay="indefinite"/>
                       </p:stCondLst>
                       <p:childTnLst>
                         <p:par>
-                          <p:cTn id="22" fill="hold">
+                          <p:cTn id="46" fill="hold">
                             <p:stCondLst>
                               <p:cond delay="0"/>
                             </p:stCondLst>
                             <p:childTnLst>
                               <p:par>
-                                <p:cTn id="23" presetID="10" presetClass="entr" presetSubtype="0" fill="hold" nodeType="clickEffect">
+                                <p:cTn id="47" presetID="10" presetClass="entr" presetSubtype="0" fill="hold" nodeType="clickEffect">
                                   <p:stCondLst>
                                     <p:cond delay="0"/>
                                   </p:stCondLst>
                                   <p:childTnLst>
                                     <p:set>
                                       <p:cBhvr>
-                                        <p:cTn id="24" dur="1" fill="hold">
+                                        <p:cTn id="48" dur="1" fill="hold">
                                           <p:stCondLst>
                                             <p:cond delay="0"/>
                                           </p:stCondLst>
@@ -24046,9 +27058,149 @@
                                     </p:set>
                                     <p:animEffect transition="in" filter="fade">
                                       <p:cBhvr>
-                                        <p:cTn id="25" dur="500"/>
+                                        <p:cTn id="49" dur="500"/>
                                         <p:tgtEl>
                                           <p:spTgt spid="3"/>
+                                        </p:tgtEl>
+                                      </p:cBhvr>
+                                    </p:animEffect>
+                                  </p:childTnLst>
+                                </p:cTn>
+                              </p:par>
+                              <p:par>
+                                <p:cTn id="50" presetID="22" presetClass="exit" presetSubtype="4" fill="hold" grpId="1" nodeType="withEffect">
+                                  <p:stCondLst>
+                                    <p:cond delay="0"/>
+                                  </p:stCondLst>
+                                  <p:childTnLst>
+                                    <p:animEffect transition="out" filter="wipe(down)">
+                                      <p:cBhvr>
+                                        <p:cTn id="51" dur="500"/>
+                                        <p:tgtEl>
+                                          <p:spTgt spid="9"/>
+                                        </p:tgtEl>
+                                      </p:cBhvr>
+                                    </p:animEffect>
+                                    <p:set>
+                                      <p:cBhvr>
+                                        <p:cTn id="52" dur="1" fill="hold">
+                                          <p:stCondLst>
+                                            <p:cond delay="499"/>
+                                          </p:stCondLst>
+                                        </p:cTn>
+                                        <p:tgtEl>
+                                          <p:spTgt spid="9"/>
+                                        </p:tgtEl>
+                                        <p:attrNameLst>
+                                          <p:attrName>style.visibility</p:attrName>
+                                        </p:attrNameLst>
+                                      </p:cBhvr>
+                                      <p:to>
+                                        <p:strVal val="hidden"/>
+                                      </p:to>
+                                    </p:set>
+                                  </p:childTnLst>
+                                </p:cTn>
+                              </p:par>
+                              <p:par>
+                                <p:cTn id="53" presetID="22" presetClass="exit" presetSubtype="4" fill="hold" grpId="1" nodeType="withEffect">
+                                  <p:stCondLst>
+                                    <p:cond delay="0"/>
+                                  </p:stCondLst>
+                                  <p:childTnLst>
+                                    <p:animEffect transition="out" filter="wipe(down)">
+                                      <p:cBhvr>
+                                        <p:cTn id="54" dur="500"/>
+                                        <p:tgtEl>
+                                          <p:spTgt spid="6"/>
+                                        </p:tgtEl>
+                                      </p:cBhvr>
+                                    </p:animEffect>
+                                    <p:set>
+                                      <p:cBhvr>
+                                        <p:cTn id="55" dur="1" fill="hold">
+                                          <p:stCondLst>
+                                            <p:cond delay="499"/>
+                                          </p:stCondLst>
+                                        </p:cTn>
+                                        <p:tgtEl>
+                                          <p:spTgt spid="6"/>
+                                        </p:tgtEl>
+                                        <p:attrNameLst>
+                                          <p:attrName>style.visibility</p:attrName>
+                                        </p:attrNameLst>
+                                      </p:cBhvr>
+                                      <p:to>
+                                        <p:strVal val="hidden"/>
+                                      </p:to>
+                                    </p:set>
+                                  </p:childTnLst>
+                                </p:cTn>
+                              </p:par>
+                              <p:par>
+                                <p:cTn id="56" presetID="22" presetClass="entr" presetSubtype="4" fill="hold" grpId="0" nodeType="withEffect">
+                                  <p:stCondLst>
+                                    <p:cond delay="0"/>
+                                  </p:stCondLst>
+                                  <p:childTnLst>
+                                    <p:set>
+                                      <p:cBhvr>
+                                        <p:cTn id="57" dur="1" fill="hold">
+                                          <p:stCondLst>
+                                            <p:cond delay="0"/>
+                                          </p:stCondLst>
+                                        </p:cTn>
+                                        <p:tgtEl>
+                                          <p:spTgt spid="11"/>
+                                        </p:tgtEl>
+                                        <p:attrNameLst>
+                                          <p:attrName>style.visibility</p:attrName>
+                                        </p:attrNameLst>
+                                      </p:cBhvr>
+                                      <p:to>
+                                        <p:strVal val="visible"/>
+                                      </p:to>
+                                    </p:set>
+                                    <p:animEffect transition="in" filter="wipe(down)">
+                                      <p:cBhvr>
+                                        <p:cTn id="58" dur="500"/>
+                                        <p:tgtEl>
+                                          <p:spTgt spid="11"/>
+                                        </p:tgtEl>
+                                      </p:cBhvr>
+                                    </p:animEffect>
+                                  </p:childTnLst>
+                                </p:cTn>
+                              </p:par>
+                              <p:par>
+                                <p:cTn id="59" presetID="22" presetClass="entr" presetSubtype="4" fill="hold" grpId="0" nodeType="withEffect">
+                                  <p:stCondLst>
+                                    <p:cond delay="0"/>
+                                  </p:stCondLst>
+                                  <p:childTnLst>
+                                    <p:set>
+                                      <p:cBhvr>
+                                        <p:cTn id="60" dur="1" fill="hold">
+                                          <p:stCondLst>
+                                            <p:cond delay="0"/>
+                                          </p:stCondLst>
+                                        </p:cTn>
+                                        <p:tgtEl>
+                                          <p:spTgt spid="17"/>
+                                        </p:tgtEl>
+                                        <p:attrNameLst>
+                                          <p:attrName>style.visibility</p:attrName>
+                                        </p:attrNameLst>
+                                      </p:cBhvr>
+                                      <p:to>
+                                        <p:strVal val="visible"/>
+                                      </p:to>
+                                    </p:set>
+                                    <p:animEffect transition="in" filter="wipe(down)">
+                                      <p:cBhvr>
+                                        <p:cTn id="61" dur="500"/>
+                                        <p:tgtEl>
+                                          <p:spTgt spid="17"/>
                                         </p:tgtEl>
                                       </p:cBhvr>
                                     </p:animEffect>
@@ -24059,20 +27211,20 @@
                           </p:cTn>
                         </p:par>
                         <p:par>
-                          <p:cTn id="26" fill="hold">
+                          <p:cTn id="62" fill="hold">
                             <p:stCondLst>
                               <p:cond delay="500"/>
                             </p:stCondLst>
                             <p:childTnLst>
                               <p:par>
-                                <p:cTn id="27" presetID="10" presetClass="exit" presetSubtype="0" fill="hold" nodeType="afterEffect">
+                                <p:cTn id="63" presetID="10" presetClass="exit" presetSubtype="0" fill="hold" nodeType="afterEffect">
                                   <p:stCondLst>
                                     <p:cond delay="0"/>
                                   </p:stCondLst>
                                   <p:childTnLst>
                                     <p:animEffect transition="out" filter="fade">
                                       <p:cBhvr>
-                                        <p:cTn id="28" dur="500"/>
+                                        <p:cTn id="64" dur="500"/>
                                         <p:tgtEl>
                                           <p:spTgt spid="22"/>
                                         </p:tgtEl>
@@ -24080,7 +27232,7 @@
                                     </p:animEffect>
                                     <p:set>
                                       <p:cBhvr>
-                                        <p:cTn id="29" dur="1" fill="hold">
+                                        <p:cTn id="65" dur="1" fill="hold">
                                           <p:stCondLst>
                                             <p:cond delay="499"/>
                                           </p:stCondLst>
@@ -24126,6 +27278,20 @@
         </p:cTn>
       </p:par>
     </p:tnLst>
+    <p:bldLst>
+      <p:bldP spid="2" grpId="0"/>
+      <p:bldP spid="2" grpId="1"/>
+      <p:bldP spid="4" grpId="0"/>
+      <p:bldP spid="4" grpId="1"/>
+      <p:bldP spid="6" grpId="0"/>
+      <p:bldP spid="6" grpId="1"/>
+      <p:bldP spid="9" grpId="0"/>
+      <p:bldP spid="9" grpId="1"/>
+      <p:bldP spid="11" grpId="0"/>
+      <p:bldP spid="17" grpId="0"/>
+      <p:bldP spid="18" grpId="0"/>
+      <p:bldP spid="19" grpId="0"/>
+    </p:bldLst>
   </p:timing>
 </p:sld>
 </file>
@@ -29764,7 +32930,7 @@
           <a:lstStyle/>
           <a:p>
             <a:r>
-              <a:rPr lang="en-GB">
+              <a:rPr lang="en-GB" dirty="0">
                 <a:solidFill>
                   <a:schemeClr val="bg1"/>
                 </a:solidFill>
@@ -30290,6 +33456,31 @@
           </a:fontRef>
         </p:style>
       </p:cxnSp>
+      <p:sp>
+        <p:nvSpPr>
+          <p:cNvPr id="15" name="Content Placeholder 14">
+            <a:extLst>
+              <a:ext uri="{FF2B5EF4-FFF2-40B4-BE49-F238E27FC236}">
+                <a16:creationId xmlns:a16="http://schemas.microsoft.com/office/drawing/2014/main" id="{56B822B8-6072-F222-19EB-FC7155BD723A}"/>
+              </a:ext>
+            </a:extLst>
+          </p:cNvPr>
+          <p:cNvSpPr>
+            <a:spLocks noGrp="1"/>
+          </p:cNvSpPr>
+          <p:nvPr>
+            <p:ph idx="1"/>
+          </p:nvPr>
+        </p:nvSpPr>
+        <p:spPr/>
+        <p:txBody>
+          <a:bodyPr/>
+          <a:lstStyle/>
+          <a:p>
+            <a:endParaRPr lang="en-DE" dirty="0"/>
+          </a:p>
+        </p:txBody>
+      </p:sp>
       <p:pic>
         <p:nvPicPr>
           <p:cNvPr id="11" name="Picture 10" descr="A cartoon of a child sitting in a chair&#10;&#10;Description automatically generated with low confidence">
@@ -30318,7 +33509,7 @@
         </p:blipFill>
         <p:spPr>
           <a:xfrm>
-            <a:off x="449262" y="447675"/>
+            <a:off x="474821" y="447675"/>
             <a:ext cx="11290300" cy="5962650"/>
           </a:xfrm>
           <a:prstGeom prst="rect">
@@ -30328,26 +33519,79 @@
       </p:pic>
       <p:sp>
         <p:nvSpPr>
-          <p:cNvPr id="15" name="Content Placeholder 14">
+          <p:cNvPr id="3" name="TextBox 2">
             <a:extLst>
               <a:ext uri="{FF2B5EF4-FFF2-40B4-BE49-F238E27FC236}">
-                <a16:creationId xmlns:a16="http://schemas.microsoft.com/office/drawing/2014/main" id="{56B822B8-6072-F222-19EB-FC7155BD723A}"/>
+                <a16:creationId xmlns:a16="http://schemas.microsoft.com/office/drawing/2014/main" id="{E78153FE-58B0-5E96-A79B-CBC7900F7E06}"/>
               </a:ext>
             </a:extLst>
           </p:cNvPr>
-          <p:cNvSpPr>
-            <a:spLocks noGrp="1"/>
-          </p:cNvSpPr>
-          <p:nvPr>
-            <p:ph idx="1"/>
-          </p:nvPr>
+          <p:cNvSpPr txBox="1"/>
+          <p:nvPr/>
         </p:nvSpPr>
-        <p:spPr/>
+        <p:spPr>
+          <a:xfrm>
+            <a:off x="5311105" y="471100"/>
+            <a:ext cx="1566614" cy="276999"/>
+          </a:xfrm>
+          <a:prstGeom prst="rect">
+            <a:avLst/>
+          </a:prstGeom>
+          <a:noFill/>
+        </p:spPr>
         <p:txBody>
-          <a:bodyPr/>
+          <a:bodyPr wrap="square" rtlCol="0">
+            <a:spAutoFit/>
+          </a:bodyPr>
           <a:lstStyle/>
           <a:p>
-            <a:endParaRPr lang="en-DE" dirty="0"/>
+            <a:r>
+              <a:rPr lang="en-GB" sz="1200" i="1" dirty="0"/>
+              <a:t>Fig. 1: Boy reading a book</a:t>
+            </a:r>
+            <a:endParaRPr lang="en-DE" sz="1200" i="1" dirty="0"/>
+          </a:p>
+        </p:txBody>
+      </p:sp>
+      <p:sp>
+        <p:nvSpPr>
+          <p:cNvPr id="5" name="TextBox 4">
+            <a:extLst>
+              <a:ext uri="{FF2B5EF4-FFF2-40B4-BE49-F238E27FC236}">
+                <a16:creationId xmlns:a16="http://schemas.microsoft.com/office/drawing/2014/main" id="{26AAAB1F-2632-E035-61FB-E9B534509A6B}"/>
+              </a:ext>
+            </a:extLst>
+          </p:cNvPr>
+          <p:cNvSpPr txBox="1"/>
+          <p:nvPr/>
+        </p:nvSpPr>
+        <p:spPr>
+          <a:xfrm>
+            <a:off x="4587957" y="5684207"/>
+            <a:ext cx="3012909" cy="276999"/>
+          </a:xfrm>
+          <a:prstGeom prst="rect">
+            <a:avLst/>
+          </a:prstGeom>
+          <a:noFill/>
+        </p:spPr>
+        <p:txBody>
+          <a:bodyPr wrap="square" rtlCol="0">
+            <a:spAutoFit/>
+          </a:bodyPr>
+          <a:lstStyle/>
+          <a:p>
+            <a:r>
+              <a:rPr lang="en-GB" sz="1200" i="1" dirty="0"/>
+              <a:t>Source: Own creation with </a:t>
+            </a:r>
+            <a:r>
+              <a:rPr lang="en-GB" sz="1200" i="1" dirty="0">
+                <a:hlinkClick r:id="rId4"/>
+              </a:rPr>
+              <a:t>https://www.canva.com/</a:t>
+            </a:r>
+            <a:endParaRPr lang="en-DE" sz="1200" i="1" dirty="0"/>
           </a:p>
         </p:txBody>
       </p:sp>
@@ -30410,59 +33654,6 @@
                                         <p:cTn id="7" dur="500"/>
                                         <p:tgtEl>
                                           <p:spTgt spid="2"/>
-                                        </p:tgtEl>
-                                      </p:cBhvr>
-                                    </p:animEffect>
-                                  </p:childTnLst>
-                                </p:cTn>
-                              </p:par>
-                            </p:childTnLst>
-                          </p:cTn>
-                        </p:par>
-                      </p:childTnLst>
-                    </p:cTn>
-                  </p:par>
-                  <p:par>
-                    <p:cTn id="8" fill="hold">
-                      <p:stCondLst>
-                        <p:cond delay="indefinite"/>
-                      </p:stCondLst>
-                      <p:childTnLst>
-                        <p:par>
-                          <p:cTn id="9" fill="hold">
-                            <p:stCondLst>
-                              <p:cond delay="0"/>
-                            </p:stCondLst>
-                            <p:childTnLst>
-                              <p:par>
-                                <p:cTn id="10" presetID="22" presetClass="entr" presetSubtype="4" fill="hold" nodeType="clickEffect">
-                                  <p:stCondLst>
-                                    <p:cond delay="0"/>
-                                  </p:stCondLst>
-                                  <p:childTnLst>
-                                    <p:set>
-                                      <p:cBhvr>
-                                        <p:cTn id="11" dur="1" fill="hold">
-                                          <p:stCondLst>
-                                            <p:cond delay="0"/>
-                                          </p:stCondLst>
-                                        </p:cTn>
-                                        <p:tgtEl>
-                                          <p:spTgt spid="11"/>
-                                        </p:tgtEl>
-                                        <p:attrNameLst>
-                                          <p:attrName>style.visibility</p:attrName>
-                                        </p:attrNameLst>
-                                      </p:cBhvr>
-                                      <p:to>
-                                        <p:strVal val="visible"/>
-                                      </p:to>
-                                    </p:set>
-                                    <p:animEffect transition="in" filter="wipe(down)">
-                                      <p:cBhvr>
-                                        <p:cTn id="12" dur="500"/>
-                                        <p:tgtEl>
-                                          <p:spTgt spid="11"/>
                                         </p:tgtEl>
                                       </p:cBhvr>
                                     </p:animEffect>
@@ -30993,6 +34184,84 @@
               <a:buNone/>
             </a:pPr>
             <a:endParaRPr lang="en-DE" dirty="0"/>
+          </a:p>
+        </p:txBody>
+      </p:sp>
+      <p:sp>
+        <p:nvSpPr>
+          <p:cNvPr id="5" name="TextBox 4">
+            <a:extLst>
+              <a:ext uri="{FF2B5EF4-FFF2-40B4-BE49-F238E27FC236}">
+                <a16:creationId xmlns:a16="http://schemas.microsoft.com/office/drawing/2014/main" id="{FB1B78A1-8F03-3651-5478-95029069E53B}"/>
+              </a:ext>
+            </a:extLst>
+          </p:cNvPr>
+          <p:cNvSpPr txBox="1"/>
+          <p:nvPr/>
+        </p:nvSpPr>
+        <p:spPr>
+          <a:xfrm>
+            <a:off x="6122294" y="592183"/>
+            <a:ext cx="2636495" cy="276999"/>
+          </a:xfrm>
+          <a:prstGeom prst="rect">
+            <a:avLst/>
+          </a:prstGeom>
+          <a:noFill/>
+        </p:spPr>
+        <p:txBody>
+          <a:bodyPr wrap="square">
+            <a:spAutoFit/>
+          </a:bodyPr>
+          <a:lstStyle/>
+          <a:p>
+            <a:r>
+              <a:rPr lang="en-GB" sz="1200" i="1" dirty="0"/>
+              <a:t>Fig. 2: A boy and a laptop</a:t>
+            </a:r>
+            <a:endParaRPr lang="en-DE" sz="1200" i="1" dirty="0"/>
+          </a:p>
+        </p:txBody>
+      </p:sp>
+      <p:sp>
+        <p:nvSpPr>
+          <p:cNvPr id="10" name="TextBox 9">
+            <a:extLst>
+              <a:ext uri="{FF2B5EF4-FFF2-40B4-BE49-F238E27FC236}">
+                <a16:creationId xmlns:a16="http://schemas.microsoft.com/office/drawing/2014/main" id="{54B97F8C-99AF-2C46-0B96-4DB355A8CB24}"/>
+              </a:ext>
+            </a:extLst>
+          </p:cNvPr>
+          <p:cNvSpPr txBox="1"/>
+          <p:nvPr/>
+        </p:nvSpPr>
+        <p:spPr>
+          <a:xfrm>
+            <a:off x="4675948" y="5820962"/>
+            <a:ext cx="6097002" cy="276999"/>
+          </a:xfrm>
+          <a:prstGeom prst="rect">
+            <a:avLst/>
+          </a:prstGeom>
+          <a:noFill/>
+        </p:spPr>
+        <p:txBody>
+          <a:bodyPr wrap="square">
+            <a:spAutoFit/>
+          </a:bodyPr>
+          <a:lstStyle/>
+          <a:p>
+            <a:r>
+              <a:rPr lang="en-GB" sz="1200" i="1" dirty="0"/>
+              <a:t>Source: Own creation with </a:t>
+            </a:r>
+            <a:r>
+              <a:rPr lang="en-GB" sz="1200" i="1" dirty="0">
+                <a:hlinkClick r:id="rId3"/>
+              </a:rPr>
+              <a:t>https://www.canva.com/</a:t>
+            </a:r>
+            <a:endParaRPr lang="en-DE" sz="1200" i="1" dirty="0"/>
           </a:p>
         </p:txBody>
       </p:sp>
@@ -31740,7 +35009,7 @@
                   <a:schemeClr val="bg1"/>
                 </a:solidFill>
               </a:rPr>
-              <a:t>.”</a:t>
+              <a:t>.” (Fowler, 1999, S. 56)</a:t>
             </a:r>
           </a:p>
           <a:p>
@@ -31783,8 +35052,13 @@
                   <a:schemeClr val="bg1"/>
                 </a:solidFill>
               </a:rPr>
-              <a:t>.”</a:t>
+              <a:t>.” (Fowler, 1999, S. 56)</a:t>
             </a:r>
+          </a:p>
+          <a:p>
+            <a:pPr marL="0" indent="0" algn="ctr">
+              <a:buNone/>
+            </a:pPr>
             <a:endParaRPr lang="en-DE" dirty="0">
               <a:solidFill>
                 <a:schemeClr val="bg1"/>
@@ -32712,6 +35986,111 @@
           </a:graphicData>
         </a:graphic>
       </p:graphicFrame>
+      <p:sp>
+        <p:nvSpPr>
+          <p:cNvPr id="4" name="TextBox 3">
+            <a:extLst>
+              <a:ext uri="{FF2B5EF4-FFF2-40B4-BE49-F238E27FC236}">
+                <a16:creationId xmlns:a16="http://schemas.microsoft.com/office/drawing/2014/main" id="{036D478E-DC48-501B-D98C-C63427D29CF1}"/>
+              </a:ext>
+            </a:extLst>
+          </p:cNvPr>
+          <p:cNvSpPr txBox="1"/>
+          <p:nvPr/>
+        </p:nvSpPr>
+        <p:spPr>
+          <a:xfrm>
+            <a:off x="5018879" y="2057181"/>
+            <a:ext cx="1833105" cy="276999"/>
+          </a:xfrm>
+          <a:prstGeom prst="rect">
+            <a:avLst/>
+          </a:prstGeom>
+          <a:noFill/>
+        </p:spPr>
+        <p:txBody>
+          <a:bodyPr wrap="square">
+            <a:spAutoFit/>
+          </a:bodyPr>
+          <a:lstStyle/>
+          <a:p>
+            <a:r>
+              <a:rPr lang="en-GB" sz="1200" i="1" dirty="0">
+                <a:solidFill>
+                  <a:schemeClr val="bg1"/>
+                </a:solidFill>
+              </a:rPr>
+              <a:t>Fig. 3: </a:t>
+            </a:r>
+            <a:r>
+              <a:rPr lang="en-GB" sz="1200" i="1" dirty="0" err="1">
+                <a:solidFill>
+                  <a:schemeClr val="bg1"/>
+                </a:solidFill>
+              </a:rPr>
+              <a:t>Catalog</a:t>
+            </a:r>
+            <a:r>
+              <a:rPr lang="en-GB" sz="1200" i="1" dirty="0">
+                <a:solidFill>
+                  <a:schemeClr val="bg1"/>
+                </a:solidFill>
+              </a:rPr>
+              <a:t> of </a:t>
+            </a:r>
+            <a:r>
+              <a:rPr lang="en-GB" sz="1200" i="1" dirty="0" err="1">
+                <a:solidFill>
+                  <a:schemeClr val="bg1"/>
+                </a:solidFill>
+              </a:rPr>
+              <a:t>refactotings</a:t>
+            </a:r>
+            <a:endParaRPr lang="en-DE" sz="1200" i="1" dirty="0">
+              <a:solidFill>
+                <a:schemeClr val="bg1"/>
+              </a:solidFill>
+            </a:endParaRPr>
+          </a:p>
+        </p:txBody>
+      </p:sp>
+      <p:sp>
+        <p:nvSpPr>
+          <p:cNvPr id="5" name="TextBox 4">
+            <a:extLst>
+              <a:ext uri="{FF2B5EF4-FFF2-40B4-BE49-F238E27FC236}">
+                <a16:creationId xmlns:a16="http://schemas.microsoft.com/office/drawing/2014/main" id="{839CC0AC-5AA7-35AF-D099-B4DDBA2C23B5}"/>
+              </a:ext>
+            </a:extLst>
+          </p:cNvPr>
+          <p:cNvSpPr txBox="1"/>
+          <p:nvPr/>
+        </p:nvSpPr>
+        <p:spPr>
+          <a:xfrm>
+            <a:off x="3112266" y="6299885"/>
+            <a:ext cx="6015410" cy="646331"/>
+          </a:xfrm>
+          <a:prstGeom prst="rect">
+            <a:avLst/>
+          </a:prstGeom>
+          <a:noFill/>
+        </p:spPr>
+        <p:txBody>
+          <a:bodyPr wrap="square" rtlCol="0">
+            <a:spAutoFit/>
+          </a:bodyPr>
+          <a:lstStyle/>
+          <a:p>
+            <a:pPr algn="ctr"/>
+            <a:r>
+              <a:rPr lang="de-DE" dirty="0"/>
+              <a:t>Own presentation based on refactogin website by Martin Fowler (https://refactoring.com/catalog/)</a:t>
+            </a:r>
+            <a:endParaRPr lang="en-DE" dirty="0"/>
+          </a:p>
+        </p:txBody>
+      </p:sp>
     </p:spTree>
     <p:extLst>
       <p:ext uri="{BB962C8B-B14F-4D97-AF65-F5344CB8AC3E}">
@@ -36063,6 +39442,78 @@
                       </p:childTnLst>
                     </p:cTn>
                   </p:par>
+                  <p:par>
+                    <p:cTn id="274" fill="hold">
+                      <p:stCondLst>
+                        <p:cond delay="indefinite"/>
+                      </p:stCondLst>
+                      <p:childTnLst>
+                        <p:par>
+                          <p:cTn id="275" fill="hold">
+                            <p:stCondLst>
+                              <p:cond delay="0"/>
+                            </p:stCondLst>
+                            <p:childTnLst>
+                              <p:par>
+                                <p:cTn id="276" presetID="1" presetClass="entr" presetSubtype="0" fill="hold" grpId="0" nodeType="clickEffect">
+                                  <p:stCondLst>
+                                    <p:cond delay="0"/>
+                                  </p:stCondLst>
+                                  <p:childTnLst>
+                                    <p:set>
+                                      <p:cBhvr>
+                                        <p:cTn id="277" dur="1" fill="hold">
+                                          <p:stCondLst>
+                                            <p:cond delay="0"/>
+                                          </p:stCondLst>
+                                        </p:cTn>
+                                        <p:tgtEl>
+                                          <p:spTgt spid="5"/>
+                                        </p:tgtEl>
+                                        <p:attrNameLst>
+                                          <p:attrName>style.visibility</p:attrName>
+                                        </p:attrNameLst>
+                                      </p:cBhvr>
+                                      <p:to>
+                                        <p:strVal val="visible"/>
+                                      </p:to>
+                                    </p:set>
+                                  </p:childTnLst>
+                                </p:cTn>
+                              </p:par>
+                              <p:par>
+                                <p:cTn id="278" presetID="1" presetClass="entr" presetSubtype="0" fill="hold" grpId="0" nodeType="withEffect">
+                                  <p:stCondLst>
+                                    <p:cond delay="0"/>
+                                  </p:stCondLst>
+                                  <p:childTnLst>
+                                    <p:set>
+                                      <p:cBhvr>
+                                        <p:cTn id="279" dur="1" fill="hold">
+                                          <p:stCondLst>
+                                            <p:cond delay="0"/>
+                                          </p:stCondLst>
+                                        </p:cTn>
+                                        <p:tgtEl>
+                                          <p:spTgt spid="4"/>
+                                        </p:tgtEl>
+                                        <p:attrNameLst>
+                                          <p:attrName>style.visibility</p:attrName>
+                                        </p:attrNameLst>
+                                      </p:cBhvr>
+                                      <p:to>
+                                        <p:strVal val="visible"/>
+                                      </p:to>
+                                    </p:set>
+                                  </p:childTnLst>
+                                </p:cTn>
+                              </p:par>
+                            </p:childTnLst>
+                          </p:cTn>
+                        </p:par>
+                      </p:childTnLst>
+                    </p:cTn>
+                  </p:par>
                 </p:childTnLst>
               </p:cTn>
               <p:prevCondLst>
@@ -36101,6 +39552,8 @@
           <a:bldDgm bld="one"/>
         </p:bldSub>
       </p:bldGraphic>
+      <p:bldP spid="4" grpId="0"/>
+      <p:bldP spid="5" grpId="0"/>
     </p:bldLst>
   </p:timing>
 </p:sld>
@@ -36171,29 +39624,20 @@
         <p:spPr/>
         <p:txBody>
           <a:bodyPr>
-            <a:normAutofit fontScale="92500"/>
+            <a:normAutofit/>
           </a:bodyPr>
           <a:lstStyle/>
           <a:p>
             <a:pPr algn="ctr"/>
             <a:r>
               <a:rPr lang="en-GB" dirty="0"/>
-              <a:t>“Imagine a company of theatrical players who go out to various events performing plays. Typically, a customer will request a few plays and the company charges them based on the size of the audience and the kind of play they perform. There are currently two kinds of plays that the company performs: tragedies and comedies. As well as providing a bill for the performance, the company gives its customers “volume credits” which they can use for discounts on future performances—think of it as a customer loyalty mechanism.”</a:t>
+              <a:t>Imagine a company of theatrical players who go out to various events performing plays. Typically, a customer will request a few plays and the company charges them based on the size of the audience and the kind of play they perform. There are currently two kinds of plays that the company performs: tragedies and comedies. As well as providing a bill for the performance, the company gives its customers “volume credits” which they can use for discounts on future performances—think of it as a customer loyalty mechanism. (Fowler, 1999, S. 6)</a:t>
             </a:r>
           </a:p>
           <a:p>
-            <a:pPr algn="ctr"/>
-            <a:r>
-              <a:rPr lang="en-GB" dirty="0"/>
-              <a:t>- Martin Fowler in his book “Refactoring</a:t>
-            </a:r>
-            <a:br>
-              <a:rPr lang="en-GB" dirty="0"/>
-            </a:br>
-            <a:r>
-              <a:rPr lang="en-GB" dirty="0"/>
-              <a:t> Improving the Design of Existing Code”</a:t>
-            </a:r>
+            <a:pPr marL="0" indent="0" algn="ctr">
+              <a:buNone/>
+            </a:pPr>
             <a:endParaRPr lang="en-DE" dirty="0"/>
           </a:p>
         </p:txBody>
@@ -36263,67 +39707,6 @@
                                           <p:spTgt spid="3">
                                             <p:txEl>
                                               <p:pRg st="0" end="0"/>
-                                            </p:txEl>
-                                          </p:spTgt>
-                                        </p:tgtEl>
-                                      </p:cBhvr>
-                                    </p:animEffect>
-                                  </p:childTnLst>
-                                </p:cTn>
-                              </p:par>
-                            </p:childTnLst>
-                          </p:cTn>
-                        </p:par>
-                      </p:childTnLst>
-                    </p:cTn>
-                  </p:par>
-                  <p:par>
-                    <p:cTn id="8" fill="hold">
-                      <p:stCondLst>
-                        <p:cond delay="indefinite"/>
-                      </p:stCondLst>
-                      <p:childTnLst>
-                        <p:par>
-                          <p:cTn id="9" fill="hold">
-                            <p:stCondLst>
-                              <p:cond delay="0"/>
-                            </p:stCondLst>
-                            <p:childTnLst>
-                              <p:par>
-                                <p:cTn id="10" presetID="10" presetClass="entr" presetSubtype="0" fill="hold" grpId="0" nodeType="clickEffect">
-                                  <p:stCondLst>
-                                    <p:cond delay="0"/>
-                                  </p:stCondLst>
-                                  <p:childTnLst>
-                                    <p:set>
-                                      <p:cBhvr>
-                                        <p:cTn id="11" dur="1" fill="hold">
-                                          <p:stCondLst>
-                                            <p:cond delay="0"/>
-                                          </p:stCondLst>
-                                        </p:cTn>
-                                        <p:tgtEl>
-                                          <p:spTgt spid="3">
-                                            <p:txEl>
-                                              <p:pRg st="1" end="1"/>
-                                            </p:txEl>
-                                          </p:spTgt>
-                                        </p:tgtEl>
-                                        <p:attrNameLst>
-                                          <p:attrName>style.visibility</p:attrName>
-                                        </p:attrNameLst>
-                                      </p:cBhvr>
-                                      <p:to>
-                                        <p:strVal val="visible"/>
-                                      </p:to>
-                                    </p:set>
-                                    <p:animEffect transition="in" filter="fade">
-                                      <p:cBhvr>
-                                        <p:cTn id="12" dur="500"/>
-                                        <p:tgtEl>
-                                          <p:spTgt spid="3">
-                                            <p:txEl>
-                                              <p:pRg st="1" end="1"/>
                                             </p:txEl>
                                           </p:spTgt>
                                         </p:tgtEl>

--- a/Informatik/Refactoring_Slaven_Mlinaric - v2 [Autosaved].pptx
+++ b/Informatik/Refactoring_Slaven_Mlinaric - v2 [Autosaved].pptx
@@ -15153,7 +15153,7 @@
           <a:p>
             <a:fld id="{6E56E307-6B2F-44D3-BAE8-85C161B1104B}" type="datetimeFigureOut">
               <a:rPr lang="en-DE" smtClean="0"/>
-              <a:t>01/01/2023</a:t>
+              <a:t>05/01/2023</a:t>
             </a:fld>
             <a:endParaRPr lang="en-DE"/>
           </a:p>
@@ -15477,7 +15477,7 @@
           <a:p>
             <a:fld id="{6E56E307-6B2F-44D3-BAE8-85C161B1104B}" type="datetimeFigureOut">
               <a:rPr lang="en-DE" smtClean="0"/>
-              <a:t>01/01/2023</a:t>
+              <a:t>05/01/2023</a:t>
             </a:fld>
             <a:endParaRPr lang="en-DE"/>
           </a:p>
@@ -15725,7 +15725,7 @@
           <a:p>
             <a:fld id="{6E56E307-6B2F-44D3-BAE8-85C161B1104B}" type="datetimeFigureOut">
               <a:rPr lang="en-DE" smtClean="0"/>
-              <a:t>01/01/2023</a:t>
+              <a:t>05/01/2023</a:t>
             </a:fld>
             <a:endParaRPr lang="en-DE"/>
           </a:p>
@@ -16064,7 +16064,7 @@
           <a:p>
             <a:fld id="{6E56E307-6B2F-44D3-BAE8-85C161B1104B}" type="datetimeFigureOut">
               <a:rPr lang="en-DE" smtClean="0"/>
-              <a:t>01/01/2023</a:t>
+              <a:t>05/01/2023</a:t>
             </a:fld>
             <a:endParaRPr lang="en-DE"/>
           </a:p>
@@ -16411,7 +16411,7 @@
           <a:p>
             <a:fld id="{6E56E307-6B2F-44D3-BAE8-85C161B1104B}" type="datetimeFigureOut">
               <a:rPr lang="en-DE" smtClean="0"/>
-              <a:t>01/01/2023</a:t>
+              <a:t>05/01/2023</a:t>
             </a:fld>
             <a:endParaRPr lang="en-DE"/>
           </a:p>
@@ -16785,7 +16785,7 @@
           <a:p>
             <a:fld id="{6E56E307-6B2F-44D3-BAE8-85C161B1104B}" type="datetimeFigureOut">
               <a:rPr lang="en-DE" smtClean="0"/>
-              <a:t>01/01/2023</a:t>
+              <a:t>05/01/2023</a:t>
             </a:fld>
             <a:endParaRPr lang="en-DE"/>
           </a:p>
@@ -17255,7 +17255,7 @@
           <a:p>
             <a:fld id="{6E56E307-6B2F-44D3-BAE8-85C161B1104B}" type="datetimeFigureOut">
               <a:rPr lang="en-DE" smtClean="0"/>
-              <a:t>01/01/2023</a:t>
+              <a:t>05/01/2023</a:t>
             </a:fld>
             <a:endParaRPr lang="en-DE"/>
           </a:p>
@@ -17460,7 +17460,7 @@
           <a:p>
             <a:fld id="{6E56E307-6B2F-44D3-BAE8-85C161B1104B}" type="datetimeFigureOut">
               <a:rPr lang="en-DE" smtClean="0"/>
-              <a:t>01/01/2023</a:t>
+              <a:t>05/01/2023</a:t>
             </a:fld>
             <a:endParaRPr lang="en-DE"/>
           </a:p>
@@ -17671,7 +17671,7 @@
           <a:p>
             <a:fld id="{6E56E307-6B2F-44D3-BAE8-85C161B1104B}" type="datetimeFigureOut">
               <a:rPr lang="en-DE" smtClean="0"/>
-              <a:t>01/01/2023</a:t>
+              <a:t>05/01/2023</a:t>
             </a:fld>
             <a:endParaRPr lang="en-DE"/>
           </a:p>
@@ -17903,7 +17903,7 @@
           <a:p>
             <a:fld id="{6E56E307-6B2F-44D3-BAE8-85C161B1104B}" type="datetimeFigureOut">
               <a:rPr lang="en-DE" smtClean="0"/>
-              <a:t>01/01/2023</a:t>
+              <a:t>05/01/2023</a:t>
             </a:fld>
             <a:endParaRPr lang="en-DE"/>
           </a:p>
@@ -18151,7 +18151,7 @@
           <a:p>
             <a:fld id="{6E56E307-6B2F-44D3-BAE8-85C161B1104B}" type="datetimeFigureOut">
               <a:rPr lang="en-DE" smtClean="0"/>
-              <a:t>01/01/2023</a:t>
+              <a:t>05/01/2023</a:t>
             </a:fld>
             <a:endParaRPr lang="en-DE"/>
           </a:p>
@@ -18449,7 +18449,7 @@
           <a:p>
             <a:fld id="{6E56E307-6B2F-44D3-BAE8-85C161B1104B}" type="datetimeFigureOut">
               <a:rPr lang="en-DE" smtClean="0"/>
-              <a:t>01/01/2023</a:t>
+              <a:t>05/01/2023</a:t>
             </a:fld>
             <a:endParaRPr lang="en-DE"/>
           </a:p>
@@ -18843,7 +18843,7 @@
           <a:p>
             <a:fld id="{6E56E307-6B2F-44D3-BAE8-85C161B1104B}" type="datetimeFigureOut">
               <a:rPr lang="en-DE" smtClean="0"/>
-              <a:t>01/01/2023</a:t>
+              <a:t>05/01/2023</a:t>
             </a:fld>
             <a:endParaRPr lang="en-DE"/>
           </a:p>
@@ -18992,7 +18992,7 @@
           <a:p>
             <a:fld id="{6E56E307-6B2F-44D3-BAE8-85C161B1104B}" type="datetimeFigureOut">
               <a:rPr lang="en-DE" smtClean="0"/>
-              <a:t>01/01/2023</a:t>
+              <a:t>05/01/2023</a:t>
             </a:fld>
             <a:endParaRPr lang="en-DE"/>
           </a:p>
@@ -19118,7 +19118,7 @@
           <a:p>
             <a:fld id="{6E56E307-6B2F-44D3-BAE8-85C161B1104B}" type="datetimeFigureOut">
               <a:rPr lang="en-DE" smtClean="0"/>
-              <a:t>01/01/2023</a:t>
+              <a:t>05/01/2023</a:t>
             </a:fld>
             <a:endParaRPr lang="en-DE"/>
           </a:p>
@@ -19373,7 +19373,7 @@
           <a:p>
             <a:fld id="{6E56E307-6B2F-44D3-BAE8-85C161B1104B}" type="datetimeFigureOut">
               <a:rPr lang="en-DE" smtClean="0"/>
-              <a:t>01/01/2023</a:t>
+              <a:t>05/01/2023</a:t>
             </a:fld>
             <a:endParaRPr lang="en-DE"/>
           </a:p>
@@ -19688,7 +19688,7 @@
           <a:p>
             <a:fld id="{6E56E307-6B2F-44D3-BAE8-85C161B1104B}" type="datetimeFigureOut">
               <a:rPr lang="en-DE" smtClean="0"/>
-              <a:t>01/01/2023</a:t>
+              <a:t>05/01/2023</a:t>
             </a:fld>
             <a:endParaRPr lang="en-DE"/>
           </a:p>
@@ -20039,7 +20039,7 @@
           <a:p>
             <a:fld id="{6E56E307-6B2F-44D3-BAE8-85C161B1104B}" type="datetimeFigureOut">
               <a:rPr lang="en-DE" smtClean="0"/>
-              <a:t>01/01/2023</a:t>
+              <a:t>05/01/2023</a:t>
             </a:fld>
             <a:endParaRPr lang="en-DE"/>
           </a:p>
@@ -33568,7 +33568,7 @@
         <p:spPr>
           <a:xfrm>
             <a:off x="4587957" y="5684207"/>
-            <a:ext cx="3012909" cy="276999"/>
+            <a:ext cx="3268664" cy="276999"/>
           </a:xfrm>
           <a:prstGeom prst="rect">
             <a:avLst/>
@@ -33583,7 +33583,7 @@
           <a:p>
             <a:r>
               <a:rPr lang="en-GB" sz="1200" i="1" dirty="0"/>
-              <a:t>Source: Own creation with </a:t>
+              <a:t>Source: Own presentation with </a:t>
             </a:r>
             <a:r>
               <a:rPr lang="en-GB" sz="1200" i="1" dirty="0">
@@ -39598,7 +39598,7 @@
           <a:lstStyle/>
           <a:p>
             <a:r>
-              <a:rPr lang="en-GB" dirty="0"/>
+              <a:rPr lang="en-GB"/>
               <a:t>Example:</a:t>
             </a:r>
             <a:endParaRPr lang="en-DE" dirty="0"/>
@@ -39630,7 +39630,7 @@
           <a:p>
             <a:pPr algn="ctr"/>
             <a:r>
-              <a:rPr lang="en-GB" dirty="0"/>
+              <a:rPr lang="en-GB"/>
               <a:t>Imagine a company of theatrical players who go out to various events performing plays. Typically, a customer will request a few plays and the company charges them based on the size of the audience and the kind of play they perform. There are currently two kinds of plays that the company performs: tragedies and comedies. As well as providing a bill for the performance, the company gives its customers “volume credits” which they can use for discounts on future performances—think of it as a customer loyalty mechanism. (Fowler, 1999, S. 6)</a:t>
             </a:r>
           </a:p>
